--- a/개인/석사학위논문/Paper Introduction.pptx
+++ b/개인/석사학위논문/Paper Introduction.pptx
@@ -5,9 +5,11 @@
     <p:sldMasterId id="2147483648" r:id="rId1"/>
   </p:sldMasterIdLst>
   <p:sldIdLst>
-    <p:sldId id="261" r:id="rId2"/>
-    <p:sldId id="258" r:id="rId3"/>
-    <p:sldId id="262" r:id="rId4"/>
+    <p:sldId id="264" r:id="rId2"/>
+    <p:sldId id="265" r:id="rId3"/>
+    <p:sldId id="267" r:id="rId4"/>
+    <p:sldId id="263" r:id="rId5"/>
+    <p:sldId id="258" r:id="rId6"/>
   </p:sldIdLst>
   <p:sldSz cx="12192000" cy="6858000"/>
   <p:notesSz cx="6858000" cy="9144000"/>
@@ -2973,14 +2975,14 @@
       </p:grpSpPr>
       <p:sp>
         <p:nvSpPr>
-          <p:cNvPr id="9" name="TextBox 8"/>
+          <p:cNvPr id="4" name="TextBox 3"/>
           <p:cNvSpPr txBox="1"/>
           <p:nvPr/>
         </p:nvSpPr>
         <p:spPr>
           <a:xfrm>
-            <a:off x="163901" y="1909210"/>
-            <a:ext cx="1868204" cy="338554"/>
+            <a:off x="0" y="0"/>
+            <a:ext cx="1923691" cy="400110"/>
           </a:xfrm>
           <a:prstGeom prst="rect">
             <a:avLst/>
@@ -2988,459 +2990,29 @@
           <a:noFill/>
         </p:spPr>
         <p:txBody>
-          <a:bodyPr wrap="none" rtlCol="0">
+          <a:bodyPr wrap="square" rtlCol="0">
             <a:spAutoFit/>
           </a:bodyPr>
           <a:lstStyle/>
           <a:p>
             <a:r>
-              <a:rPr lang="en-US" altLang="ko-KR" sz="1600" dirty="0" smtClean="0"/>
-              <a:t>1x2 power splitter</a:t>
-            </a:r>
-            <a:endParaRPr lang="ko-KR" altLang="en-US" sz="1600" dirty="0"/>
-          </a:p>
-        </p:txBody>
-      </p:sp>
-      <p:sp>
-        <p:nvSpPr>
-          <p:cNvPr id="11" name="직사각형 10"/>
-          <p:cNvSpPr/>
+              <a:rPr lang="en-US" altLang="ko-KR" sz="2000" b="1" dirty="0" smtClean="0"/>
+              <a:t>Introduction</a:t>
+            </a:r>
+            <a:endParaRPr lang="ko-KR" altLang="en-US" sz="2000" b="1" dirty="0"/>
+          </a:p>
+        </p:txBody>
+      </p:sp>
+      <p:sp>
+        <p:nvSpPr>
+          <p:cNvPr id="5" name="TextBox 4"/>
+          <p:cNvSpPr txBox="1"/>
           <p:nvPr/>
         </p:nvSpPr>
         <p:spPr>
           <a:xfrm>
-            <a:off x="163901" y="2300693"/>
-            <a:ext cx="11645661" cy="1631216"/>
-          </a:xfrm>
-          <a:prstGeom prst="rect">
-            <a:avLst/>
-          </a:prstGeom>
-        </p:spPr>
-        <p:txBody>
-          <a:bodyPr wrap="square">
-            <a:spAutoFit/>
-          </a:bodyPr>
-          <a:lstStyle/>
-          <a:p>
-            <a:r>
-              <a:rPr lang="en-US" altLang="ko-KR" sz="1000" u="sng" dirty="0">
-                <a:solidFill>
-                  <a:srgbClr val="333333"/>
-                </a:solidFill>
-                <a:latin typeface="Times New Roman" panose="02020603050405020304" pitchFamily="18" charset="0"/>
-              </a:rPr>
-              <a:t>Machine Learning (ADMM) Inverse Design</a:t>
-            </a:r>
-          </a:p>
-          <a:p>
-            <a:pPr marL="171450" indent="-171450">
-              <a:buFontTx/>
-              <a:buChar char="-"/>
-            </a:pPr>
-            <a:r>
-              <a:rPr lang="en-US" altLang="ko-KR" sz="1000" dirty="0">
-                <a:solidFill>
-                  <a:srgbClr val="333333"/>
-                </a:solidFill>
-                <a:latin typeface="Times New Roman" panose="02020603050405020304" pitchFamily="18" charset="0"/>
-              </a:rPr>
-              <a:t>A. Y. Piggott, J. Lu, K. G. </a:t>
-            </a:r>
-            <a:r>
-              <a:rPr lang="en-US" altLang="ko-KR" sz="1000" dirty="0" err="1">
-                <a:solidFill>
-                  <a:srgbClr val="333333"/>
-                </a:solidFill>
-                <a:latin typeface="Times New Roman" panose="02020603050405020304" pitchFamily="18" charset="0"/>
-              </a:rPr>
-              <a:t>Lagoudakis</a:t>
-            </a:r>
-            <a:r>
-              <a:rPr lang="en-US" altLang="ko-KR" sz="1000" dirty="0">
-                <a:solidFill>
-                  <a:srgbClr val="333333"/>
-                </a:solidFill>
-                <a:latin typeface="Times New Roman" panose="02020603050405020304" pitchFamily="18" charset="0"/>
-              </a:rPr>
-              <a:t>, J. </a:t>
-            </a:r>
-            <a:r>
-              <a:rPr lang="en-US" altLang="ko-KR" sz="1000" dirty="0" err="1">
-                <a:solidFill>
-                  <a:srgbClr val="333333"/>
-                </a:solidFill>
-                <a:latin typeface="Times New Roman" panose="02020603050405020304" pitchFamily="18" charset="0"/>
-              </a:rPr>
-              <a:t>Petykiewicz</a:t>
-            </a:r>
-            <a:r>
-              <a:rPr lang="en-US" altLang="ko-KR" sz="1000" dirty="0">
-                <a:solidFill>
-                  <a:srgbClr val="333333"/>
-                </a:solidFill>
-                <a:latin typeface="Times New Roman" panose="02020603050405020304" pitchFamily="18" charset="0"/>
-              </a:rPr>
-              <a:t>, T. M. </a:t>
-            </a:r>
-            <a:r>
-              <a:rPr lang="en-US" altLang="ko-KR" sz="1000" dirty="0" err="1">
-                <a:solidFill>
-                  <a:srgbClr val="333333"/>
-                </a:solidFill>
-                <a:latin typeface="Times New Roman" panose="02020603050405020304" pitchFamily="18" charset="0"/>
-              </a:rPr>
-              <a:t>Babinec</a:t>
-            </a:r>
-            <a:r>
-              <a:rPr lang="en-US" altLang="ko-KR" sz="1000" dirty="0">
-                <a:solidFill>
-                  <a:srgbClr val="333333"/>
-                </a:solidFill>
-                <a:latin typeface="Times New Roman" panose="02020603050405020304" pitchFamily="18" charset="0"/>
-              </a:rPr>
-              <a:t>, and J. </a:t>
-            </a:r>
-            <a:r>
-              <a:rPr lang="en-US" altLang="ko-KR" sz="1000" dirty="0" err="1">
-                <a:solidFill>
-                  <a:srgbClr val="333333"/>
-                </a:solidFill>
-                <a:latin typeface="Times New Roman" panose="02020603050405020304" pitchFamily="18" charset="0"/>
-              </a:rPr>
-              <a:t>Vučković</a:t>
-            </a:r>
-            <a:r>
-              <a:rPr lang="en-US" altLang="ko-KR" sz="1000" dirty="0">
-                <a:solidFill>
-                  <a:srgbClr val="333333"/>
-                </a:solidFill>
-                <a:latin typeface="Times New Roman" panose="02020603050405020304" pitchFamily="18" charset="0"/>
-              </a:rPr>
-              <a:t>, “Inverse design and demonstration of a compact and broadband on-chip wavelength </a:t>
-            </a:r>
-            <a:r>
-              <a:rPr lang="en-US" altLang="ko-KR" sz="1000" dirty="0" err="1">
-                <a:solidFill>
-                  <a:srgbClr val="333333"/>
-                </a:solidFill>
-                <a:latin typeface="Times New Roman" panose="02020603050405020304" pitchFamily="18" charset="0"/>
-              </a:rPr>
-              <a:t>demultiplexer</a:t>
-            </a:r>
-            <a:r>
-              <a:rPr lang="en-US" altLang="ko-KR" sz="1000" dirty="0">
-                <a:solidFill>
-                  <a:srgbClr val="333333"/>
-                </a:solidFill>
-                <a:latin typeface="Times New Roman" panose="02020603050405020304" pitchFamily="18" charset="0"/>
-              </a:rPr>
-              <a:t>,” Nature Photonics, vol. 9, no. 6, pp. 374–377, 2015. </a:t>
-            </a:r>
-            <a:endParaRPr lang="en-US" altLang="ko-KR" sz="1000" u="sng" dirty="0" smtClean="0">
-              <a:solidFill>
-                <a:srgbClr val="333333"/>
-              </a:solidFill>
-              <a:latin typeface="Times New Roman" panose="02020603050405020304" pitchFamily="18" charset="0"/>
-            </a:endParaRPr>
-          </a:p>
-          <a:p>
-            <a:r>
-              <a:rPr lang="en-US" altLang="ko-KR" sz="1000" u="sng" dirty="0" smtClean="0">
-                <a:solidFill>
-                  <a:srgbClr val="333333"/>
-                </a:solidFill>
-                <a:latin typeface="Times New Roman" panose="02020603050405020304" pitchFamily="18" charset="0"/>
-              </a:rPr>
-              <a:t>DBS</a:t>
-            </a:r>
-            <a:endParaRPr lang="en-US" altLang="ko-KR" sz="1000" u="sng" dirty="0">
-              <a:solidFill>
-                <a:srgbClr val="333333"/>
-              </a:solidFill>
-              <a:latin typeface="Times New Roman" panose="02020603050405020304" pitchFamily="18" charset="0"/>
-            </a:endParaRPr>
-          </a:p>
-          <a:p>
-            <a:pPr marL="171450" indent="-171450">
-              <a:buFontTx/>
-              <a:buChar char="-"/>
-            </a:pPr>
-            <a:r>
-              <a:rPr lang="en-US" altLang="ko-KR" sz="1000" dirty="0">
-                <a:solidFill>
-                  <a:srgbClr val="333333"/>
-                </a:solidFill>
-                <a:latin typeface="Times New Roman" panose="02020603050405020304" pitchFamily="18" charset="0"/>
-              </a:rPr>
-              <a:t>L. Lu, M. Zhang, F. Zhou, and D. Liu, “An Ultra-compact Colorless 50:50 Coupler Based on </a:t>
-            </a:r>
-            <a:r>
-              <a:rPr lang="en-US" altLang="ko-KR" sz="1000" dirty="0" err="1">
-                <a:solidFill>
-                  <a:srgbClr val="333333"/>
-                </a:solidFill>
-                <a:latin typeface="Times New Roman" panose="02020603050405020304" pitchFamily="18" charset="0"/>
-              </a:rPr>
-              <a:t>PhC</a:t>
-            </a:r>
-            <a:r>
-              <a:rPr lang="en-US" altLang="ko-KR" sz="1000" dirty="0">
-                <a:solidFill>
-                  <a:srgbClr val="333333"/>
-                </a:solidFill>
-                <a:latin typeface="Times New Roman" panose="02020603050405020304" pitchFamily="18" charset="0"/>
-              </a:rPr>
-              <a:t>-like Metamaterial Structure,” Optical Fiber Communication Conference, 2016. </a:t>
-            </a:r>
-            <a:endParaRPr lang="en-US" altLang="ko-KR" sz="1000" u="sng" dirty="0" smtClean="0">
-              <a:solidFill>
-                <a:srgbClr val="333333"/>
-              </a:solidFill>
-              <a:latin typeface="Times New Roman" panose="02020603050405020304" pitchFamily="18" charset="0"/>
-            </a:endParaRPr>
-          </a:p>
-          <a:p>
-            <a:pPr lvl="0"/>
-            <a:r>
-              <a:rPr lang="en-US" altLang="ko-KR" sz="1000" u="sng" dirty="0" err="1" smtClean="0">
-                <a:solidFill>
-                  <a:srgbClr val="333333"/>
-                </a:solidFill>
-                <a:latin typeface="Times New Roman" panose="02020603050405020304" pitchFamily="18" charset="0"/>
-              </a:rPr>
-              <a:t>ResNet</a:t>
-            </a:r>
-            <a:r>
-              <a:rPr lang="en-US" altLang="ko-KR" sz="1000" u="sng" dirty="0" smtClean="0">
-                <a:solidFill>
-                  <a:srgbClr val="333333"/>
-                </a:solidFill>
-                <a:latin typeface="Times New Roman" panose="02020603050405020304" pitchFamily="18" charset="0"/>
-              </a:rPr>
-              <a:t> algorithm (without Convolutional Networks)</a:t>
-            </a:r>
-            <a:endParaRPr lang="en-US" altLang="ko-KR" sz="1000" u="sng" dirty="0">
-              <a:solidFill>
-                <a:srgbClr val="333333"/>
-              </a:solidFill>
-              <a:latin typeface="Times New Roman" panose="02020603050405020304" pitchFamily="18" charset="0"/>
-            </a:endParaRPr>
-          </a:p>
-          <a:p>
-            <a:pPr marL="171450" lvl="0" indent="-171450">
-              <a:buFontTx/>
-              <a:buChar char="-"/>
-            </a:pPr>
-            <a:r>
-              <a:rPr lang="en-US" altLang="ko-KR" sz="1000" dirty="0">
-                <a:solidFill>
-                  <a:srgbClr val="333333"/>
-                </a:solidFill>
-                <a:latin typeface="Times New Roman" panose="02020603050405020304" pitchFamily="18" charset="0"/>
-              </a:rPr>
-              <a:t>M. H. </a:t>
-            </a:r>
-            <a:r>
-              <a:rPr lang="en-US" altLang="ko-KR" sz="1000" dirty="0" err="1">
-                <a:solidFill>
-                  <a:srgbClr val="333333"/>
-                </a:solidFill>
-                <a:latin typeface="Times New Roman" panose="02020603050405020304" pitchFamily="18" charset="0"/>
-              </a:rPr>
-              <a:t>Tahersima</a:t>
-            </a:r>
-            <a:r>
-              <a:rPr lang="en-US" altLang="ko-KR" sz="1000" dirty="0">
-                <a:solidFill>
-                  <a:srgbClr val="333333"/>
-                </a:solidFill>
-                <a:latin typeface="Times New Roman" panose="02020603050405020304" pitchFamily="18" charset="0"/>
-              </a:rPr>
-              <a:t>, K. Kojima, T. Koike-</a:t>
-            </a:r>
-            <a:r>
-              <a:rPr lang="en-US" altLang="ko-KR" sz="1000" dirty="0" err="1">
-                <a:solidFill>
-                  <a:srgbClr val="333333"/>
-                </a:solidFill>
-                <a:latin typeface="Times New Roman" panose="02020603050405020304" pitchFamily="18" charset="0"/>
-              </a:rPr>
-              <a:t>Akino</a:t>
-            </a:r>
-            <a:r>
-              <a:rPr lang="en-US" altLang="ko-KR" sz="1000" dirty="0">
-                <a:solidFill>
-                  <a:srgbClr val="333333"/>
-                </a:solidFill>
-                <a:latin typeface="Times New Roman" panose="02020603050405020304" pitchFamily="18" charset="0"/>
-              </a:rPr>
-              <a:t>, D. </a:t>
-            </a:r>
-            <a:r>
-              <a:rPr lang="en-US" altLang="ko-KR" sz="1000" dirty="0" err="1">
-                <a:solidFill>
-                  <a:srgbClr val="333333"/>
-                </a:solidFill>
-                <a:latin typeface="Times New Roman" panose="02020603050405020304" pitchFamily="18" charset="0"/>
-              </a:rPr>
-              <a:t>Jha</a:t>
-            </a:r>
-            <a:r>
-              <a:rPr lang="en-US" altLang="ko-KR" sz="1000" dirty="0">
-                <a:solidFill>
-                  <a:srgbClr val="333333"/>
-                </a:solidFill>
-                <a:latin typeface="Times New Roman" panose="02020603050405020304" pitchFamily="18" charset="0"/>
-              </a:rPr>
-              <a:t>, B. Wang, C. Lin, and K. Parsons, “Deep Neural Network Inverse Design of Integrated Photonic Power Splitters,” </a:t>
-            </a:r>
-            <a:r>
-              <a:rPr lang="en-US" altLang="ko-KR" sz="1000" i="1" dirty="0">
-                <a:solidFill>
-                  <a:srgbClr val="333333"/>
-                </a:solidFill>
-                <a:latin typeface="&amp;quot"/>
-              </a:rPr>
-              <a:t>Scientific Reports</a:t>
-            </a:r>
-            <a:r>
-              <a:rPr lang="en-US" altLang="ko-KR" sz="1000" dirty="0">
-                <a:solidFill>
-                  <a:srgbClr val="333333"/>
-                </a:solidFill>
-                <a:latin typeface="Times New Roman" panose="02020603050405020304" pitchFamily="18" charset="0"/>
-              </a:rPr>
-              <a:t>, vol. 9, no. 1, 2019. </a:t>
-            </a:r>
-            <a:endParaRPr lang="en-US" altLang="ko-KR" sz="1000" dirty="0" smtClean="0">
-              <a:solidFill>
-                <a:srgbClr val="333333"/>
-              </a:solidFill>
-              <a:latin typeface="Times New Roman" panose="02020603050405020304" pitchFamily="18" charset="0"/>
-            </a:endParaRPr>
-          </a:p>
-          <a:p>
-            <a:r>
-              <a:rPr lang="en-US" altLang="ko-KR" sz="1000" u="sng" dirty="0" smtClean="0">
-                <a:solidFill>
-                  <a:srgbClr val="333333"/>
-                </a:solidFill>
-                <a:latin typeface="Times New Roman" panose="02020603050405020304" pitchFamily="18" charset="0"/>
-              </a:rPr>
-              <a:t>CNN algorithm</a:t>
-            </a:r>
-            <a:endParaRPr lang="en-US" altLang="ko-KR" sz="1000" dirty="0" smtClean="0">
-              <a:solidFill>
-                <a:srgbClr val="333333"/>
-              </a:solidFill>
-              <a:latin typeface="Times New Roman" panose="02020603050405020304" pitchFamily="18" charset="0"/>
-            </a:endParaRPr>
-          </a:p>
-          <a:p>
-            <a:pPr marL="171450" lvl="0" indent="-171450">
-              <a:buFontTx/>
-              <a:buChar char="-"/>
-            </a:pPr>
-            <a:r>
-              <a:rPr lang="en-US" altLang="ko-KR" sz="1000" dirty="0">
-                <a:solidFill>
-                  <a:srgbClr val="333333"/>
-                </a:solidFill>
-                <a:latin typeface="Times New Roman" panose="02020603050405020304" pitchFamily="18" charset="0"/>
-              </a:rPr>
-              <a:t>M. H. </a:t>
-            </a:r>
-            <a:r>
-              <a:rPr lang="en-US" altLang="ko-KR" sz="1000" dirty="0" err="1">
-                <a:solidFill>
-                  <a:srgbClr val="333333"/>
-                </a:solidFill>
-                <a:latin typeface="Times New Roman" panose="02020603050405020304" pitchFamily="18" charset="0"/>
-              </a:rPr>
-              <a:t>Tahersima</a:t>
-            </a:r>
-            <a:r>
-              <a:rPr lang="en-US" altLang="ko-KR" sz="1000" dirty="0">
-                <a:solidFill>
-                  <a:srgbClr val="333333"/>
-                </a:solidFill>
-                <a:latin typeface="Times New Roman" panose="02020603050405020304" pitchFamily="18" charset="0"/>
-              </a:rPr>
-              <a:t>, K. Kojima, T. Koike-</a:t>
-            </a:r>
-            <a:r>
-              <a:rPr lang="en-US" altLang="ko-KR" sz="1000" dirty="0" err="1">
-                <a:solidFill>
-                  <a:srgbClr val="333333"/>
-                </a:solidFill>
-                <a:latin typeface="Times New Roman" panose="02020603050405020304" pitchFamily="18" charset="0"/>
-              </a:rPr>
-              <a:t>Akino</a:t>
-            </a:r>
-            <a:r>
-              <a:rPr lang="en-US" altLang="ko-KR" sz="1000" dirty="0">
-                <a:solidFill>
-                  <a:srgbClr val="333333"/>
-                </a:solidFill>
-                <a:latin typeface="Times New Roman" panose="02020603050405020304" pitchFamily="18" charset="0"/>
-              </a:rPr>
-              <a:t>, D. </a:t>
-            </a:r>
-            <a:r>
-              <a:rPr lang="en-US" altLang="ko-KR" sz="1000" dirty="0" err="1">
-                <a:solidFill>
-                  <a:srgbClr val="333333"/>
-                </a:solidFill>
-                <a:latin typeface="Times New Roman" panose="02020603050405020304" pitchFamily="18" charset="0"/>
-              </a:rPr>
-              <a:t>Jha</a:t>
-            </a:r>
-            <a:r>
-              <a:rPr lang="en-US" altLang="ko-KR" sz="1000" dirty="0">
-                <a:solidFill>
-                  <a:srgbClr val="333333"/>
-                </a:solidFill>
-                <a:latin typeface="Times New Roman" panose="02020603050405020304" pitchFamily="18" charset="0"/>
-              </a:rPr>
-              <a:t>, B. Wang, C. Lin, and K. Parsons, “Nanostructured Photonic Power Splitter Design via Convolutional Neural Networks,” </a:t>
-            </a:r>
-            <a:r>
-              <a:rPr lang="en-US" altLang="ko-KR" sz="1000" i="1" dirty="0">
-                <a:solidFill>
-                  <a:srgbClr val="333333"/>
-                </a:solidFill>
-                <a:latin typeface="Times New Roman" panose="02020603050405020304" pitchFamily="18" charset="0"/>
-              </a:rPr>
-              <a:t>Conference on Lasers and Electro-Optics</a:t>
-            </a:r>
-            <a:r>
-              <a:rPr lang="en-US" altLang="ko-KR" sz="1000" dirty="0">
-                <a:solidFill>
-                  <a:srgbClr val="333333"/>
-                </a:solidFill>
-                <a:latin typeface="Times New Roman" panose="02020603050405020304" pitchFamily="18" charset="0"/>
-              </a:rPr>
-              <a:t>, 2019.</a:t>
-            </a:r>
-            <a:endParaRPr lang="en-US" altLang="ko-KR" sz="1000" dirty="0" smtClean="0">
-              <a:solidFill>
-                <a:srgbClr val="333333"/>
-              </a:solidFill>
-              <a:latin typeface="Times New Roman" panose="02020603050405020304" pitchFamily="18" charset="0"/>
-            </a:endParaRPr>
-          </a:p>
-        </p:txBody>
-      </p:sp>
-      <p:sp>
-        <p:nvSpPr>
-          <p:cNvPr id="12" name="TextBox 11"/>
-          <p:cNvSpPr txBox="1"/>
-          <p:nvPr/>
-        </p:nvSpPr>
-        <p:spPr>
-          <a:xfrm>
-            <a:off x="163901" y="3931909"/>
-            <a:ext cx="1868204" cy="338554"/>
+            <a:off x="0" y="400110"/>
+            <a:ext cx="11812721" cy="4154984"/>
           </a:xfrm>
           <a:prstGeom prst="rect">
             <a:avLst/>
@@ -3453,9 +3025,274 @@
           </a:bodyPr>
           <a:lstStyle/>
           <a:p>
+            <a:pPr>
+              <a:lnSpc>
+                <a:spcPct val="150000"/>
+              </a:lnSpc>
+            </a:pPr>
             <a:r>
               <a:rPr lang="en-US" altLang="ko-KR" sz="1600" dirty="0" smtClean="0"/>
-              <a:t>1x3 power splitter</a:t>
+              <a:t>Paragraphs </a:t>
+            </a:r>
+            <a:r>
+              <a:rPr lang="ko-KR" altLang="en-US" sz="1600" dirty="0" smtClean="0"/>
+              <a:t>구성</a:t>
+            </a:r>
+            <a:endParaRPr lang="en-US" altLang="ko-KR" sz="1600" dirty="0" smtClean="0"/>
+          </a:p>
+          <a:p>
+            <a:pPr marL="285750" indent="-285750">
+              <a:lnSpc>
+                <a:spcPct val="150000"/>
+              </a:lnSpc>
+              <a:buFont typeface="Arial" panose="020B0604020202020204" pitchFamily="34" charset="0"/>
+              <a:buChar char="•"/>
+            </a:pPr>
+            <a:r>
+              <a:rPr lang="en-US" altLang="ko-KR" sz="1600" dirty="0" smtClean="0"/>
+              <a:t>Photonic Integrated Circuits </a:t>
+            </a:r>
+            <a:r>
+              <a:rPr lang="en-US" altLang="ko-KR" sz="1600" dirty="0"/>
+              <a:t>(PICs</a:t>
+            </a:r>
+            <a:r>
+              <a:rPr lang="en-US" altLang="ko-KR" sz="1600" dirty="0" smtClean="0"/>
+              <a:t>) based on Silicon-on-Insulator (SOI)</a:t>
+            </a:r>
+            <a:r>
+              <a:rPr lang="ko-KR" altLang="en-US" sz="1600" dirty="0" smtClean="0"/>
+              <a:t>에 </a:t>
+            </a:r>
+            <a:r>
+              <a:rPr lang="ko-KR" altLang="en-US" sz="1600" dirty="0"/>
+              <a:t>대한 관심 </a:t>
+            </a:r>
+            <a:r>
+              <a:rPr lang="ko-KR" altLang="en-US" sz="1600" dirty="0" smtClean="0"/>
+              <a:t>증폭</a:t>
+            </a:r>
+            <a:r>
+              <a:rPr lang="en-US" altLang="ko-KR" sz="1600" dirty="0" smtClean="0"/>
+              <a:t>[1]</a:t>
+            </a:r>
+          </a:p>
+          <a:p>
+            <a:pPr marL="285750" indent="-285750">
+              <a:lnSpc>
+                <a:spcPct val="150000"/>
+              </a:lnSpc>
+              <a:buFontTx/>
+              <a:buChar char="-"/>
+            </a:pPr>
+            <a:r>
+              <a:rPr lang="en-US" altLang="ko-KR" sz="1600" dirty="0"/>
+              <a:t>Integrated component</a:t>
+            </a:r>
+            <a:r>
+              <a:rPr lang="ko-KR" altLang="en-US" sz="1600" dirty="0"/>
+              <a:t>에서 </a:t>
+            </a:r>
+            <a:r>
+              <a:rPr lang="en-US" altLang="ko-KR" sz="1600" dirty="0"/>
+              <a:t>power splitter</a:t>
+            </a:r>
+            <a:r>
+              <a:rPr lang="ko-KR" altLang="en-US" sz="1600" dirty="0"/>
+              <a:t>는 필수</a:t>
+            </a:r>
+            <a:endParaRPr lang="en-US" altLang="ko-KR" sz="1600" dirty="0" smtClean="0"/>
+          </a:p>
+          <a:p>
+            <a:pPr marL="285750" indent="-285750">
+              <a:lnSpc>
+                <a:spcPct val="150000"/>
+              </a:lnSpc>
+              <a:buFontTx/>
+              <a:buChar char="-"/>
+            </a:pPr>
+            <a:r>
+              <a:rPr lang="en-US" altLang="ko-KR" sz="1600" dirty="0" smtClean="0"/>
+              <a:t>“beyond 5G” generation</a:t>
+            </a:r>
+            <a:r>
+              <a:rPr lang="ko-KR" altLang="en-US" sz="1600" dirty="0" smtClean="0"/>
+              <a:t>에서 </a:t>
+            </a:r>
+            <a:r>
+              <a:rPr lang="en-US" altLang="ko-KR" sz="1600" dirty="0" smtClean="0"/>
+              <a:t>THz optical device</a:t>
+            </a:r>
+            <a:r>
+              <a:rPr lang="ko-KR" altLang="en-US" sz="1600" dirty="0" smtClean="0"/>
+              <a:t>의 중요성</a:t>
+            </a:r>
+            <a:r>
+              <a:rPr lang="en-US" altLang="ko-KR" sz="1600" dirty="0" smtClean="0"/>
+              <a:t>[2, 3]</a:t>
+            </a:r>
+          </a:p>
+          <a:p>
+            <a:pPr marL="285750" indent="-285750">
+              <a:lnSpc>
+                <a:spcPct val="150000"/>
+              </a:lnSpc>
+              <a:buFont typeface="Arial" panose="020B0604020202020204" pitchFamily="34" charset="0"/>
+              <a:buChar char="•"/>
+            </a:pPr>
+            <a:r>
+              <a:rPr lang="ko-KR" altLang="en-US" sz="1600" dirty="0" smtClean="0"/>
+              <a:t>기존에는 </a:t>
+            </a:r>
+            <a:r>
+              <a:rPr lang="en-US" altLang="ko-KR" sz="1600" dirty="0" smtClean="0"/>
+              <a:t>analytically designed structure</a:t>
+            </a:r>
+            <a:r>
+              <a:rPr lang="ko-KR" altLang="en-US" sz="1600" dirty="0" smtClean="0"/>
+              <a:t>를 바탕으로 몇가지 </a:t>
+            </a:r>
+            <a:r>
+              <a:rPr lang="en-US" altLang="ko-KR" sz="1600" dirty="0" smtClean="0"/>
+              <a:t>parameters</a:t>
+            </a:r>
+            <a:r>
+              <a:rPr lang="ko-KR" altLang="en-US" sz="1600" dirty="0" smtClean="0"/>
+              <a:t>를 조절하는 방법으로 설계</a:t>
+            </a:r>
+            <a:endParaRPr lang="en-US" altLang="ko-KR" sz="1600" dirty="0" smtClean="0"/>
+          </a:p>
+          <a:p>
+            <a:pPr marL="285750" indent="-285750">
+              <a:lnSpc>
+                <a:spcPct val="150000"/>
+              </a:lnSpc>
+              <a:buFontTx/>
+              <a:buChar char="-"/>
+            </a:pPr>
+            <a:r>
+              <a:rPr lang="en-US" altLang="ko-KR" sz="1600" dirty="0" smtClean="0"/>
+              <a:t>Example: Direct Binary Search [4], self-imaging[5, 6, 7], sweep parameter based on specific structure[8]</a:t>
+            </a:r>
+          </a:p>
+          <a:p>
+            <a:pPr marL="285750" indent="-285750">
+              <a:lnSpc>
+                <a:spcPct val="150000"/>
+              </a:lnSpc>
+              <a:buFontTx/>
+              <a:buChar char="-"/>
+            </a:pPr>
+            <a:r>
+              <a:rPr lang="ko-KR" altLang="en-US" sz="1600" dirty="0" smtClean="0"/>
+              <a:t>제한된 설계 조건</a:t>
+            </a:r>
+            <a:r>
+              <a:rPr lang="en-US" altLang="ko-KR" sz="1600" dirty="0" smtClean="0"/>
+              <a:t>, Performance </a:t>
+            </a:r>
+            <a:r>
+              <a:rPr lang="ko-KR" altLang="en-US" sz="1600" dirty="0" smtClean="0"/>
+              <a:t>한계</a:t>
+            </a:r>
+            <a:endParaRPr lang="en-US" altLang="ko-KR" sz="1600" dirty="0" smtClean="0"/>
+          </a:p>
+          <a:p>
+            <a:pPr marL="285750" indent="-285750">
+              <a:lnSpc>
+                <a:spcPct val="150000"/>
+              </a:lnSpc>
+              <a:buFontTx/>
+              <a:buChar char="-"/>
+            </a:pPr>
+            <a:r>
+              <a:rPr lang="en-US" altLang="ko-KR" sz="1600" dirty="0" smtClean="0"/>
+              <a:t>Splitter</a:t>
+            </a:r>
+            <a:r>
+              <a:rPr lang="ko-KR" altLang="en-US" sz="1600" dirty="0" smtClean="0"/>
+              <a:t>에서 </a:t>
+            </a:r>
+            <a:r>
+              <a:rPr lang="en-US" altLang="ko-KR" sz="1600" dirty="0" smtClean="0"/>
+              <a:t>1x3</a:t>
+            </a:r>
+            <a:r>
+              <a:rPr lang="ko-KR" altLang="en-US" sz="1600" dirty="0" smtClean="0"/>
+              <a:t>이상의 경우에는 </a:t>
+            </a:r>
+            <a:r>
+              <a:rPr lang="en-US" altLang="ko-KR" sz="1600" dirty="0" smtClean="0"/>
+              <a:t>complexity</a:t>
+            </a:r>
+            <a:r>
+              <a:rPr lang="ko-KR" altLang="en-US" sz="1600" dirty="0" smtClean="0"/>
+              <a:t>가 증가하여 설계가 어려움</a:t>
+            </a:r>
+            <a:endParaRPr lang="en-US" altLang="ko-KR" sz="1600" dirty="0" smtClean="0"/>
+          </a:p>
+          <a:p>
+            <a:pPr marL="285750" indent="-285750">
+              <a:lnSpc>
+                <a:spcPct val="150000"/>
+              </a:lnSpc>
+              <a:buFont typeface="Arial" panose="020B0604020202020204" pitchFamily="34" charset="0"/>
+              <a:buChar char="•"/>
+            </a:pPr>
+            <a:r>
+              <a:rPr lang="ko-KR" altLang="en-US" sz="1600" dirty="0" smtClean="0"/>
+              <a:t>최근 </a:t>
+            </a:r>
+            <a:r>
+              <a:rPr lang="en-US" altLang="ko-KR" sz="1600" dirty="0" smtClean="0"/>
+              <a:t>machine learning</a:t>
+            </a:r>
+            <a:r>
+              <a:rPr lang="ko-KR" altLang="en-US" sz="1600" dirty="0" smtClean="0"/>
+              <a:t>을 활용한 </a:t>
+            </a:r>
+            <a:r>
+              <a:rPr lang="en-US" altLang="ko-KR" sz="1600" dirty="0" smtClean="0"/>
+              <a:t>design </a:t>
+            </a:r>
+            <a:r>
+              <a:rPr lang="ko-KR" altLang="en-US" sz="1600" dirty="0" smtClean="0"/>
+              <a:t>방법</a:t>
+            </a:r>
+            <a:endParaRPr lang="en-US" altLang="ko-KR" sz="1600" dirty="0" smtClean="0"/>
+          </a:p>
+          <a:p>
+            <a:pPr marL="285750" indent="-285750">
+              <a:lnSpc>
+                <a:spcPct val="150000"/>
+              </a:lnSpc>
+              <a:buFontTx/>
+              <a:buChar char="-"/>
+            </a:pPr>
+            <a:r>
+              <a:rPr lang="en-US" altLang="ko-KR" sz="1600" dirty="0" smtClean="0"/>
+              <a:t>Example: Alternating </a:t>
+            </a:r>
+            <a:r>
+              <a:rPr lang="en-US" altLang="ko-KR" sz="1600" dirty="0"/>
+              <a:t>Directions Method of Multipliers (ADMM) </a:t>
+            </a:r>
+            <a:r>
+              <a:rPr lang="en-US" altLang="ko-KR" sz="1600" dirty="0" smtClean="0"/>
+              <a:t>optimization[9, 10, 11], Artificial Neural Networks [12, 13]</a:t>
+            </a:r>
+          </a:p>
+          <a:p>
+            <a:pPr marL="285750" indent="-285750">
+              <a:lnSpc>
+                <a:spcPct val="150000"/>
+              </a:lnSpc>
+              <a:buFont typeface="Arial" panose="020B0604020202020204" pitchFamily="34" charset="0"/>
+              <a:buChar char="•"/>
+            </a:pPr>
+            <a:r>
+              <a:rPr lang="en-US" altLang="ko-KR" sz="1600" dirty="0" smtClean="0"/>
+              <a:t>In this study, </a:t>
             </a:r>
             <a:endParaRPr lang="ko-KR" altLang="en-US" sz="1600" dirty="0"/>
           </a:p>
@@ -3463,14 +3300,14 @@
       </p:sp>
       <p:sp>
         <p:nvSpPr>
-          <p:cNvPr id="13" name="직사각형 12"/>
+          <p:cNvPr id="7" name="직사각형 6"/>
           <p:cNvSpPr/>
           <p:nvPr/>
         </p:nvSpPr>
         <p:spPr>
           <a:xfrm>
-            <a:off x="163901" y="4251780"/>
-            <a:ext cx="9299276" cy="707886"/>
+            <a:off x="0" y="4507453"/>
+            <a:ext cx="13100539" cy="3170099"/>
           </a:xfrm>
           <a:prstGeom prst="rect">
             <a:avLst/>
@@ -3482,29 +3319,123 @@
           </a:bodyPr>
           <a:lstStyle/>
           <a:p>
-            <a:r>
-              <a:rPr lang="en-US" altLang="ko-KR" sz="1000" u="sng" dirty="0">
-                <a:solidFill>
-                  <a:srgbClr val="333333"/>
-                </a:solidFill>
-                <a:latin typeface="Times New Roman" panose="02020603050405020304" pitchFamily="18" charset="0"/>
-              </a:rPr>
-              <a:t>Machine Learning (ADMM) Inverse Design</a:t>
-            </a:r>
-          </a:p>
-          <a:p>
-            <a:pPr marL="171450" lvl="0" indent="-171450">
-              <a:buFontTx/>
-              <a:buChar char="-"/>
+            <a:pPr marL="228600" indent="-228600">
+              <a:buFont typeface="+mj-lt"/>
+              <a:buAutoNum type="arabicParenR"/>
             </a:pPr>
             <a:r>
-              <a:rPr lang="en-US" altLang="ko-KR" sz="1000" dirty="0">
-                <a:solidFill>
-                  <a:srgbClr val="333333"/>
-                </a:solidFill>
-                <a:latin typeface="Times New Roman" panose="02020603050405020304" pitchFamily="18" charset="0"/>
-              </a:rPr>
-              <a:t>A. Y. Piggott, J. </a:t>
+              <a:rPr lang="en-US" altLang="ko-KR" sz="1000" dirty="0" smtClean="0">
+                <a:solidFill>
+                  <a:srgbClr val="333333"/>
+                </a:solidFill>
+                <a:latin typeface="Times New Roman" panose="02020603050405020304" pitchFamily="18" charset="0"/>
+              </a:rPr>
+              <a:t>Photonic Integrated Circuits review paper - </a:t>
+            </a:r>
+            <a:r>
+              <a:rPr lang="en-US" altLang="ko-KR" sz="1000" dirty="0" smtClean="0">
+                <a:solidFill>
+                  <a:srgbClr val="333333"/>
+                </a:solidFill>
+                <a:latin typeface="Times New Roman" panose="02020603050405020304" pitchFamily="18" charset="0"/>
+              </a:rPr>
+              <a:t>L. </a:t>
+            </a:r>
+            <a:r>
+              <a:rPr lang="en-US" altLang="ko-KR" sz="1000" dirty="0" err="1" smtClean="0">
+                <a:solidFill>
+                  <a:srgbClr val="333333"/>
+                </a:solidFill>
+                <a:latin typeface="Times New Roman" panose="02020603050405020304" pitchFamily="18" charset="0"/>
+              </a:rPr>
+              <a:t>Thylén</a:t>
+            </a:r>
+            <a:r>
+              <a:rPr lang="en-US" altLang="ko-KR" sz="1000" dirty="0" smtClean="0">
+                <a:solidFill>
+                  <a:srgbClr val="333333"/>
+                </a:solidFill>
+                <a:latin typeface="Times New Roman" panose="02020603050405020304" pitchFamily="18" charset="0"/>
+              </a:rPr>
+              <a:t> and L. </a:t>
+            </a:r>
+            <a:r>
+              <a:rPr lang="en-US" altLang="ko-KR" sz="1000" dirty="0" err="1" smtClean="0">
+                <a:solidFill>
+                  <a:srgbClr val="333333"/>
+                </a:solidFill>
+                <a:latin typeface="Times New Roman" panose="02020603050405020304" pitchFamily="18" charset="0"/>
+              </a:rPr>
+              <a:t>Wosinski</a:t>
+            </a:r>
+            <a:r>
+              <a:rPr lang="en-US" altLang="ko-KR" sz="1000" dirty="0" smtClean="0">
+                <a:solidFill>
+                  <a:srgbClr val="333333"/>
+                </a:solidFill>
+                <a:latin typeface="Times New Roman" panose="02020603050405020304" pitchFamily="18" charset="0"/>
+              </a:rPr>
+              <a:t>, “Integrated photonics in the 21st century,” </a:t>
+            </a:r>
+            <a:r>
+              <a:rPr lang="en-US" altLang="ko-KR" sz="1000" i="1" dirty="0" smtClean="0">
+                <a:solidFill>
+                  <a:srgbClr val="333333"/>
+                </a:solidFill>
+                <a:latin typeface="Times New Roman" panose="02020603050405020304" pitchFamily="18" charset="0"/>
+              </a:rPr>
+              <a:t>Photonics Research</a:t>
+            </a:r>
+            <a:r>
+              <a:rPr lang="en-US" altLang="ko-KR" sz="1000" dirty="0" smtClean="0">
+                <a:solidFill>
+                  <a:srgbClr val="333333"/>
+                </a:solidFill>
+                <a:latin typeface="Times New Roman" panose="02020603050405020304" pitchFamily="18" charset="0"/>
+              </a:rPr>
+              <a:t>, vol. 2, no. 2, p. 75, Jan. 2014.</a:t>
+            </a:r>
+          </a:p>
+          <a:p>
+            <a:pPr marL="228600" indent="-228600">
+              <a:buFont typeface="+mj-lt"/>
+              <a:buAutoNum type="arabicParenR"/>
+            </a:pPr>
+            <a:r>
+              <a:rPr lang="en-US" altLang="ko-KR" sz="1000" dirty="0" smtClean="0">
+                <a:solidFill>
+                  <a:srgbClr val="333333"/>
+                </a:solidFill>
+                <a:latin typeface="Times New Roman" panose="02020603050405020304" pitchFamily="18" charset="0"/>
+              </a:rPr>
+              <a:t>THz </a:t>
+            </a:r>
+            <a:r>
+              <a:rPr lang="en-US" altLang="ko-KR" sz="1000" dirty="0">
+                <a:solidFill>
+                  <a:srgbClr val="333333"/>
+                </a:solidFill>
+                <a:latin typeface="Times New Roman" panose="02020603050405020304" pitchFamily="18" charset="0"/>
+              </a:rPr>
+              <a:t>communication, 504 </a:t>
+            </a:r>
+            <a:r>
+              <a:rPr lang="en-US" altLang="ko-KR" sz="1000" dirty="0" smtClean="0">
+                <a:solidFill>
+                  <a:srgbClr val="333333"/>
+                </a:solidFill>
+                <a:latin typeface="Times New Roman" panose="02020603050405020304" pitchFamily="18" charset="0"/>
+              </a:rPr>
+              <a:t>citation - I</a:t>
+            </a:r>
+            <a:r>
+              <a:rPr lang="en-US" altLang="ko-KR" sz="1000" dirty="0">
+                <a:solidFill>
+                  <a:srgbClr val="333333"/>
+                </a:solidFill>
+                <a:latin typeface="Times New Roman" panose="02020603050405020304" pitchFamily="18" charset="0"/>
+              </a:rPr>
+              <a:t>. F. </a:t>
             </a:r>
             <a:r>
               <a:rPr lang="en-US" altLang="ko-KR" sz="1000" dirty="0" err="1">
@@ -3513,6 +3444,786 @@
                 </a:solidFill>
                 <a:latin typeface="Times New Roman" panose="02020603050405020304" pitchFamily="18" charset="0"/>
               </a:rPr>
+              <a:t>Akyildiz</a:t>
+            </a:r>
+            <a:r>
+              <a:rPr lang="en-US" altLang="ko-KR" sz="1000" dirty="0">
+                <a:solidFill>
+                  <a:srgbClr val="333333"/>
+                </a:solidFill>
+                <a:latin typeface="Times New Roman" panose="02020603050405020304" pitchFamily="18" charset="0"/>
+              </a:rPr>
+              <a:t>, J. M. </a:t>
+            </a:r>
+            <a:r>
+              <a:rPr lang="en-US" altLang="ko-KR" sz="1000" dirty="0" err="1">
+                <a:solidFill>
+                  <a:srgbClr val="333333"/>
+                </a:solidFill>
+                <a:latin typeface="Times New Roman" panose="02020603050405020304" pitchFamily="18" charset="0"/>
+              </a:rPr>
+              <a:t>Jornet</a:t>
+            </a:r>
+            <a:r>
+              <a:rPr lang="en-US" altLang="ko-KR" sz="1000" dirty="0">
+                <a:solidFill>
+                  <a:srgbClr val="333333"/>
+                </a:solidFill>
+                <a:latin typeface="Times New Roman" panose="02020603050405020304" pitchFamily="18" charset="0"/>
+              </a:rPr>
+              <a:t>, and C. Han, “Terahertz band: Next frontier for wireless communications,” </a:t>
+            </a:r>
+            <a:r>
+              <a:rPr lang="en-US" altLang="ko-KR" sz="1000" i="1" dirty="0">
+                <a:solidFill>
+                  <a:srgbClr val="333333"/>
+                </a:solidFill>
+                <a:latin typeface="Times New Roman" panose="02020603050405020304" pitchFamily="18" charset="0"/>
+              </a:rPr>
+              <a:t>Physical Communication</a:t>
+            </a:r>
+            <a:r>
+              <a:rPr lang="en-US" altLang="ko-KR" sz="1000" dirty="0">
+                <a:solidFill>
+                  <a:srgbClr val="333333"/>
+                </a:solidFill>
+                <a:latin typeface="Times New Roman" panose="02020603050405020304" pitchFamily="18" charset="0"/>
+              </a:rPr>
+              <a:t>, vol. 12, pp. 16–32, </a:t>
+            </a:r>
+            <a:r>
+              <a:rPr lang="en-US" altLang="ko-KR" sz="1000" dirty="0" smtClean="0">
+                <a:solidFill>
+                  <a:srgbClr val="333333"/>
+                </a:solidFill>
+                <a:latin typeface="Times New Roman" panose="02020603050405020304" pitchFamily="18" charset="0"/>
+              </a:rPr>
+              <a:t>2014.</a:t>
+            </a:r>
+          </a:p>
+          <a:p>
+            <a:pPr marL="228600" indent="-228600">
+              <a:buFont typeface="+mj-lt"/>
+              <a:buAutoNum type="arabicParenR"/>
+            </a:pPr>
+            <a:r>
+              <a:rPr lang="en-US" altLang="ko-KR" sz="1000" dirty="0" smtClean="0">
+                <a:solidFill>
+                  <a:srgbClr val="333333"/>
+                </a:solidFill>
+                <a:latin typeface="Times New Roman" panose="02020603050405020304" pitchFamily="18" charset="0"/>
+              </a:rPr>
+              <a:t>THz communication recent </a:t>
+            </a:r>
+            <a:r>
+              <a:rPr lang="en-US" altLang="ko-KR" sz="1000" dirty="0">
+                <a:solidFill>
+                  <a:srgbClr val="333333"/>
+                </a:solidFill>
+                <a:latin typeface="Times New Roman" panose="02020603050405020304" pitchFamily="18" charset="0"/>
+              </a:rPr>
+              <a:t>paper, </a:t>
+            </a:r>
+            <a:r>
+              <a:rPr lang="en-US" altLang="ko-KR" sz="1000" dirty="0" err="1">
+                <a:solidFill>
+                  <a:srgbClr val="333333"/>
+                </a:solidFill>
+                <a:latin typeface="Times New Roman" panose="02020603050405020304" pitchFamily="18" charset="0"/>
+              </a:rPr>
+              <a:t>arxiv</a:t>
+            </a:r>
+            <a:r>
+              <a:rPr lang="en-US" altLang="ko-KR" sz="1000" dirty="0">
+                <a:solidFill>
+                  <a:srgbClr val="333333"/>
+                </a:solidFill>
+                <a:latin typeface="Times New Roman" panose="02020603050405020304" pitchFamily="18" charset="0"/>
+              </a:rPr>
+              <a:t> </a:t>
+            </a:r>
+            <a:r>
+              <a:rPr lang="en-US" altLang="ko-KR" sz="1000" dirty="0" smtClean="0">
+                <a:solidFill>
+                  <a:srgbClr val="333333"/>
+                </a:solidFill>
+                <a:latin typeface="Times New Roman" panose="02020603050405020304" pitchFamily="18" charset="0"/>
+              </a:rPr>
+              <a:t>2019 - E</a:t>
+            </a:r>
+            <a:r>
+              <a:rPr lang="en-US" altLang="ko-KR" sz="1000" dirty="0">
+                <a:solidFill>
+                  <a:srgbClr val="333333"/>
+                </a:solidFill>
+                <a:latin typeface="Times New Roman" panose="02020603050405020304" pitchFamily="18" charset="0"/>
+              </a:rPr>
+              <a:t>. </a:t>
+            </a:r>
+            <a:r>
+              <a:rPr lang="en-US" altLang="ko-KR" sz="1000" dirty="0" err="1">
+                <a:solidFill>
+                  <a:srgbClr val="333333"/>
+                </a:solidFill>
+                <a:latin typeface="Times New Roman" panose="02020603050405020304" pitchFamily="18" charset="0"/>
+              </a:rPr>
+              <a:t>Calvanese</a:t>
+            </a:r>
+            <a:r>
+              <a:rPr lang="en-US" altLang="ko-KR" sz="1000" dirty="0">
+                <a:solidFill>
+                  <a:srgbClr val="333333"/>
+                </a:solidFill>
+                <a:latin typeface="Times New Roman" panose="02020603050405020304" pitchFamily="18" charset="0"/>
+              </a:rPr>
+              <a:t> </a:t>
+            </a:r>
+            <a:r>
+              <a:rPr lang="en-US" altLang="ko-KR" sz="1000" dirty="0" err="1">
+                <a:solidFill>
+                  <a:srgbClr val="333333"/>
+                </a:solidFill>
+                <a:latin typeface="Times New Roman" panose="02020603050405020304" pitchFamily="18" charset="0"/>
+              </a:rPr>
+              <a:t>Strinati</a:t>
+            </a:r>
+            <a:r>
+              <a:rPr lang="en-US" altLang="ko-KR" sz="1000" dirty="0">
+                <a:solidFill>
+                  <a:srgbClr val="333333"/>
+                </a:solidFill>
+                <a:latin typeface="Times New Roman" panose="02020603050405020304" pitchFamily="18" charset="0"/>
+              </a:rPr>
+              <a:t> et al., "6G: The Next Frontier: From Holographic Messaging to Artificial Intelligence Using </a:t>
+            </a:r>
+            <a:r>
+              <a:rPr lang="en-US" altLang="ko-KR" sz="1000" dirty="0" err="1">
+                <a:solidFill>
+                  <a:srgbClr val="333333"/>
+                </a:solidFill>
+                <a:latin typeface="Times New Roman" panose="02020603050405020304" pitchFamily="18" charset="0"/>
+              </a:rPr>
+              <a:t>Subterahertz</a:t>
+            </a:r>
+            <a:r>
+              <a:rPr lang="en-US" altLang="ko-KR" sz="1000" dirty="0">
+                <a:solidFill>
+                  <a:srgbClr val="333333"/>
+                </a:solidFill>
+                <a:latin typeface="Times New Roman" panose="02020603050405020304" pitchFamily="18" charset="0"/>
+              </a:rPr>
+              <a:t> and Visible Light Communication," </a:t>
+            </a:r>
+            <a:r>
+              <a:rPr lang="en-US" altLang="ko-KR" sz="1000" i="1" dirty="0">
+                <a:solidFill>
+                  <a:srgbClr val="333333"/>
+                </a:solidFill>
+                <a:latin typeface="Times New Roman" panose="02020603050405020304" pitchFamily="18" charset="0"/>
+              </a:rPr>
+              <a:t>in IEEE Vehicular Technology Magazine</a:t>
+            </a:r>
+            <a:r>
+              <a:rPr lang="en-US" altLang="ko-KR" sz="1000" dirty="0">
+                <a:solidFill>
+                  <a:srgbClr val="333333"/>
+                </a:solidFill>
+                <a:latin typeface="Times New Roman" panose="02020603050405020304" pitchFamily="18" charset="0"/>
+              </a:rPr>
+              <a:t>, vol. 14, no. 3, pp. 42-50, Sept. </a:t>
+            </a:r>
+            <a:r>
+              <a:rPr lang="en-US" altLang="ko-KR" sz="1000" dirty="0" smtClean="0">
+                <a:solidFill>
+                  <a:srgbClr val="333333"/>
+                </a:solidFill>
+                <a:latin typeface="Times New Roman" panose="02020603050405020304" pitchFamily="18" charset="0"/>
+              </a:rPr>
+              <a:t>2019</a:t>
+            </a:r>
+          </a:p>
+          <a:p>
+            <a:pPr marL="228600" indent="-228600">
+              <a:buFont typeface="+mj-lt"/>
+              <a:buAutoNum type="arabicParenR"/>
+            </a:pPr>
+            <a:r>
+              <a:rPr lang="en-US" altLang="ko-KR" sz="1000" dirty="0" smtClean="0">
+                <a:solidFill>
+                  <a:srgbClr val="333333"/>
+                </a:solidFill>
+                <a:latin typeface="Times New Roman" panose="02020603050405020304" pitchFamily="18" charset="0"/>
+              </a:rPr>
+              <a:t>Direct </a:t>
+            </a:r>
+            <a:r>
+              <a:rPr lang="en-US" altLang="ko-KR" sz="1000" dirty="0">
+                <a:solidFill>
+                  <a:srgbClr val="333333"/>
+                </a:solidFill>
+                <a:latin typeface="Times New Roman" panose="02020603050405020304" pitchFamily="18" charset="0"/>
+              </a:rPr>
+              <a:t>Binary Search </a:t>
+            </a:r>
+            <a:r>
+              <a:rPr lang="en-US" altLang="ko-KR" sz="1000" dirty="0" smtClean="0">
+                <a:solidFill>
+                  <a:srgbClr val="333333"/>
+                </a:solidFill>
+                <a:latin typeface="Times New Roman" panose="02020603050405020304" pitchFamily="18" charset="0"/>
+              </a:rPr>
+              <a:t>algorithm - L</a:t>
+            </a:r>
+            <a:r>
+              <a:rPr lang="en-US" altLang="ko-KR" sz="1000" dirty="0">
+                <a:solidFill>
+                  <a:srgbClr val="333333"/>
+                </a:solidFill>
+                <a:latin typeface="Times New Roman" panose="02020603050405020304" pitchFamily="18" charset="0"/>
+              </a:rPr>
+              <a:t>. Lu, M. Zhang, F. Zhou, and D. Liu, “An Ultra-compact Colorless 50:50 Coupler Based on </a:t>
+            </a:r>
+            <a:r>
+              <a:rPr lang="en-US" altLang="ko-KR" sz="1000" dirty="0" err="1">
+                <a:solidFill>
+                  <a:srgbClr val="333333"/>
+                </a:solidFill>
+                <a:latin typeface="Times New Roman" panose="02020603050405020304" pitchFamily="18" charset="0"/>
+              </a:rPr>
+              <a:t>PhC</a:t>
+            </a:r>
+            <a:r>
+              <a:rPr lang="en-US" altLang="ko-KR" sz="1000" dirty="0">
+                <a:solidFill>
+                  <a:srgbClr val="333333"/>
+                </a:solidFill>
+                <a:latin typeface="Times New Roman" panose="02020603050405020304" pitchFamily="18" charset="0"/>
+              </a:rPr>
+              <a:t>-like Metamaterial Structure,” </a:t>
+            </a:r>
+            <a:r>
+              <a:rPr lang="en-US" altLang="ko-KR" sz="1000" i="1" dirty="0">
+                <a:solidFill>
+                  <a:srgbClr val="333333"/>
+                </a:solidFill>
+                <a:latin typeface="Times New Roman" panose="02020603050405020304" pitchFamily="18" charset="0"/>
+              </a:rPr>
+              <a:t>Optical Fiber Communication Conference</a:t>
+            </a:r>
+            <a:r>
+              <a:rPr lang="en-US" altLang="ko-KR" sz="1000" dirty="0">
+                <a:solidFill>
+                  <a:srgbClr val="333333"/>
+                </a:solidFill>
+                <a:latin typeface="Times New Roman" panose="02020603050405020304" pitchFamily="18" charset="0"/>
+              </a:rPr>
+              <a:t>, </a:t>
+            </a:r>
+            <a:r>
+              <a:rPr lang="en-US" altLang="ko-KR" sz="1000" dirty="0" smtClean="0">
+                <a:solidFill>
+                  <a:srgbClr val="333333"/>
+                </a:solidFill>
+                <a:latin typeface="Times New Roman" panose="02020603050405020304" pitchFamily="18" charset="0"/>
+              </a:rPr>
+              <a:t>2016.</a:t>
+            </a:r>
+          </a:p>
+          <a:p>
+            <a:pPr marL="228600" indent="-228600">
+              <a:buFont typeface="+mj-lt"/>
+              <a:buAutoNum type="arabicParenR"/>
+            </a:pPr>
+            <a:r>
+              <a:rPr lang="en-US" altLang="ko-KR" sz="1000" dirty="0" smtClean="0">
+                <a:solidFill>
+                  <a:srgbClr val="333333"/>
+                </a:solidFill>
+                <a:latin typeface="Times New Roman" panose="02020603050405020304" pitchFamily="18" charset="0"/>
+              </a:rPr>
+              <a:t>Self-imaging</a:t>
+            </a:r>
+            <a:r>
+              <a:rPr lang="en-US" altLang="ko-KR" sz="1000" dirty="0">
+                <a:solidFill>
+                  <a:srgbClr val="333333"/>
+                </a:solidFill>
+                <a:latin typeface="Times New Roman" panose="02020603050405020304" pitchFamily="18" charset="0"/>
+              </a:rPr>
+              <a:t>, </a:t>
+            </a:r>
+            <a:r>
+              <a:rPr lang="en-US" altLang="ko-KR" sz="1000" dirty="0" err="1">
+                <a:solidFill>
+                  <a:srgbClr val="333333"/>
+                </a:solidFill>
+                <a:latin typeface="Times New Roman" panose="02020603050405020304" pitchFamily="18" charset="0"/>
+              </a:rPr>
+              <a:t>NxN</a:t>
+            </a:r>
+            <a:r>
+              <a:rPr lang="en-US" altLang="ko-KR" sz="1000" dirty="0">
+                <a:solidFill>
+                  <a:srgbClr val="333333"/>
+                </a:solidFill>
+                <a:latin typeface="Times New Roman" panose="02020603050405020304" pitchFamily="18" charset="0"/>
+              </a:rPr>
+              <a:t> </a:t>
+            </a:r>
+            <a:r>
+              <a:rPr lang="en-US" altLang="ko-KR" sz="1000" dirty="0" smtClean="0">
+                <a:solidFill>
+                  <a:srgbClr val="333333"/>
+                </a:solidFill>
+                <a:latin typeface="Times New Roman" panose="02020603050405020304" pitchFamily="18" charset="0"/>
+              </a:rPr>
+              <a:t>multimode - M</a:t>
+            </a:r>
+            <a:r>
+              <a:rPr lang="en-US" altLang="ko-KR" sz="1000" dirty="0">
+                <a:solidFill>
+                  <a:srgbClr val="333333"/>
+                </a:solidFill>
+                <a:latin typeface="Times New Roman" panose="02020603050405020304" pitchFamily="18" charset="0"/>
+              </a:rPr>
+              <a:t>. Bachmann, P. A. </a:t>
+            </a:r>
+            <a:r>
+              <a:rPr lang="en-US" altLang="ko-KR" sz="1000" dirty="0" err="1">
+                <a:solidFill>
+                  <a:srgbClr val="333333"/>
+                </a:solidFill>
+                <a:latin typeface="Times New Roman" panose="02020603050405020304" pitchFamily="18" charset="0"/>
+              </a:rPr>
+              <a:t>Besse</a:t>
+            </a:r>
+            <a:r>
+              <a:rPr lang="en-US" altLang="ko-KR" sz="1000" dirty="0">
+                <a:solidFill>
+                  <a:srgbClr val="333333"/>
+                </a:solidFill>
+                <a:latin typeface="Times New Roman" panose="02020603050405020304" pitchFamily="18" charset="0"/>
+              </a:rPr>
+              <a:t>, and H. Melchior, “General self-imaging properties in N × N multimode interference couplers including phase relations,” </a:t>
+            </a:r>
+            <a:r>
+              <a:rPr lang="en-US" altLang="ko-KR" sz="1000" i="1" dirty="0">
+                <a:solidFill>
+                  <a:srgbClr val="333333"/>
+                </a:solidFill>
+                <a:latin typeface="Times New Roman" panose="02020603050405020304" pitchFamily="18" charset="0"/>
+              </a:rPr>
+              <a:t>Applied Optics</a:t>
+            </a:r>
+            <a:r>
+              <a:rPr lang="en-US" altLang="ko-KR" sz="1000" dirty="0">
+                <a:solidFill>
+                  <a:srgbClr val="333333"/>
+                </a:solidFill>
+                <a:latin typeface="Times New Roman" panose="02020603050405020304" pitchFamily="18" charset="0"/>
+              </a:rPr>
+              <a:t>, vol. 33, no. 18, p. 3905, </a:t>
+            </a:r>
+            <a:r>
+              <a:rPr lang="en-US" altLang="ko-KR" sz="1000" dirty="0" smtClean="0">
+                <a:solidFill>
+                  <a:srgbClr val="333333"/>
+                </a:solidFill>
+                <a:latin typeface="Times New Roman" panose="02020603050405020304" pitchFamily="18" charset="0"/>
+              </a:rPr>
+              <a:t>1994.</a:t>
+            </a:r>
+          </a:p>
+          <a:p>
+            <a:pPr marL="228600" indent="-228600">
+              <a:buFont typeface="+mj-lt"/>
+              <a:buAutoNum type="arabicParenR"/>
+            </a:pPr>
+            <a:r>
+              <a:rPr lang="en-US" altLang="ko-KR" sz="1000" dirty="0" smtClean="0">
+                <a:solidFill>
+                  <a:srgbClr val="333333"/>
+                </a:solidFill>
+                <a:latin typeface="Times New Roman" panose="02020603050405020304" pitchFamily="18" charset="0"/>
+              </a:rPr>
+              <a:t>Self-imaging</a:t>
+            </a:r>
+            <a:r>
+              <a:rPr lang="en-US" altLang="ko-KR" sz="1000" dirty="0">
+                <a:solidFill>
+                  <a:srgbClr val="333333"/>
+                </a:solidFill>
+                <a:latin typeface="Times New Roman" panose="02020603050405020304" pitchFamily="18" charset="0"/>
+              </a:rPr>
+              <a:t>, multimode, </a:t>
+            </a:r>
+            <a:r>
+              <a:rPr lang="en-US" altLang="ko-KR" sz="1000" dirty="0" smtClean="0">
+                <a:solidFill>
+                  <a:srgbClr val="333333"/>
+                </a:solidFill>
+                <a:latin typeface="Times New Roman" panose="02020603050405020304" pitchFamily="18" charset="0"/>
+              </a:rPr>
+              <a:t>review - L</a:t>
+            </a:r>
+            <a:r>
+              <a:rPr lang="en-US" altLang="ko-KR" sz="1000" dirty="0">
+                <a:solidFill>
+                  <a:srgbClr val="333333"/>
+                </a:solidFill>
+                <a:latin typeface="Times New Roman" panose="02020603050405020304" pitchFamily="18" charset="0"/>
+              </a:rPr>
+              <a:t>. </a:t>
+            </a:r>
+            <a:r>
+              <a:rPr lang="en-US" altLang="ko-KR" sz="1000" dirty="0" err="1">
+                <a:solidFill>
+                  <a:srgbClr val="333333"/>
+                </a:solidFill>
+                <a:latin typeface="Times New Roman" panose="02020603050405020304" pitchFamily="18" charset="0"/>
+              </a:rPr>
+              <a:t>Soldano</a:t>
+            </a:r>
+            <a:r>
+              <a:rPr lang="en-US" altLang="ko-KR" sz="1000" dirty="0">
+                <a:solidFill>
+                  <a:srgbClr val="333333"/>
+                </a:solidFill>
+                <a:latin typeface="Times New Roman" panose="02020603050405020304" pitchFamily="18" charset="0"/>
+              </a:rPr>
+              <a:t> and E. </a:t>
+            </a:r>
+            <a:r>
+              <a:rPr lang="en-US" altLang="ko-KR" sz="1000" dirty="0" err="1">
+                <a:solidFill>
+                  <a:srgbClr val="333333"/>
+                </a:solidFill>
+                <a:latin typeface="Times New Roman" panose="02020603050405020304" pitchFamily="18" charset="0"/>
+              </a:rPr>
+              <a:t>Pennings</a:t>
+            </a:r>
+            <a:r>
+              <a:rPr lang="en-US" altLang="ko-KR" sz="1000" dirty="0">
+                <a:solidFill>
+                  <a:srgbClr val="333333"/>
+                </a:solidFill>
+                <a:latin typeface="Times New Roman" panose="02020603050405020304" pitchFamily="18" charset="0"/>
+              </a:rPr>
+              <a:t>, “Optical multi-mode interference devices based on self-imaging: principles and applications,” </a:t>
+            </a:r>
+            <a:r>
+              <a:rPr lang="en-US" altLang="ko-KR" sz="1000" i="1" dirty="0">
+                <a:solidFill>
+                  <a:srgbClr val="333333"/>
+                </a:solidFill>
+                <a:latin typeface="Times New Roman" panose="02020603050405020304" pitchFamily="18" charset="0"/>
+              </a:rPr>
+              <a:t>Journal of </a:t>
+            </a:r>
+            <a:r>
+              <a:rPr lang="en-US" altLang="ko-KR" sz="1000" i="1" dirty="0" err="1">
+                <a:solidFill>
+                  <a:srgbClr val="333333"/>
+                </a:solidFill>
+                <a:latin typeface="Times New Roman" panose="02020603050405020304" pitchFamily="18" charset="0"/>
+              </a:rPr>
+              <a:t>Lightwave</a:t>
+            </a:r>
+            <a:r>
+              <a:rPr lang="en-US" altLang="ko-KR" sz="1000" i="1" dirty="0">
+                <a:solidFill>
+                  <a:srgbClr val="333333"/>
+                </a:solidFill>
+                <a:latin typeface="Times New Roman" panose="02020603050405020304" pitchFamily="18" charset="0"/>
+              </a:rPr>
+              <a:t> Technology</a:t>
+            </a:r>
+            <a:r>
+              <a:rPr lang="en-US" altLang="ko-KR" sz="1000" dirty="0">
+                <a:solidFill>
+                  <a:srgbClr val="333333"/>
+                </a:solidFill>
+                <a:latin typeface="Times New Roman" panose="02020603050405020304" pitchFamily="18" charset="0"/>
+              </a:rPr>
+              <a:t>, vol. 13, no. 4, pp. 615–627, </a:t>
+            </a:r>
+            <a:r>
+              <a:rPr lang="en-US" altLang="ko-KR" sz="1000" dirty="0" smtClean="0">
+                <a:solidFill>
+                  <a:srgbClr val="333333"/>
+                </a:solidFill>
+                <a:latin typeface="Times New Roman" panose="02020603050405020304" pitchFamily="18" charset="0"/>
+              </a:rPr>
+              <a:t>1995.</a:t>
+            </a:r>
+          </a:p>
+          <a:p>
+            <a:pPr marL="228600" indent="-228600">
+              <a:buFont typeface="+mj-lt"/>
+              <a:buAutoNum type="arabicParenR"/>
+            </a:pPr>
+            <a:r>
+              <a:rPr lang="en-US" altLang="ko-KR" sz="1000" dirty="0">
+                <a:solidFill>
+                  <a:srgbClr val="333333"/>
+                </a:solidFill>
+                <a:latin typeface="Times New Roman" panose="02020603050405020304" pitchFamily="18" charset="0"/>
+              </a:rPr>
+              <a:t>Analytic method - </a:t>
+            </a:r>
+            <a:r>
+              <a:rPr lang="en-US" altLang="ko-KR" sz="1000" dirty="0" err="1">
+                <a:solidFill>
+                  <a:srgbClr val="333333"/>
+                </a:solidFill>
+                <a:latin typeface="Times New Roman" panose="02020603050405020304" pitchFamily="18" charset="0"/>
+              </a:rPr>
+              <a:t>Eigenmode</a:t>
+            </a:r>
+            <a:r>
+              <a:rPr lang="en-US" altLang="ko-KR" sz="1000" dirty="0">
+                <a:solidFill>
+                  <a:srgbClr val="333333"/>
+                </a:solidFill>
+                <a:latin typeface="Times New Roman" panose="02020603050405020304" pitchFamily="18" charset="0"/>
+              </a:rPr>
+              <a:t> decomposition theory - Y. Tian, J. </a:t>
+            </a:r>
+            <a:r>
+              <a:rPr lang="en-US" altLang="ko-KR" sz="1000" dirty="0" err="1">
+                <a:solidFill>
+                  <a:srgbClr val="333333"/>
+                </a:solidFill>
+                <a:latin typeface="Times New Roman" panose="02020603050405020304" pitchFamily="18" charset="0"/>
+              </a:rPr>
+              <a:t>Qiu</a:t>
+            </a:r>
+            <a:r>
+              <a:rPr lang="en-US" altLang="ko-KR" sz="1000" dirty="0">
+                <a:solidFill>
+                  <a:srgbClr val="333333"/>
+                </a:solidFill>
+                <a:latin typeface="Times New Roman" panose="02020603050405020304" pitchFamily="18" charset="0"/>
+              </a:rPr>
+              <a:t>, M. Yu, Z. Huang, Y. </a:t>
+            </a:r>
+            <a:r>
+              <a:rPr lang="en-US" altLang="ko-KR" sz="1000" dirty="0" err="1">
+                <a:solidFill>
+                  <a:srgbClr val="333333"/>
+                </a:solidFill>
+                <a:latin typeface="Times New Roman" panose="02020603050405020304" pitchFamily="18" charset="0"/>
+              </a:rPr>
+              <a:t>Qiao</a:t>
+            </a:r>
+            <a:r>
+              <a:rPr lang="en-US" altLang="ko-KR" sz="1000" dirty="0">
+                <a:solidFill>
+                  <a:srgbClr val="333333"/>
+                </a:solidFill>
+                <a:latin typeface="Times New Roman" panose="02020603050405020304" pitchFamily="18" charset="0"/>
+              </a:rPr>
+              <a:t>, Z. Dong, and J. Wu, “Broadband 1 × 3 Couplers With Variable Splitting Ratio Using Cascaded Step-Size MMI,” </a:t>
+            </a:r>
+            <a:r>
+              <a:rPr lang="en-US" altLang="ko-KR" sz="1000" i="1" dirty="0">
+                <a:solidFill>
+                  <a:srgbClr val="333333"/>
+                </a:solidFill>
+                <a:latin typeface="Times New Roman" panose="02020603050405020304" pitchFamily="18" charset="0"/>
+              </a:rPr>
+              <a:t>IEEE Photonics Journal</a:t>
+            </a:r>
+            <a:r>
+              <a:rPr lang="en-US" altLang="ko-KR" sz="1000" dirty="0">
+                <a:solidFill>
+                  <a:srgbClr val="333333"/>
+                </a:solidFill>
+                <a:latin typeface="Times New Roman" panose="02020603050405020304" pitchFamily="18" charset="0"/>
+              </a:rPr>
+              <a:t>, vol. 10, no. 3, pp. 1–8, 2018</a:t>
+            </a:r>
+            <a:r>
+              <a:rPr lang="en-US" altLang="ko-KR" sz="1000" dirty="0" smtClean="0">
+                <a:solidFill>
+                  <a:srgbClr val="333333"/>
+                </a:solidFill>
+                <a:latin typeface="Times New Roman" panose="02020603050405020304" pitchFamily="18" charset="0"/>
+              </a:rPr>
+              <a:t>.</a:t>
+            </a:r>
+          </a:p>
+          <a:p>
+            <a:pPr marL="228600" indent="-228600">
+              <a:buFont typeface="+mj-lt"/>
+              <a:buAutoNum type="arabicParenR"/>
+            </a:pPr>
+            <a:r>
+              <a:rPr lang="en-US" altLang="ko-KR" sz="1000" dirty="0" smtClean="0">
+                <a:solidFill>
+                  <a:srgbClr val="333333"/>
+                </a:solidFill>
+                <a:latin typeface="Times New Roman" panose="02020603050405020304" pitchFamily="18" charset="0"/>
+              </a:rPr>
+              <a:t>Butterfly geometry - P</a:t>
+            </a:r>
+            <a:r>
+              <a:rPr lang="en-US" altLang="ko-KR" sz="1000" dirty="0">
+                <a:solidFill>
+                  <a:srgbClr val="333333"/>
+                </a:solidFill>
+                <a:latin typeface="Times New Roman" panose="02020603050405020304" pitchFamily="18" charset="0"/>
+              </a:rPr>
+              <a:t>. </a:t>
+            </a:r>
+            <a:r>
+              <a:rPr lang="en-US" altLang="ko-KR" sz="1000" dirty="0" err="1">
+                <a:solidFill>
+                  <a:srgbClr val="333333"/>
+                </a:solidFill>
+                <a:latin typeface="Times New Roman" panose="02020603050405020304" pitchFamily="18" charset="0"/>
+              </a:rPr>
+              <a:t>Besse</a:t>
+            </a:r>
+            <a:r>
+              <a:rPr lang="en-US" altLang="ko-KR" sz="1000" dirty="0">
+                <a:solidFill>
+                  <a:srgbClr val="333333"/>
+                </a:solidFill>
+                <a:latin typeface="Times New Roman" panose="02020603050405020304" pitchFamily="18" charset="0"/>
+              </a:rPr>
+              <a:t>, E. Gini, M. Bachmann, and H. Melchior, “New 2×2 and 1×3 multimode interference couplers with free selection of power splitting ratios,” </a:t>
+            </a:r>
+            <a:r>
+              <a:rPr lang="en-US" altLang="ko-KR" sz="1000" i="1" dirty="0">
+                <a:solidFill>
+                  <a:srgbClr val="333333"/>
+                </a:solidFill>
+                <a:latin typeface="Times New Roman" panose="02020603050405020304" pitchFamily="18" charset="0"/>
+              </a:rPr>
+              <a:t>Journal of </a:t>
+            </a:r>
+            <a:r>
+              <a:rPr lang="en-US" altLang="ko-KR" sz="1000" i="1" dirty="0" err="1">
+                <a:solidFill>
+                  <a:srgbClr val="333333"/>
+                </a:solidFill>
+                <a:latin typeface="Times New Roman" panose="02020603050405020304" pitchFamily="18" charset="0"/>
+              </a:rPr>
+              <a:t>Lightwave</a:t>
+            </a:r>
+            <a:r>
+              <a:rPr lang="en-US" altLang="ko-KR" sz="1000" i="1" dirty="0">
+                <a:solidFill>
+                  <a:srgbClr val="333333"/>
+                </a:solidFill>
+                <a:latin typeface="Times New Roman" panose="02020603050405020304" pitchFamily="18" charset="0"/>
+              </a:rPr>
+              <a:t> Technology</a:t>
+            </a:r>
+            <a:r>
+              <a:rPr lang="en-US" altLang="ko-KR" sz="1000" dirty="0">
+                <a:solidFill>
+                  <a:srgbClr val="333333"/>
+                </a:solidFill>
+                <a:latin typeface="Times New Roman" panose="02020603050405020304" pitchFamily="18" charset="0"/>
+              </a:rPr>
+              <a:t>, vol. 14, no. 10, pp. 2286–2293, </a:t>
+            </a:r>
+            <a:r>
+              <a:rPr lang="en-US" altLang="ko-KR" sz="1000" dirty="0" smtClean="0">
+                <a:solidFill>
+                  <a:srgbClr val="333333"/>
+                </a:solidFill>
+                <a:latin typeface="Times New Roman" panose="02020603050405020304" pitchFamily="18" charset="0"/>
+              </a:rPr>
+              <a:t>1996.</a:t>
+            </a:r>
+          </a:p>
+          <a:p>
+            <a:pPr marL="228600" indent="-228600">
+              <a:buFont typeface="+mj-lt"/>
+              <a:buAutoNum type="arabicParenR"/>
+            </a:pPr>
+            <a:r>
+              <a:rPr lang="en-US" altLang="ko-KR" sz="1000" dirty="0">
+                <a:solidFill>
+                  <a:srgbClr val="333333"/>
+                </a:solidFill>
+                <a:latin typeface="Times New Roman" panose="02020603050405020304" pitchFamily="18" charset="0"/>
+              </a:rPr>
+              <a:t>Machine </a:t>
+            </a:r>
+            <a:r>
+              <a:rPr lang="en-US" altLang="ko-KR" sz="1000" dirty="0" err="1" smtClean="0">
+                <a:solidFill>
+                  <a:srgbClr val="333333"/>
+                </a:solidFill>
+                <a:latin typeface="Times New Roman" panose="02020603050405020304" pitchFamily="18" charset="0"/>
+              </a:rPr>
+              <a:t>Learning_Alternating</a:t>
+            </a:r>
+            <a:r>
+              <a:rPr lang="en-US" altLang="ko-KR" sz="1000" dirty="0" smtClean="0">
+                <a:solidFill>
+                  <a:srgbClr val="333333"/>
+                </a:solidFill>
+                <a:latin typeface="Times New Roman" panose="02020603050405020304" pitchFamily="18" charset="0"/>
+              </a:rPr>
+              <a:t> </a:t>
+            </a:r>
+            <a:r>
+              <a:rPr lang="en-US" altLang="ko-KR" sz="1000" dirty="0">
+                <a:solidFill>
+                  <a:srgbClr val="333333"/>
+                </a:solidFill>
+                <a:latin typeface="Times New Roman" panose="02020603050405020304" pitchFamily="18" charset="0"/>
+              </a:rPr>
+              <a:t>Directions Method of Multipliers (ADMM) optimization </a:t>
+            </a:r>
+            <a:r>
+              <a:rPr lang="en-US" altLang="ko-KR" sz="1000" dirty="0" smtClean="0">
+                <a:solidFill>
+                  <a:srgbClr val="333333"/>
+                </a:solidFill>
+                <a:latin typeface="Times New Roman" panose="02020603050405020304" pitchFamily="18" charset="0"/>
+              </a:rPr>
+              <a:t>algorithm - A</a:t>
+            </a:r>
+            <a:r>
+              <a:rPr lang="en-US" altLang="ko-KR" sz="1000" dirty="0">
+                <a:solidFill>
+                  <a:srgbClr val="333333"/>
+                </a:solidFill>
+                <a:latin typeface="Times New Roman" panose="02020603050405020304" pitchFamily="18" charset="0"/>
+              </a:rPr>
+              <a:t>. Y. Piggott, J. Lu, K. G. </a:t>
+            </a:r>
+            <a:r>
+              <a:rPr lang="en-US" altLang="ko-KR" sz="1000" dirty="0" err="1">
+                <a:solidFill>
+                  <a:srgbClr val="333333"/>
+                </a:solidFill>
+                <a:latin typeface="Times New Roman" panose="02020603050405020304" pitchFamily="18" charset="0"/>
+              </a:rPr>
+              <a:t>Lagoudakis</a:t>
+            </a:r>
+            <a:r>
+              <a:rPr lang="en-US" altLang="ko-KR" sz="1000" dirty="0">
+                <a:solidFill>
+                  <a:srgbClr val="333333"/>
+                </a:solidFill>
+                <a:latin typeface="Times New Roman" panose="02020603050405020304" pitchFamily="18" charset="0"/>
+              </a:rPr>
+              <a:t>, J. </a:t>
+            </a:r>
+            <a:r>
+              <a:rPr lang="en-US" altLang="ko-KR" sz="1000" dirty="0" err="1">
+                <a:solidFill>
+                  <a:srgbClr val="333333"/>
+                </a:solidFill>
+                <a:latin typeface="Times New Roman" panose="02020603050405020304" pitchFamily="18" charset="0"/>
+              </a:rPr>
               <a:t>Petykiewicz</a:t>
             </a:r>
             <a:r>
@@ -3522,6 +4233,279 @@
                 </a:solidFill>
                 <a:latin typeface="Times New Roman" panose="02020603050405020304" pitchFamily="18" charset="0"/>
               </a:rPr>
+              <a:t>, T. M. </a:t>
+            </a:r>
+            <a:r>
+              <a:rPr lang="en-US" altLang="ko-KR" sz="1000" dirty="0" err="1">
+                <a:solidFill>
+                  <a:srgbClr val="333333"/>
+                </a:solidFill>
+                <a:latin typeface="Times New Roman" panose="02020603050405020304" pitchFamily="18" charset="0"/>
+              </a:rPr>
+              <a:t>Babinec</a:t>
+            </a:r>
+            <a:r>
+              <a:rPr lang="en-US" altLang="ko-KR" sz="1000" dirty="0">
+                <a:solidFill>
+                  <a:srgbClr val="333333"/>
+                </a:solidFill>
+                <a:latin typeface="Times New Roman" panose="02020603050405020304" pitchFamily="18" charset="0"/>
+              </a:rPr>
+              <a:t>, and J. </a:t>
+            </a:r>
+            <a:r>
+              <a:rPr lang="en-US" altLang="ko-KR" sz="1000" dirty="0" err="1">
+                <a:solidFill>
+                  <a:srgbClr val="333333"/>
+                </a:solidFill>
+                <a:latin typeface="Times New Roman" panose="02020603050405020304" pitchFamily="18" charset="0"/>
+              </a:rPr>
+              <a:t>Vučković</a:t>
+            </a:r>
+            <a:r>
+              <a:rPr lang="en-US" altLang="ko-KR" sz="1000" dirty="0">
+                <a:solidFill>
+                  <a:srgbClr val="333333"/>
+                </a:solidFill>
+                <a:latin typeface="Times New Roman" panose="02020603050405020304" pitchFamily="18" charset="0"/>
+              </a:rPr>
+              <a:t>, “Inverse design and demonstration of a compact and broadband on-chip wavelength </a:t>
+            </a:r>
+            <a:r>
+              <a:rPr lang="en-US" altLang="ko-KR" sz="1000" dirty="0" err="1">
+                <a:solidFill>
+                  <a:srgbClr val="333333"/>
+                </a:solidFill>
+                <a:latin typeface="Times New Roman" panose="02020603050405020304" pitchFamily="18" charset="0"/>
+              </a:rPr>
+              <a:t>demultiplexer</a:t>
+            </a:r>
+            <a:r>
+              <a:rPr lang="en-US" altLang="ko-KR" sz="1000" dirty="0">
+                <a:solidFill>
+                  <a:srgbClr val="333333"/>
+                </a:solidFill>
+                <a:latin typeface="Times New Roman" panose="02020603050405020304" pitchFamily="18" charset="0"/>
+              </a:rPr>
+              <a:t>,” Nature Photonics, vol. 9, no. 6, pp. 374–377, 2015. </a:t>
+            </a:r>
+          </a:p>
+          <a:p>
+            <a:pPr marL="228600" indent="-228600">
+              <a:buFont typeface="+mj-lt"/>
+              <a:buAutoNum type="arabicParenR"/>
+            </a:pPr>
+            <a:r>
+              <a:rPr lang="en-US" altLang="ko-KR" sz="1000" dirty="0">
+                <a:solidFill>
+                  <a:srgbClr val="333333"/>
+                </a:solidFill>
+                <a:latin typeface="Times New Roman" panose="02020603050405020304" pitchFamily="18" charset="0"/>
+              </a:rPr>
+              <a:t>Machine </a:t>
+            </a:r>
+            <a:r>
+              <a:rPr lang="en-US" altLang="ko-KR" sz="1000" dirty="0" err="1" smtClean="0">
+                <a:solidFill>
+                  <a:srgbClr val="333333"/>
+                </a:solidFill>
+                <a:latin typeface="Times New Roman" panose="02020603050405020304" pitchFamily="18" charset="0"/>
+              </a:rPr>
+              <a:t>Learning_Alternating</a:t>
+            </a:r>
+            <a:r>
+              <a:rPr lang="en-US" altLang="ko-KR" sz="1000" dirty="0" smtClean="0">
+                <a:solidFill>
+                  <a:srgbClr val="333333"/>
+                </a:solidFill>
+                <a:latin typeface="Times New Roman" panose="02020603050405020304" pitchFamily="18" charset="0"/>
+              </a:rPr>
+              <a:t> </a:t>
+            </a:r>
+            <a:r>
+              <a:rPr lang="en-US" altLang="ko-KR" sz="1000" dirty="0">
+                <a:solidFill>
+                  <a:srgbClr val="333333"/>
+                </a:solidFill>
+                <a:latin typeface="Times New Roman" panose="02020603050405020304" pitchFamily="18" charset="0"/>
+              </a:rPr>
+              <a:t>Directions Method of Multipliers (ADMM) optimization algorithm, T-shape </a:t>
+            </a:r>
+            <a:r>
+              <a:rPr lang="en-US" altLang="ko-KR" sz="1000" dirty="0" err="1">
+                <a:solidFill>
+                  <a:srgbClr val="333333"/>
+                </a:solidFill>
+                <a:latin typeface="Times New Roman" panose="02020603050405020304" pitchFamily="18" charset="0"/>
+              </a:rPr>
+              <a:t>Polarizatino</a:t>
+            </a:r>
+            <a:r>
+              <a:rPr lang="en-US" altLang="ko-KR" sz="1000" dirty="0">
+                <a:solidFill>
+                  <a:srgbClr val="333333"/>
+                </a:solidFill>
+                <a:latin typeface="Times New Roman" panose="02020603050405020304" pitchFamily="18" charset="0"/>
+              </a:rPr>
+              <a:t> </a:t>
+            </a:r>
+            <a:r>
+              <a:rPr lang="en-US" altLang="ko-KR" sz="1000" dirty="0" err="1" smtClean="0">
+                <a:solidFill>
+                  <a:srgbClr val="333333"/>
+                </a:solidFill>
+                <a:latin typeface="Times New Roman" panose="02020603050405020304" pitchFamily="18" charset="0"/>
+              </a:rPr>
+              <a:t>Beamsplitter</a:t>
+            </a:r>
+            <a:r>
+              <a:rPr lang="en-US" altLang="ko-KR" sz="1000" dirty="0" smtClean="0">
+                <a:solidFill>
+                  <a:srgbClr val="333333"/>
+                </a:solidFill>
+                <a:latin typeface="Times New Roman" panose="02020603050405020304" pitchFamily="18" charset="0"/>
+              </a:rPr>
+              <a:t> - Z</a:t>
+            </a:r>
+            <a:r>
+              <a:rPr lang="en-US" altLang="ko-KR" sz="1000" dirty="0">
+                <a:solidFill>
+                  <a:srgbClr val="333333"/>
+                </a:solidFill>
+                <a:latin typeface="Times New Roman" panose="02020603050405020304" pitchFamily="18" charset="0"/>
+              </a:rPr>
+              <a:t>. Ye, J. </a:t>
+            </a:r>
+            <a:r>
+              <a:rPr lang="en-US" altLang="ko-KR" sz="1000" dirty="0" err="1">
+                <a:solidFill>
+                  <a:srgbClr val="333333"/>
+                </a:solidFill>
+                <a:latin typeface="Times New Roman" panose="02020603050405020304" pitchFamily="18" charset="0"/>
+              </a:rPr>
+              <a:t>Qiu</a:t>
+            </a:r>
+            <a:r>
+              <a:rPr lang="en-US" altLang="ko-KR" sz="1000" dirty="0">
+                <a:solidFill>
+                  <a:srgbClr val="333333"/>
+                </a:solidFill>
+                <a:latin typeface="Times New Roman" panose="02020603050405020304" pitchFamily="18" charset="0"/>
+              </a:rPr>
+              <a:t>, C. </a:t>
+            </a:r>
+            <a:r>
+              <a:rPr lang="en-US" altLang="ko-KR" sz="1000" dirty="0" err="1">
+                <a:solidFill>
+                  <a:srgbClr val="333333"/>
+                </a:solidFill>
+                <a:latin typeface="Times New Roman" panose="02020603050405020304" pitchFamily="18" charset="0"/>
+              </a:rPr>
+              <a:t>Meng</a:t>
+            </a:r>
+            <a:r>
+              <a:rPr lang="en-US" altLang="ko-KR" sz="1000" dirty="0">
+                <a:solidFill>
+                  <a:srgbClr val="333333"/>
+                </a:solidFill>
+                <a:latin typeface="Times New Roman" panose="02020603050405020304" pitchFamily="18" charset="0"/>
+              </a:rPr>
+              <a:t>, L. Zheng, Z. Dong, and J. Wu, “Inverse Design of a SOI T-junction Polarization </a:t>
+            </a:r>
+            <a:r>
+              <a:rPr lang="en-US" altLang="ko-KR" sz="1000" dirty="0" err="1">
+                <a:solidFill>
+                  <a:srgbClr val="333333"/>
+                </a:solidFill>
+                <a:latin typeface="Times New Roman" panose="02020603050405020304" pitchFamily="18" charset="0"/>
+              </a:rPr>
+              <a:t>Beamsplitter</a:t>
+            </a:r>
+            <a:r>
+              <a:rPr lang="en-US" altLang="ko-KR" sz="1000" dirty="0">
+                <a:solidFill>
+                  <a:srgbClr val="333333"/>
+                </a:solidFill>
+                <a:latin typeface="Times New Roman" panose="02020603050405020304" pitchFamily="18" charset="0"/>
+              </a:rPr>
+              <a:t>,” Journal of Physics: Conference Series, vol. 844, p. 012009, 2017.  </a:t>
+            </a:r>
+          </a:p>
+          <a:p>
+            <a:pPr marL="228600" indent="-228600">
+              <a:buFont typeface="+mj-lt"/>
+              <a:buAutoNum type="arabicParenR"/>
+            </a:pPr>
+            <a:r>
+              <a:rPr lang="en-US" altLang="ko-KR" sz="1000" dirty="0">
+                <a:solidFill>
+                  <a:srgbClr val="333333"/>
+                </a:solidFill>
+                <a:latin typeface="Times New Roman" panose="02020603050405020304" pitchFamily="18" charset="0"/>
+              </a:rPr>
+              <a:t>Machine </a:t>
+            </a:r>
+            <a:r>
+              <a:rPr lang="en-US" altLang="ko-KR" sz="1000" dirty="0" err="1" smtClean="0">
+                <a:solidFill>
+                  <a:srgbClr val="333333"/>
+                </a:solidFill>
+                <a:latin typeface="Times New Roman" panose="02020603050405020304" pitchFamily="18" charset="0"/>
+              </a:rPr>
+              <a:t>Learning_Alternating</a:t>
+            </a:r>
+            <a:r>
+              <a:rPr lang="en-US" altLang="ko-KR" sz="1000" dirty="0" smtClean="0">
+                <a:solidFill>
+                  <a:srgbClr val="333333"/>
+                </a:solidFill>
+                <a:latin typeface="Times New Roman" panose="02020603050405020304" pitchFamily="18" charset="0"/>
+              </a:rPr>
+              <a:t> </a:t>
+            </a:r>
+            <a:r>
+              <a:rPr lang="en-US" altLang="ko-KR" sz="1000" dirty="0">
+                <a:solidFill>
+                  <a:srgbClr val="333333"/>
+                </a:solidFill>
+                <a:latin typeface="Times New Roman" panose="02020603050405020304" pitchFamily="18" charset="0"/>
+              </a:rPr>
+              <a:t>Directions Method of Multipliers (ADMM) optimization </a:t>
+            </a:r>
+            <a:r>
+              <a:rPr lang="en-US" altLang="ko-KR" sz="1000" dirty="0" smtClean="0">
+                <a:solidFill>
+                  <a:srgbClr val="333333"/>
+                </a:solidFill>
+                <a:latin typeface="Times New Roman" panose="02020603050405020304" pitchFamily="18" charset="0"/>
+              </a:rPr>
+              <a:t>algorithm - A</a:t>
+            </a:r>
+            <a:r>
+              <a:rPr lang="en-US" altLang="ko-KR" sz="1000" dirty="0">
+                <a:solidFill>
+                  <a:srgbClr val="333333"/>
+                </a:solidFill>
+                <a:latin typeface="Times New Roman" panose="02020603050405020304" pitchFamily="18" charset="0"/>
+              </a:rPr>
+              <a:t>. Y. Piggott, J. </a:t>
+            </a:r>
+            <a:r>
+              <a:rPr lang="en-US" altLang="ko-KR" sz="1000" dirty="0" err="1">
+                <a:solidFill>
+                  <a:srgbClr val="333333"/>
+                </a:solidFill>
+                <a:latin typeface="Times New Roman" panose="02020603050405020304" pitchFamily="18" charset="0"/>
+              </a:rPr>
+              <a:t>Petykiewicz</a:t>
+            </a:r>
+            <a:r>
+              <a:rPr lang="en-US" altLang="ko-KR" sz="1000" dirty="0">
+                <a:solidFill>
+                  <a:srgbClr val="333333"/>
+                </a:solidFill>
+                <a:latin typeface="Times New Roman" panose="02020603050405020304" pitchFamily="18" charset="0"/>
+              </a:rPr>
               <a:t>, L. Su, and J. </a:t>
             </a:r>
             <a:r>
@@ -3558,25 +4542,7 @@
                 </a:solidFill>
                 <a:latin typeface="Times New Roman" panose="02020603050405020304" pitchFamily="18" charset="0"/>
               </a:rPr>
-              <a:t> inverse design,” </a:t>
-            </a:r>
-            <a:r>
-              <a:rPr lang="en-US" altLang="ko-KR" sz="1000" i="1" dirty="0">
-                <a:solidFill>
-                  <a:srgbClr val="333333"/>
-                </a:solidFill>
-                <a:latin typeface="Times New Roman" panose="02020603050405020304" pitchFamily="18" charset="0"/>
-              </a:rPr>
-              <a:t>Scientific Reports</a:t>
-            </a:r>
-            <a:r>
-              <a:rPr lang="en-US" altLang="ko-KR" sz="1000" dirty="0">
-                <a:solidFill>
-                  <a:srgbClr val="333333"/>
-                </a:solidFill>
-                <a:latin typeface="Times New Roman" panose="02020603050405020304" pitchFamily="18" charset="0"/>
-              </a:rPr>
-              <a:t>, vol. 7, no. 1, Nov. 2017</a:t>
+              <a:t> inverse design,” Scientific Reports, vol. 7, no. 1, Nov. 2017</a:t>
             </a:r>
             <a:r>
               <a:rPr lang="en-US" altLang="ko-KR" sz="1000" dirty="0" smtClean="0">
@@ -3589,138 +4555,123 @@
             </a:r>
           </a:p>
           <a:p>
-            <a:r>
-              <a:rPr lang="en-US" altLang="ko-KR" sz="1000" u="sng" dirty="0">
-                <a:solidFill>
-                  <a:srgbClr val="333333"/>
-                </a:solidFill>
-                <a:latin typeface="Times New Roman" panose="02020603050405020304" pitchFamily="18" charset="0"/>
-              </a:rPr>
-              <a:t>Machine Learning (ADMM) Inverse </a:t>
-            </a:r>
-            <a:r>
-              <a:rPr lang="en-US" altLang="ko-KR" sz="1000" u="sng" dirty="0" smtClean="0">
-                <a:solidFill>
-                  <a:srgbClr val="333333"/>
-                </a:solidFill>
-                <a:latin typeface="Times New Roman" panose="02020603050405020304" pitchFamily="18" charset="0"/>
-              </a:rPr>
-              <a:t>Design Thesis</a:t>
-            </a:r>
-            <a:endParaRPr lang="sv-SE" altLang="ko-KR" sz="1000" dirty="0" smtClean="0">
-              <a:solidFill>
-                <a:srgbClr val="333333"/>
-              </a:solidFill>
-              <a:latin typeface="Times New Roman" panose="02020603050405020304" pitchFamily="18" charset="0"/>
-            </a:endParaRPr>
-          </a:p>
-          <a:p>
-            <a:pPr marL="171450" lvl="0" indent="-171450">
-              <a:buFontTx/>
-              <a:buChar char="-"/>
+            <a:pPr marL="228600" indent="-228600">
+              <a:buFont typeface="+mj-lt"/>
+              <a:buAutoNum type="arabicParenR"/>
             </a:pPr>
             <a:r>
-              <a:rPr lang="sv-SE" altLang="ko-KR" sz="1000" dirty="0" smtClean="0">
-                <a:solidFill>
-                  <a:srgbClr val="333333"/>
-                </a:solidFill>
-                <a:latin typeface="Times New Roman" panose="02020603050405020304" pitchFamily="18" charset="0"/>
-              </a:rPr>
-              <a:t>A</a:t>
-            </a:r>
-            <a:r>
-              <a:rPr lang="sv-SE" altLang="ko-KR" sz="1000" dirty="0">
-                <a:solidFill>
-                  <a:srgbClr val="333333"/>
-                </a:solidFill>
-                <a:latin typeface="Times New Roman" panose="02020603050405020304" pitchFamily="18" charset="0"/>
-              </a:rPr>
-              <a:t>. Y. Piggott, J. Vuckovic, S. Fan, and D. A. B. Miller, 2018.</a:t>
-            </a:r>
-            <a:endParaRPr lang="en-US" altLang="ko-KR" sz="1000" dirty="0">
-              <a:solidFill>
-                <a:srgbClr val="333333"/>
-              </a:solidFill>
-              <a:latin typeface="Times New Roman" panose="02020603050405020304" pitchFamily="18" charset="0"/>
-            </a:endParaRPr>
-          </a:p>
-        </p:txBody>
-      </p:sp>
-      <p:sp>
-        <p:nvSpPr>
-          <p:cNvPr id="14" name="TextBox 13"/>
-          <p:cNvSpPr txBox="1"/>
-          <p:nvPr/>
-        </p:nvSpPr>
-        <p:spPr>
-          <a:xfrm>
-            <a:off x="163901" y="4975055"/>
-            <a:ext cx="2350643" cy="338554"/>
-          </a:xfrm>
-          <a:prstGeom prst="rect">
-            <a:avLst/>
-          </a:prstGeom>
-          <a:noFill/>
-        </p:spPr>
-        <p:txBody>
-          <a:bodyPr wrap="none" rtlCol="0">
-            <a:spAutoFit/>
-          </a:bodyPr>
-          <a:lstStyle/>
-          <a:p>
-            <a:r>
-              <a:rPr lang="en-US" altLang="ko-KR" sz="1600" dirty="0" err="1" smtClean="0"/>
-              <a:t>Thz</a:t>
-            </a:r>
-            <a:r>
-              <a:rPr lang="en-US" altLang="ko-KR" sz="1600" dirty="0" smtClean="0"/>
-              <a:t> waveguide (30THz)</a:t>
-            </a:r>
-            <a:endParaRPr lang="ko-KR" altLang="en-US" sz="1600" dirty="0"/>
-          </a:p>
-        </p:txBody>
-      </p:sp>
-      <p:sp>
-        <p:nvSpPr>
-          <p:cNvPr id="15" name="직사각형 14"/>
-          <p:cNvSpPr/>
-          <p:nvPr/>
-        </p:nvSpPr>
-        <p:spPr>
-          <a:xfrm>
-            <a:off x="163901" y="5313087"/>
-            <a:ext cx="9299276" cy="553998"/>
-          </a:xfrm>
-          <a:prstGeom prst="rect">
-            <a:avLst/>
-          </a:prstGeom>
-        </p:spPr>
-        <p:txBody>
-          <a:bodyPr wrap="square">
-            <a:spAutoFit/>
-          </a:bodyPr>
-          <a:lstStyle/>
-          <a:p>
-            <a:r>
-              <a:rPr lang="en-US" altLang="ko-KR" sz="1000" u="sng" dirty="0" smtClean="0">
-                <a:solidFill>
-                  <a:srgbClr val="333333"/>
-                </a:solidFill>
-                <a:latin typeface="Times New Roman" panose="02020603050405020304" pitchFamily="18" charset="0"/>
-              </a:rPr>
-              <a:t>Subwavelength Graphene waveguide</a:t>
-            </a:r>
-            <a:endParaRPr lang="en-US" altLang="ko-KR" sz="1000" u="sng" dirty="0">
-              <a:solidFill>
-                <a:srgbClr val="333333"/>
-              </a:solidFill>
-              <a:latin typeface="Times New Roman" panose="02020603050405020304" pitchFamily="18" charset="0"/>
-            </a:endParaRPr>
-          </a:p>
-          <a:p>
-            <a:pPr marL="171450" lvl="0" indent="-171450">
-              <a:buFontTx/>
-              <a:buChar char="-"/>
+              <a:rPr lang="en-US" altLang="ko-KR" sz="1000" dirty="0" smtClean="0">
+                <a:solidFill>
+                  <a:srgbClr val="333333"/>
+                </a:solidFill>
+                <a:latin typeface="Times New Roman" panose="02020603050405020304" pitchFamily="18" charset="0"/>
+              </a:rPr>
+              <a:t>Deep </a:t>
+            </a:r>
+            <a:r>
+              <a:rPr lang="en-US" altLang="ko-KR" sz="1000" dirty="0" err="1" smtClean="0">
+                <a:solidFill>
+                  <a:srgbClr val="333333"/>
+                </a:solidFill>
+                <a:latin typeface="Times New Roman" panose="02020603050405020304" pitchFamily="18" charset="0"/>
+              </a:rPr>
+              <a:t>Learning_ResNet</a:t>
+            </a:r>
+            <a:r>
+              <a:rPr lang="en-US" altLang="ko-KR" sz="1000" dirty="0" smtClean="0">
+                <a:solidFill>
+                  <a:srgbClr val="333333"/>
+                </a:solidFill>
+                <a:latin typeface="Times New Roman" panose="02020603050405020304" pitchFamily="18" charset="0"/>
+              </a:rPr>
+              <a:t> </a:t>
+            </a:r>
+            <a:r>
+              <a:rPr lang="en-US" altLang="ko-KR" sz="1000" dirty="0">
+                <a:solidFill>
+                  <a:srgbClr val="333333"/>
+                </a:solidFill>
+                <a:latin typeface="Times New Roman" panose="02020603050405020304" pitchFamily="18" charset="0"/>
+              </a:rPr>
+              <a:t>algorithm (without Convolutional </a:t>
+            </a:r>
+            <a:r>
+              <a:rPr lang="en-US" altLang="ko-KR" sz="1000" dirty="0" smtClean="0">
+                <a:solidFill>
+                  <a:srgbClr val="333333"/>
+                </a:solidFill>
+                <a:latin typeface="Times New Roman" panose="02020603050405020304" pitchFamily="18" charset="0"/>
+              </a:rPr>
+              <a:t>Networks) - M</a:t>
+            </a:r>
+            <a:r>
+              <a:rPr lang="en-US" altLang="ko-KR" sz="1000" dirty="0">
+                <a:solidFill>
+                  <a:srgbClr val="333333"/>
+                </a:solidFill>
+                <a:latin typeface="Times New Roman" panose="02020603050405020304" pitchFamily="18" charset="0"/>
+              </a:rPr>
+              <a:t>. H. </a:t>
+            </a:r>
+            <a:r>
+              <a:rPr lang="en-US" altLang="ko-KR" sz="1000" dirty="0" err="1">
+                <a:solidFill>
+                  <a:srgbClr val="333333"/>
+                </a:solidFill>
+                <a:latin typeface="Times New Roman" panose="02020603050405020304" pitchFamily="18" charset="0"/>
+              </a:rPr>
+              <a:t>Tahersima</a:t>
+            </a:r>
+            <a:r>
+              <a:rPr lang="en-US" altLang="ko-KR" sz="1000" dirty="0">
+                <a:solidFill>
+                  <a:srgbClr val="333333"/>
+                </a:solidFill>
+                <a:latin typeface="Times New Roman" panose="02020603050405020304" pitchFamily="18" charset="0"/>
+              </a:rPr>
+              <a:t>, K. Kojima, T. Koike-</a:t>
+            </a:r>
+            <a:r>
+              <a:rPr lang="en-US" altLang="ko-KR" sz="1000" dirty="0" err="1">
+                <a:solidFill>
+                  <a:srgbClr val="333333"/>
+                </a:solidFill>
+                <a:latin typeface="Times New Roman" panose="02020603050405020304" pitchFamily="18" charset="0"/>
+              </a:rPr>
+              <a:t>Akino</a:t>
+            </a:r>
+            <a:r>
+              <a:rPr lang="en-US" altLang="ko-KR" sz="1000" dirty="0">
+                <a:solidFill>
+                  <a:srgbClr val="333333"/>
+                </a:solidFill>
+                <a:latin typeface="Times New Roman" panose="02020603050405020304" pitchFamily="18" charset="0"/>
+              </a:rPr>
+              <a:t>, D. </a:t>
+            </a:r>
+            <a:r>
+              <a:rPr lang="en-US" altLang="ko-KR" sz="1000" dirty="0" err="1">
+                <a:solidFill>
+                  <a:srgbClr val="333333"/>
+                </a:solidFill>
+                <a:latin typeface="Times New Roman" panose="02020603050405020304" pitchFamily="18" charset="0"/>
+              </a:rPr>
+              <a:t>Jha</a:t>
+            </a:r>
+            <a:r>
+              <a:rPr lang="en-US" altLang="ko-KR" sz="1000" dirty="0">
+                <a:solidFill>
+                  <a:srgbClr val="333333"/>
+                </a:solidFill>
+                <a:latin typeface="Times New Roman" panose="02020603050405020304" pitchFamily="18" charset="0"/>
+              </a:rPr>
+              <a:t>, B. Wang, C. Lin, and K. Parsons, “Deep Neural Network Inverse Design of Integrated Photonic Power Splitters,” Scientific Reports, vol. 9, no. 1, 2019. </a:t>
+            </a:r>
+          </a:p>
+          <a:p>
+            <a:pPr marL="228600" indent="-228600">
+              <a:buFont typeface="+mj-lt"/>
+              <a:buAutoNum type="arabicParenR"/>
             </a:pPr>
             <a:r>
               <a:rPr lang="en-US" altLang="ko-KR" sz="1000" dirty="0">
@@ -3729,7 +4680,52 @@
                 </a:solidFill>
                 <a:latin typeface="Times New Roman" panose="02020603050405020304" pitchFamily="18" charset="0"/>
               </a:rPr>
-              <a:t>Z. </a:t>
+              <a:t>Deep </a:t>
+            </a:r>
+            <a:r>
+              <a:rPr lang="en-US" altLang="ko-KR" sz="1000" dirty="0" err="1" smtClean="0">
+                <a:solidFill>
+                  <a:srgbClr val="333333"/>
+                </a:solidFill>
+                <a:latin typeface="Times New Roman" panose="02020603050405020304" pitchFamily="18" charset="0"/>
+              </a:rPr>
+              <a:t>Learning_Covolutional</a:t>
+            </a:r>
+            <a:r>
+              <a:rPr lang="en-US" altLang="ko-KR" sz="1000" dirty="0" smtClean="0">
+                <a:solidFill>
+                  <a:srgbClr val="333333"/>
+                </a:solidFill>
+                <a:latin typeface="Times New Roman" panose="02020603050405020304" pitchFamily="18" charset="0"/>
+              </a:rPr>
+              <a:t> </a:t>
+            </a:r>
+            <a:r>
+              <a:rPr lang="en-US" altLang="ko-KR" sz="1000" dirty="0">
+                <a:solidFill>
+                  <a:srgbClr val="333333"/>
+                </a:solidFill>
+                <a:latin typeface="Times New Roman" panose="02020603050405020304" pitchFamily="18" charset="0"/>
+              </a:rPr>
+              <a:t>Neural Network(CNN) </a:t>
+            </a:r>
+            <a:r>
+              <a:rPr lang="en-US" altLang="ko-KR" sz="1000" dirty="0" smtClean="0">
+                <a:solidFill>
+                  <a:srgbClr val="333333"/>
+                </a:solidFill>
+                <a:latin typeface="Times New Roman" panose="02020603050405020304" pitchFamily="18" charset="0"/>
+              </a:rPr>
+              <a:t>algorithm - M</a:t>
+            </a:r>
+            <a:r>
+              <a:rPr lang="en-US" altLang="ko-KR" sz="1000" dirty="0">
+                <a:solidFill>
+                  <a:srgbClr val="333333"/>
+                </a:solidFill>
+                <a:latin typeface="Times New Roman" panose="02020603050405020304" pitchFamily="18" charset="0"/>
+              </a:rPr>
+              <a:t>. H. </a:t>
             </a:r>
             <a:r>
               <a:rPr lang="en-US" altLang="ko-KR" sz="1000" dirty="0" err="1">
@@ -3738,16 +4734,16 @@
                 </a:solidFill>
                 <a:latin typeface="Times New Roman" panose="02020603050405020304" pitchFamily="18" charset="0"/>
               </a:rPr>
-              <a:t>Guo</a:t>
-            </a:r>
-            <a:r>
-              <a:rPr lang="en-US" altLang="ko-KR" sz="1000" dirty="0">
-                <a:solidFill>
-                  <a:srgbClr val="333333"/>
-                </a:solidFill>
-                <a:latin typeface="Times New Roman" panose="02020603050405020304" pitchFamily="18" charset="0"/>
-              </a:rPr>
-              <a:t>, X. </a:t>
+              <a:t>Tahersima</a:t>
+            </a:r>
+            <a:r>
+              <a:rPr lang="en-US" altLang="ko-KR" sz="1000" dirty="0">
+                <a:solidFill>
+                  <a:srgbClr val="333333"/>
+                </a:solidFill>
+                <a:latin typeface="Times New Roman" panose="02020603050405020304" pitchFamily="18" charset="0"/>
+              </a:rPr>
+              <a:t>, K. Kojima, T. Koike-</a:t>
             </a:r>
             <a:r>
               <a:rPr lang="en-US" altLang="ko-KR" sz="1000" dirty="0" err="1">
@@ -3756,16 +4752,16 @@
                 </a:solidFill>
                 <a:latin typeface="Times New Roman" panose="02020603050405020304" pitchFamily="18" charset="0"/>
               </a:rPr>
-              <a:t>Nie</a:t>
-            </a:r>
-            <a:r>
-              <a:rPr lang="en-US" altLang="ko-KR" sz="1000" dirty="0">
-                <a:solidFill>
-                  <a:srgbClr val="333333"/>
-                </a:solidFill>
-                <a:latin typeface="Times New Roman" panose="02020603050405020304" pitchFamily="18" charset="0"/>
-              </a:rPr>
-              <a:t>, F. Shen, H. Zhou, Q. Zhou, J. Gao, and K. </a:t>
+              <a:t>Akino</a:t>
+            </a:r>
+            <a:r>
+              <a:rPr lang="en-US" altLang="ko-KR" sz="1000" dirty="0">
+                <a:solidFill>
+                  <a:srgbClr val="333333"/>
+                </a:solidFill>
+                <a:latin typeface="Times New Roman" panose="02020603050405020304" pitchFamily="18" charset="0"/>
+              </a:rPr>
+              <a:t>, D. </a:t>
             </a:r>
             <a:r>
               <a:rPr lang="en-US" altLang="ko-KR" sz="1000" dirty="0" err="1">
@@ -3774,136 +4770,33 @@
                 </a:solidFill>
                 <a:latin typeface="Times New Roman" panose="02020603050405020304" pitchFamily="18" charset="0"/>
               </a:rPr>
-              <a:t>Guo</a:t>
-            </a:r>
-            <a:r>
-              <a:rPr lang="en-US" altLang="ko-KR" sz="1000" dirty="0">
-                <a:solidFill>
-                  <a:srgbClr val="333333"/>
-                </a:solidFill>
-                <a:latin typeface="Times New Roman" panose="02020603050405020304" pitchFamily="18" charset="0"/>
-              </a:rPr>
-              <a:t>, “Actively Tunable Terahertz Switches Based on Subwavelength Graphene Waveguide,” </a:t>
-            </a:r>
-            <a:r>
-              <a:rPr lang="en-US" altLang="ko-KR" sz="1000" i="1" dirty="0">
-                <a:solidFill>
-                  <a:srgbClr val="333333"/>
-                </a:solidFill>
-                <a:latin typeface="Times New Roman" panose="02020603050405020304" pitchFamily="18" charset="0"/>
-              </a:rPr>
-              <a:t>Nanomaterials</a:t>
-            </a:r>
-            <a:r>
-              <a:rPr lang="en-US" altLang="ko-KR" sz="1000" dirty="0">
-                <a:solidFill>
-                  <a:srgbClr val="333333"/>
-                </a:solidFill>
-                <a:latin typeface="Times New Roman" panose="02020603050405020304" pitchFamily="18" charset="0"/>
-              </a:rPr>
-              <a:t>, vol. 8, no. 9, p. 665, 2018.</a:t>
-            </a:r>
-            <a:endParaRPr lang="en-US" altLang="ko-KR" sz="1000" dirty="0" smtClean="0">
-              <a:solidFill>
-                <a:srgbClr val="333333"/>
-              </a:solidFill>
-              <a:latin typeface="Times New Roman" panose="02020603050405020304" pitchFamily="18" charset="0"/>
-            </a:endParaRPr>
-          </a:p>
-        </p:txBody>
-      </p:sp>
-      <p:sp>
-        <p:nvSpPr>
-          <p:cNvPr id="16" name="TextBox 15"/>
-          <p:cNvSpPr txBox="1"/>
-          <p:nvPr/>
-        </p:nvSpPr>
-        <p:spPr>
-          <a:xfrm>
-            <a:off x="0" y="0"/>
-            <a:ext cx="2419004" cy="400110"/>
-          </a:xfrm>
-          <a:prstGeom prst="rect">
-            <a:avLst/>
-          </a:prstGeom>
-          <a:noFill/>
-        </p:spPr>
-        <p:txBody>
-          <a:bodyPr wrap="square" rtlCol="0">
-            <a:spAutoFit/>
-          </a:bodyPr>
-          <a:lstStyle/>
-          <a:p>
-            <a:r>
-              <a:rPr lang="en-US" altLang="ko-KR" sz="2000" b="1" dirty="0" smtClean="0"/>
-              <a:t>Introduction</a:t>
-            </a:r>
-            <a:endParaRPr lang="ko-KR" altLang="en-US" sz="2000" b="1" dirty="0"/>
-          </a:p>
-        </p:txBody>
-      </p:sp>
-      <p:sp>
-        <p:nvSpPr>
-          <p:cNvPr id="17" name="TextBox 16"/>
-          <p:cNvSpPr txBox="1"/>
-          <p:nvPr/>
-        </p:nvSpPr>
-        <p:spPr>
-          <a:xfrm>
-            <a:off x="163901" y="753056"/>
-            <a:ext cx="10545131" cy="338554"/>
-          </a:xfrm>
-          <a:prstGeom prst="rect">
-            <a:avLst/>
-          </a:prstGeom>
-          <a:noFill/>
-        </p:spPr>
-        <p:txBody>
-          <a:bodyPr wrap="none" rtlCol="0">
-            <a:spAutoFit/>
-          </a:bodyPr>
-          <a:lstStyle/>
-          <a:p>
-            <a:r>
-              <a:rPr lang="en-US" altLang="ko-KR" sz="1600" dirty="0" smtClean="0"/>
-              <a:t>1x2 power splitter</a:t>
-            </a:r>
-            <a:r>
-              <a:rPr lang="ko-KR" altLang="en-US" sz="1600" dirty="0" smtClean="0"/>
-              <a:t>는 연구가 많이 되어있지만</a:t>
-            </a:r>
-            <a:r>
-              <a:rPr lang="en-US" altLang="ko-KR" sz="1600" dirty="0"/>
-              <a:t> </a:t>
-            </a:r>
-            <a:r>
-              <a:rPr lang="en-US" altLang="ko-KR" sz="1600" dirty="0" smtClean="0"/>
-              <a:t>multi-output splitter</a:t>
-            </a:r>
-            <a:r>
-              <a:rPr lang="ko-KR" altLang="en-US" sz="1600" dirty="0" smtClean="0"/>
-              <a:t>는 </a:t>
-            </a:r>
-            <a:r>
-              <a:rPr lang="en-US" altLang="ko-KR" sz="1600" dirty="0" smtClean="0"/>
-              <a:t>design complexity </a:t>
-            </a:r>
-            <a:r>
-              <a:rPr lang="ko-KR" altLang="en-US" sz="1600" dirty="0" smtClean="0"/>
-              <a:t>때문에 연구가 부족하다</a:t>
-            </a:r>
-            <a:r>
-              <a:rPr lang="en-US" altLang="ko-KR" sz="1600" dirty="0" smtClean="0"/>
+              <a:t>Jha</a:t>
+            </a:r>
+            <a:r>
+              <a:rPr lang="en-US" altLang="ko-KR" sz="1000" dirty="0">
+                <a:solidFill>
+                  <a:srgbClr val="333333"/>
+                </a:solidFill>
+                <a:latin typeface="Times New Roman" panose="02020603050405020304" pitchFamily="18" charset="0"/>
+              </a:rPr>
+              <a:t>, B. Wang, C. Lin, and K. Parsons, “Nanostructured Photonic Power Splitter Design via Convolutional Neural Networks,” Conference on Lasers and Electro-Optics, 2019</a:t>
+            </a:r>
+            <a:r>
+              <a:rPr lang="en-US" altLang="ko-KR" sz="1000" dirty="0" smtClean="0">
+                <a:solidFill>
+                  <a:srgbClr val="333333"/>
+                </a:solidFill>
+                <a:latin typeface="Times New Roman" panose="02020603050405020304" pitchFamily="18" charset="0"/>
+              </a:rPr>
               <a:t>.</a:t>
             </a:r>
-            <a:endParaRPr lang="ko-KR" altLang="en-US" sz="1600" dirty="0"/>
           </a:p>
         </p:txBody>
       </p:sp>
     </p:spTree>
     <p:extLst>
       <p:ext uri="{BB962C8B-B14F-4D97-AF65-F5344CB8AC3E}">
-        <p14:creationId xmlns:p14="http://schemas.microsoft.com/office/powerpoint/2010/main" val="4177444599"/>
+        <p14:creationId xmlns:p14="http://schemas.microsoft.com/office/powerpoint/2010/main" val="1111769114"/>
       </p:ext>
     </p:extLst>
   </p:cSld>
@@ -3914,6 +4807,935 @@
 </file>
 
 <file path=ppt/slides/slide2.xml><?xml version="1.0" encoding="utf-8"?>
+<p:sld xmlns:a="http://schemas.openxmlformats.org/drawingml/2006/main" xmlns:r="http://schemas.openxmlformats.org/officeDocument/2006/relationships" xmlns:p="http://schemas.openxmlformats.org/presentationml/2006/main">
+  <p:cSld>
+    <p:spTree>
+      <p:nvGrpSpPr>
+        <p:cNvPr id="1" name=""/>
+        <p:cNvGrpSpPr/>
+        <p:nvPr/>
+      </p:nvGrpSpPr>
+      <p:grpSpPr>
+        <a:xfrm>
+          <a:off x="0" y="0"/>
+          <a:ext cx="0" cy="0"/>
+          <a:chOff x="0" y="0"/>
+          <a:chExt cx="0" cy="0"/>
+        </a:xfrm>
+      </p:grpSpPr>
+      <p:sp>
+        <p:nvSpPr>
+          <p:cNvPr id="4" name="TextBox 3"/>
+          <p:cNvSpPr txBox="1"/>
+          <p:nvPr/>
+        </p:nvSpPr>
+        <p:spPr>
+          <a:xfrm>
+            <a:off x="0" y="0"/>
+            <a:ext cx="3367454" cy="400110"/>
+          </a:xfrm>
+          <a:prstGeom prst="rect">
+            <a:avLst/>
+          </a:prstGeom>
+          <a:noFill/>
+        </p:spPr>
+        <p:txBody>
+          <a:bodyPr wrap="square" rtlCol="0">
+            <a:spAutoFit/>
+          </a:bodyPr>
+          <a:lstStyle/>
+          <a:p>
+            <a:r>
+              <a:rPr lang="en-US" altLang="ko-KR" sz="2000" b="1" dirty="0" smtClean="0"/>
+              <a:t>Method</a:t>
+            </a:r>
+            <a:endParaRPr lang="ko-KR" altLang="en-US" sz="2000" b="1" dirty="0"/>
+          </a:p>
+        </p:txBody>
+      </p:sp>
+      <p:sp>
+        <p:nvSpPr>
+          <p:cNvPr id="5" name="TextBox 4"/>
+          <p:cNvSpPr txBox="1"/>
+          <p:nvPr/>
+        </p:nvSpPr>
+        <p:spPr>
+          <a:xfrm>
+            <a:off x="1" y="400110"/>
+            <a:ext cx="12192000" cy="2677656"/>
+          </a:xfrm>
+          <a:prstGeom prst="rect">
+            <a:avLst/>
+          </a:prstGeom>
+          <a:noFill/>
+        </p:spPr>
+        <p:txBody>
+          <a:bodyPr wrap="square" rtlCol="0">
+            <a:spAutoFit/>
+          </a:bodyPr>
+          <a:lstStyle/>
+          <a:p>
+            <a:pPr>
+              <a:lnSpc>
+                <a:spcPct val="150000"/>
+              </a:lnSpc>
+            </a:pPr>
+            <a:r>
+              <a:rPr lang="en-US" altLang="ko-KR" sz="1600" dirty="0" smtClean="0"/>
+              <a:t>Paragraphs </a:t>
+            </a:r>
+            <a:r>
+              <a:rPr lang="ko-KR" altLang="en-US" sz="1600" dirty="0" smtClean="0"/>
+              <a:t>구성</a:t>
+            </a:r>
+            <a:endParaRPr lang="en-US" altLang="ko-KR" sz="1600" dirty="0" smtClean="0"/>
+          </a:p>
+          <a:p>
+            <a:pPr marL="285750" indent="-285750">
+              <a:lnSpc>
+                <a:spcPct val="150000"/>
+              </a:lnSpc>
+              <a:buFont typeface="Arial" panose="020B0604020202020204" pitchFamily="34" charset="0"/>
+              <a:buChar char="•"/>
+            </a:pPr>
+            <a:r>
+              <a:rPr lang="en-US" altLang="ko-KR" sz="1600" dirty="0"/>
+              <a:t>“The algorithm combines the additive updates feature of the perceptron algorithm and the reward for state idea of reinforcement learning</a:t>
+            </a:r>
+            <a:r>
+              <a:rPr lang="en-US" altLang="ko-KR" sz="1600" dirty="0" smtClean="0"/>
+              <a:t>”</a:t>
+            </a:r>
+          </a:p>
+          <a:p>
+            <a:pPr marL="285750" indent="-285750">
+              <a:lnSpc>
+                <a:spcPct val="150000"/>
+              </a:lnSpc>
+              <a:buFontTx/>
+              <a:buChar char="-"/>
+            </a:pPr>
+            <a:r>
+              <a:rPr lang="en-US" altLang="ko-KR" sz="1600" dirty="0" smtClean="0"/>
+              <a:t>Perceptron-like machine learning algorithm[14]</a:t>
+            </a:r>
+          </a:p>
+          <a:p>
+            <a:pPr marL="285750" indent="-285750">
+              <a:lnSpc>
+                <a:spcPct val="150000"/>
+              </a:lnSpc>
+              <a:buFont typeface="Arial" panose="020B0604020202020204" pitchFamily="34" charset="0"/>
+              <a:buChar char="•"/>
+            </a:pPr>
+            <a:r>
+              <a:rPr lang="en-US" altLang="ko-KR" sz="1600" dirty="0" smtClean="0"/>
+              <a:t>Commercially available software </a:t>
+            </a:r>
+            <a:r>
+              <a:rPr lang="en-US" altLang="ko-KR" sz="1600" dirty="0" err="1" smtClean="0"/>
+              <a:t>Lumerical</a:t>
+            </a:r>
+            <a:r>
+              <a:rPr lang="en-US" altLang="ko-KR" sz="1600" dirty="0" smtClean="0"/>
+              <a:t> FDTD solutions</a:t>
+            </a:r>
+          </a:p>
+          <a:p>
+            <a:pPr marL="285750" indent="-285750">
+              <a:lnSpc>
+                <a:spcPct val="150000"/>
+              </a:lnSpc>
+              <a:buFontTx/>
+              <a:buChar char="-"/>
+            </a:pPr>
+            <a:r>
+              <a:rPr lang="en-US" altLang="ko-KR" sz="1600" dirty="0" smtClean="0"/>
+              <a:t>Generate labeled data for training phase</a:t>
+            </a:r>
+          </a:p>
+          <a:p>
+            <a:pPr marL="285750" indent="-285750">
+              <a:lnSpc>
+                <a:spcPct val="150000"/>
+              </a:lnSpc>
+              <a:buFont typeface="Arial" panose="020B0604020202020204" pitchFamily="34" charset="0"/>
+              <a:buChar char="•"/>
+            </a:pPr>
+            <a:r>
+              <a:rPr lang="en-US" altLang="ko-KR" sz="1600" dirty="0" smtClean="0"/>
+              <a:t>Broadband(275-325 um) </a:t>
+            </a:r>
+            <a:r>
+              <a:rPr lang="en-US" altLang="ko-KR" sz="1600" dirty="0"/>
+              <a:t>integrated photonic power splitter</a:t>
+            </a:r>
+          </a:p>
+        </p:txBody>
+      </p:sp>
+      <p:sp>
+        <p:nvSpPr>
+          <p:cNvPr id="7" name="직사각형 6"/>
+          <p:cNvSpPr/>
+          <p:nvPr/>
+        </p:nvSpPr>
+        <p:spPr>
+          <a:xfrm>
+            <a:off x="0" y="4507453"/>
+            <a:ext cx="13100539" cy="707886"/>
+          </a:xfrm>
+          <a:prstGeom prst="rect">
+            <a:avLst/>
+          </a:prstGeom>
+        </p:spPr>
+        <p:txBody>
+          <a:bodyPr wrap="square">
+            <a:spAutoFit/>
+          </a:bodyPr>
+          <a:lstStyle/>
+          <a:p>
+            <a:pPr marL="228600" indent="-228600">
+              <a:buFont typeface="+mj-lt"/>
+              <a:buAutoNum type="arabicParenR" startAt="14"/>
+            </a:pPr>
+            <a:r>
+              <a:rPr lang="en-US" altLang="ko-KR" sz="1000" dirty="0">
+                <a:solidFill>
+                  <a:srgbClr val="333333"/>
+                </a:solidFill>
+                <a:latin typeface="Times New Roman" panose="02020603050405020304" pitchFamily="18" charset="0"/>
+              </a:rPr>
+              <a:t>C. </a:t>
+            </a:r>
+            <a:r>
+              <a:rPr lang="en-US" altLang="ko-KR" sz="1000" dirty="0" err="1">
+                <a:solidFill>
+                  <a:srgbClr val="333333"/>
+                </a:solidFill>
+                <a:latin typeface="Times New Roman" panose="02020603050405020304" pitchFamily="18" charset="0"/>
+              </a:rPr>
+              <a:t>Latifoglu</a:t>
+            </a:r>
+            <a:r>
+              <a:rPr lang="en-US" altLang="ko-KR" sz="1000" dirty="0">
+                <a:solidFill>
+                  <a:srgbClr val="333333"/>
+                </a:solidFill>
+                <a:latin typeface="Times New Roman" panose="02020603050405020304" pitchFamily="18" charset="0"/>
+              </a:rPr>
+              <a:t>, “Binary matrix guessing problem,” Jan. 2017. [Online]. Available: </a:t>
+            </a:r>
+            <a:r>
+              <a:rPr lang="en-US" altLang="ko-KR" sz="1000" dirty="0" err="1">
+                <a:solidFill>
+                  <a:srgbClr val="333333"/>
+                </a:solidFill>
+                <a:latin typeface="Times New Roman" panose="02020603050405020304" pitchFamily="18" charset="0"/>
+              </a:rPr>
+              <a:t>arXiv</a:t>
+            </a:r>
+            <a:r>
+              <a:rPr lang="en-US" altLang="ko-KR" sz="1000" dirty="0">
+                <a:solidFill>
+                  <a:srgbClr val="333333"/>
+                </a:solidFill>
+                <a:latin typeface="Times New Roman" panose="02020603050405020304" pitchFamily="18" charset="0"/>
+              </a:rPr>
+              <a:t>: e-prints, vol.1701.06167</a:t>
+            </a:r>
+            <a:endParaRPr lang="en-US" altLang="ko-KR" sz="1000" dirty="0" smtClean="0">
+              <a:solidFill>
+                <a:srgbClr val="333333"/>
+              </a:solidFill>
+              <a:latin typeface="Times New Roman" panose="02020603050405020304" pitchFamily="18" charset="0"/>
+            </a:endParaRPr>
+          </a:p>
+          <a:p>
+            <a:pPr marL="228600" indent="-228600">
+              <a:buFont typeface="+mj-lt"/>
+              <a:buAutoNum type="arabicParenR" startAt="14"/>
+            </a:pPr>
+            <a:r>
+              <a:rPr lang="en-US" altLang="ko-KR" sz="1000" dirty="0" smtClean="0">
+                <a:solidFill>
+                  <a:srgbClr val="333333"/>
+                </a:solidFill>
+                <a:latin typeface="Times New Roman" panose="02020603050405020304" pitchFamily="18" charset="0"/>
+              </a:rPr>
+              <a:t>M</a:t>
+            </a:r>
+            <a:r>
+              <a:rPr lang="en-US" altLang="ko-KR" sz="1000" dirty="0">
+                <a:solidFill>
+                  <a:srgbClr val="333333"/>
+                </a:solidFill>
+                <a:latin typeface="Times New Roman" panose="02020603050405020304" pitchFamily="18" charset="0"/>
+              </a:rPr>
+              <a:t>. </a:t>
+            </a:r>
+            <a:r>
+              <a:rPr lang="en-US" altLang="ko-KR" sz="1000" dirty="0" err="1">
+                <a:solidFill>
+                  <a:srgbClr val="333333"/>
+                </a:solidFill>
+                <a:latin typeface="Times New Roman" panose="02020603050405020304" pitchFamily="18" charset="0"/>
+              </a:rPr>
+              <a:t>Turduev</a:t>
+            </a:r>
+            <a:r>
+              <a:rPr lang="en-US" altLang="ko-KR" sz="1000" dirty="0">
+                <a:solidFill>
+                  <a:srgbClr val="333333"/>
+                </a:solidFill>
+                <a:latin typeface="Times New Roman" panose="02020603050405020304" pitchFamily="18" charset="0"/>
+              </a:rPr>
+              <a:t>, E. </a:t>
+            </a:r>
+            <a:r>
+              <a:rPr lang="en-US" altLang="ko-KR" sz="1000" dirty="0" err="1">
+                <a:solidFill>
+                  <a:srgbClr val="333333"/>
+                </a:solidFill>
+                <a:latin typeface="Times New Roman" panose="02020603050405020304" pitchFamily="18" charset="0"/>
+              </a:rPr>
+              <a:t>Bor</a:t>
+            </a:r>
+            <a:r>
+              <a:rPr lang="en-US" altLang="ko-KR" sz="1000" dirty="0">
+                <a:solidFill>
+                  <a:srgbClr val="333333"/>
+                </a:solidFill>
+                <a:latin typeface="Times New Roman" panose="02020603050405020304" pitchFamily="18" charset="0"/>
+              </a:rPr>
+              <a:t>, C. </a:t>
+            </a:r>
+            <a:r>
+              <a:rPr lang="en-US" altLang="ko-KR" sz="1000" dirty="0" err="1">
+                <a:solidFill>
+                  <a:srgbClr val="333333"/>
+                </a:solidFill>
+                <a:latin typeface="Times New Roman" panose="02020603050405020304" pitchFamily="18" charset="0"/>
+              </a:rPr>
+              <a:t>Latifoglu</a:t>
+            </a:r>
+            <a:r>
+              <a:rPr lang="en-US" altLang="ko-KR" sz="1000" dirty="0">
+                <a:solidFill>
+                  <a:srgbClr val="333333"/>
+                </a:solidFill>
+                <a:latin typeface="Times New Roman" panose="02020603050405020304" pitchFamily="18" charset="0"/>
+              </a:rPr>
+              <a:t>, I. H. </a:t>
+            </a:r>
+            <a:r>
+              <a:rPr lang="en-US" altLang="ko-KR" sz="1000" dirty="0" err="1">
+                <a:solidFill>
+                  <a:srgbClr val="333333"/>
+                </a:solidFill>
+                <a:latin typeface="Times New Roman" panose="02020603050405020304" pitchFamily="18" charset="0"/>
+              </a:rPr>
+              <a:t>Giden</a:t>
+            </a:r>
+            <a:r>
+              <a:rPr lang="en-US" altLang="ko-KR" sz="1000" dirty="0">
+                <a:solidFill>
+                  <a:srgbClr val="333333"/>
+                </a:solidFill>
+                <a:latin typeface="Times New Roman" panose="02020603050405020304" pitchFamily="18" charset="0"/>
+              </a:rPr>
+              <a:t>, Y. S. </a:t>
+            </a:r>
+            <a:r>
+              <a:rPr lang="en-US" altLang="ko-KR" sz="1000" dirty="0" err="1">
+                <a:solidFill>
+                  <a:srgbClr val="333333"/>
+                </a:solidFill>
+                <a:latin typeface="Times New Roman" panose="02020603050405020304" pitchFamily="18" charset="0"/>
+              </a:rPr>
+              <a:t>Hanay</a:t>
+            </a:r>
+            <a:r>
+              <a:rPr lang="en-US" altLang="ko-KR" sz="1000" dirty="0">
+                <a:solidFill>
+                  <a:srgbClr val="333333"/>
+                </a:solidFill>
+                <a:latin typeface="Times New Roman" panose="02020603050405020304" pitchFamily="18" charset="0"/>
+              </a:rPr>
+              <a:t>, and H. Kurt, “</a:t>
+            </a:r>
+            <a:r>
+              <a:rPr lang="en-US" altLang="ko-KR" sz="1000" dirty="0" err="1">
+                <a:solidFill>
+                  <a:srgbClr val="333333"/>
+                </a:solidFill>
+                <a:latin typeface="Times New Roman" panose="02020603050405020304" pitchFamily="18" charset="0"/>
+              </a:rPr>
+              <a:t>Ultracompact</a:t>
+            </a:r>
+            <a:r>
+              <a:rPr lang="en-US" altLang="ko-KR" sz="1000" dirty="0">
+                <a:solidFill>
+                  <a:srgbClr val="333333"/>
+                </a:solidFill>
+                <a:latin typeface="Times New Roman" panose="02020603050405020304" pitchFamily="18" charset="0"/>
+              </a:rPr>
+              <a:t> Photonic Structure Design for Strong Light Confinement and Coupling Into </a:t>
+            </a:r>
+            <a:r>
+              <a:rPr lang="en-US" altLang="ko-KR" sz="1000" dirty="0" err="1">
+                <a:solidFill>
+                  <a:srgbClr val="333333"/>
+                </a:solidFill>
+                <a:latin typeface="Times New Roman" panose="02020603050405020304" pitchFamily="18" charset="0"/>
+              </a:rPr>
+              <a:t>Nanowaveguide</a:t>
+            </a:r>
+            <a:r>
+              <a:rPr lang="en-US" altLang="ko-KR" sz="1000" dirty="0">
+                <a:solidFill>
+                  <a:srgbClr val="333333"/>
+                </a:solidFill>
+                <a:latin typeface="Times New Roman" panose="02020603050405020304" pitchFamily="18" charset="0"/>
+              </a:rPr>
+              <a:t>,” Journal of </a:t>
+            </a:r>
+            <a:r>
+              <a:rPr lang="en-US" altLang="ko-KR" sz="1000" dirty="0" err="1">
+                <a:solidFill>
+                  <a:srgbClr val="333333"/>
+                </a:solidFill>
+                <a:latin typeface="Times New Roman" panose="02020603050405020304" pitchFamily="18" charset="0"/>
+              </a:rPr>
+              <a:t>Lightwave</a:t>
+            </a:r>
+            <a:r>
+              <a:rPr lang="en-US" altLang="ko-KR" sz="1000" dirty="0">
+                <a:solidFill>
+                  <a:srgbClr val="333333"/>
+                </a:solidFill>
+                <a:latin typeface="Times New Roman" panose="02020603050405020304" pitchFamily="18" charset="0"/>
+              </a:rPr>
+              <a:t> Technology, vol. 36, no. 14, pp. 2812–2819, 2018. </a:t>
+            </a:r>
+            <a:endParaRPr lang="en-US" altLang="ko-KR" sz="1000" dirty="0" smtClean="0">
+              <a:solidFill>
+                <a:srgbClr val="333333"/>
+              </a:solidFill>
+              <a:latin typeface="Times New Roman" panose="02020603050405020304" pitchFamily="18" charset="0"/>
+            </a:endParaRPr>
+          </a:p>
+          <a:p>
+            <a:pPr marL="228600" indent="-228600">
+              <a:buFont typeface="+mj-lt"/>
+              <a:buAutoNum type="arabicParenR" startAt="14"/>
+            </a:pPr>
+            <a:endParaRPr lang="en-US" altLang="ko-KR" sz="1000" dirty="0">
+              <a:solidFill>
+                <a:srgbClr val="333333"/>
+              </a:solidFill>
+              <a:latin typeface="Times New Roman" panose="02020603050405020304" pitchFamily="18" charset="0"/>
+            </a:endParaRPr>
+          </a:p>
+        </p:txBody>
+      </p:sp>
+      <p:pic>
+        <p:nvPicPr>
+          <p:cNvPr id="2" name="그림 1"/>
+          <p:cNvPicPr>
+            <a:picLocks noChangeAspect="1"/>
+          </p:cNvPicPr>
+          <p:nvPr/>
+        </p:nvPicPr>
+        <p:blipFill>
+          <a:blip r:embed="rId2"/>
+          <a:stretch>
+            <a:fillRect/>
+          </a:stretch>
+        </p:blipFill>
+        <p:spPr>
+          <a:xfrm>
+            <a:off x="9311053" y="1160219"/>
+            <a:ext cx="2880947" cy="1998076"/>
+          </a:xfrm>
+          <a:prstGeom prst="rect">
+            <a:avLst/>
+          </a:prstGeom>
+        </p:spPr>
+      </p:pic>
+    </p:spTree>
+    <p:extLst>
+      <p:ext uri="{BB962C8B-B14F-4D97-AF65-F5344CB8AC3E}">
+        <p14:creationId xmlns:p14="http://schemas.microsoft.com/office/powerpoint/2010/main" val="4065662469"/>
+      </p:ext>
+    </p:extLst>
+  </p:cSld>
+  <p:clrMapOvr>
+    <a:masterClrMapping/>
+  </p:clrMapOvr>
+</p:sld>
+</file>
+
+<file path=ppt/slides/slide3.xml><?xml version="1.0" encoding="utf-8"?>
+<p:sld xmlns:a="http://schemas.openxmlformats.org/drawingml/2006/main" xmlns:r="http://schemas.openxmlformats.org/officeDocument/2006/relationships" xmlns:p="http://schemas.openxmlformats.org/presentationml/2006/main">
+  <p:cSld>
+    <p:spTree>
+      <p:nvGrpSpPr>
+        <p:cNvPr id="1" name=""/>
+        <p:cNvGrpSpPr/>
+        <p:nvPr/>
+      </p:nvGrpSpPr>
+      <p:grpSpPr>
+        <a:xfrm>
+          <a:off x="0" y="0"/>
+          <a:ext cx="0" cy="0"/>
+          <a:chOff x="0" y="0"/>
+          <a:chExt cx="0" cy="0"/>
+        </a:xfrm>
+      </p:grpSpPr>
+      <p:sp>
+        <p:nvSpPr>
+          <p:cNvPr id="4" name="TextBox 3"/>
+          <p:cNvSpPr txBox="1"/>
+          <p:nvPr/>
+        </p:nvSpPr>
+        <p:spPr>
+          <a:xfrm>
+            <a:off x="0" y="0"/>
+            <a:ext cx="3367454" cy="400110"/>
+          </a:xfrm>
+          <a:prstGeom prst="rect">
+            <a:avLst/>
+          </a:prstGeom>
+          <a:noFill/>
+        </p:spPr>
+        <p:txBody>
+          <a:bodyPr wrap="square" rtlCol="0">
+            <a:spAutoFit/>
+          </a:bodyPr>
+          <a:lstStyle/>
+          <a:p>
+            <a:r>
+              <a:rPr lang="en-US" altLang="ko-KR" sz="2000" b="1" dirty="0" smtClean="0"/>
+              <a:t>Result &amp; Discussion</a:t>
+            </a:r>
+            <a:endParaRPr lang="ko-KR" altLang="en-US" sz="2000" b="1" dirty="0"/>
+          </a:p>
+        </p:txBody>
+      </p:sp>
+      <p:sp>
+        <p:nvSpPr>
+          <p:cNvPr id="7" name="직사각형 6"/>
+          <p:cNvSpPr/>
+          <p:nvPr/>
+        </p:nvSpPr>
+        <p:spPr>
+          <a:xfrm>
+            <a:off x="0" y="4507453"/>
+            <a:ext cx="13100539" cy="246221"/>
+          </a:xfrm>
+          <a:prstGeom prst="rect">
+            <a:avLst/>
+          </a:prstGeom>
+        </p:spPr>
+        <p:txBody>
+          <a:bodyPr wrap="square">
+            <a:spAutoFit/>
+          </a:bodyPr>
+          <a:lstStyle/>
+          <a:p>
+            <a:pPr marL="228600" indent="-228600">
+              <a:buFont typeface="+mj-lt"/>
+              <a:buAutoNum type="arabicParenR"/>
+            </a:pPr>
+            <a:r>
+              <a:rPr lang="en-US" altLang="ko-KR" sz="1000" dirty="0" smtClean="0">
+                <a:solidFill>
+                  <a:srgbClr val="333333"/>
+                </a:solidFill>
+                <a:latin typeface="Times New Roman" panose="02020603050405020304" pitchFamily="18" charset="0"/>
+              </a:rPr>
+              <a:t>Photonic Integrated Circuits review paper - </a:t>
+            </a:r>
+            <a:r>
+              <a:rPr lang="en-US" altLang="ko-KR" sz="1000" dirty="0" smtClean="0">
+                <a:solidFill>
+                  <a:srgbClr val="333333"/>
+                </a:solidFill>
+                <a:latin typeface="Times New Roman" panose="02020603050405020304" pitchFamily="18" charset="0"/>
+              </a:rPr>
+              <a:t>L. </a:t>
+            </a:r>
+            <a:r>
+              <a:rPr lang="en-US" altLang="ko-KR" sz="1000" dirty="0" err="1" smtClean="0">
+                <a:solidFill>
+                  <a:srgbClr val="333333"/>
+                </a:solidFill>
+                <a:latin typeface="Times New Roman" panose="02020603050405020304" pitchFamily="18" charset="0"/>
+              </a:rPr>
+              <a:t>Thylén</a:t>
+            </a:r>
+            <a:r>
+              <a:rPr lang="en-US" altLang="ko-KR" sz="1000" dirty="0" smtClean="0">
+                <a:solidFill>
+                  <a:srgbClr val="333333"/>
+                </a:solidFill>
+                <a:latin typeface="Times New Roman" panose="02020603050405020304" pitchFamily="18" charset="0"/>
+              </a:rPr>
+              <a:t> and L. </a:t>
+            </a:r>
+            <a:r>
+              <a:rPr lang="en-US" altLang="ko-KR" sz="1000" dirty="0" err="1" smtClean="0">
+                <a:solidFill>
+                  <a:srgbClr val="333333"/>
+                </a:solidFill>
+                <a:latin typeface="Times New Roman" panose="02020603050405020304" pitchFamily="18" charset="0"/>
+              </a:rPr>
+              <a:t>Wosinski</a:t>
+            </a:r>
+            <a:r>
+              <a:rPr lang="en-US" altLang="ko-KR" sz="1000" dirty="0" smtClean="0">
+                <a:solidFill>
+                  <a:srgbClr val="333333"/>
+                </a:solidFill>
+                <a:latin typeface="Times New Roman" panose="02020603050405020304" pitchFamily="18" charset="0"/>
+              </a:rPr>
+              <a:t>, “Integrated photonics in the 21st century,” </a:t>
+            </a:r>
+            <a:r>
+              <a:rPr lang="en-US" altLang="ko-KR" sz="1000" i="1" dirty="0" smtClean="0">
+                <a:solidFill>
+                  <a:srgbClr val="333333"/>
+                </a:solidFill>
+                <a:latin typeface="Times New Roman" panose="02020603050405020304" pitchFamily="18" charset="0"/>
+              </a:rPr>
+              <a:t>Photonics Research</a:t>
+            </a:r>
+            <a:r>
+              <a:rPr lang="en-US" altLang="ko-KR" sz="1000" dirty="0" smtClean="0">
+                <a:solidFill>
+                  <a:srgbClr val="333333"/>
+                </a:solidFill>
+                <a:latin typeface="Times New Roman" panose="02020603050405020304" pitchFamily="18" charset="0"/>
+              </a:rPr>
+              <a:t>, vol. 2, no. 2, p. 75, Jan. 2014.</a:t>
+            </a:r>
+          </a:p>
+        </p:txBody>
+      </p:sp>
+      <p:sp>
+        <p:nvSpPr>
+          <p:cNvPr id="8" name="TextBox 7"/>
+          <p:cNvSpPr txBox="1"/>
+          <p:nvPr/>
+        </p:nvSpPr>
+        <p:spPr>
+          <a:xfrm>
+            <a:off x="1" y="400110"/>
+            <a:ext cx="12192000" cy="830997"/>
+          </a:xfrm>
+          <a:prstGeom prst="rect">
+            <a:avLst/>
+          </a:prstGeom>
+          <a:noFill/>
+        </p:spPr>
+        <p:txBody>
+          <a:bodyPr wrap="square" rtlCol="0">
+            <a:spAutoFit/>
+          </a:bodyPr>
+          <a:lstStyle/>
+          <a:p>
+            <a:pPr>
+              <a:lnSpc>
+                <a:spcPct val="150000"/>
+              </a:lnSpc>
+            </a:pPr>
+            <a:r>
+              <a:rPr lang="en-US" altLang="ko-KR" sz="1600" dirty="0" smtClean="0"/>
+              <a:t>Paragraphs </a:t>
+            </a:r>
+            <a:r>
+              <a:rPr lang="ko-KR" altLang="en-US" sz="1600" dirty="0" smtClean="0"/>
+              <a:t>구성</a:t>
+            </a:r>
+            <a:endParaRPr lang="en-US" altLang="ko-KR" sz="1600" dirty="0" smtClean="0"/>
+          </a:p>
+          <a:p>
+            <a:pPr marL="285750" indent="-285750">
+              <a:lnSpc>
+                <a:spcPct val="150000"/>
+              </a:lnSpc>
+              <a:buFont typeface="Arial" panose="020B0604020202020204" pitchFamily="34" charset="0"/>
+              <a:buChar char="•"/>
+            </a:pPr>
+            <a:r>
+              <a:rPr lang="en-US" altLang="ko-KR" sz="1600" dirty="0" smtClean="0"/>
+              <a:t>“The two key criteria for a power splitter are low insertion loss, and excellent power uniformity.”[11]</a:t>
+            </a:r>
+            <a:endParaRPr lang="en-US" altLang="ko-KR" sz="1600" dirty="0"/>
+          </a:p>
+        </p:txBody>
+      </p:sp>
+    </p:spTree>
+    <p:extLst>
+      <p:ext uri="{BB962C8B-B14F-4D97-AF65-F5344CB8AC3E}">
+        <p14:creationId xmlns:p14="http://schemas.microsoft.com/office/powerpoint/2010/main" val="3358646688"/>
+      </p:ext>
+    </p:extLst>
+  </p:cSld>
+  <p:clrMapOvr>
+    <a:masterClrMapping/>
+  </p:clrMapOvr>
+</p:sld>
+</file>
+
+<file path=ppt/slides/slide4.xml><?xml version="1.0" encoding="utf-8"?>
+<p:sld xmlns:a="http://schemas.openxmlformats.org/drawingml/2006/main" xmlns:r="http://schemas.openxmlformats.org/officeDocument/2006/relationships" xmlns:p="http://schemas.openxmlformats.org/presentationml/2006/main">
+  <p:cSld>
+    <p:spTree>
+      <p:nvGrpSpPr>
+        <p:cNvPr id="1" name=""/>
+        <p:cNvGrpSpPr/>
+        <p:nvPr/>
+      </p:nvGrpSpPr>
+      <p:grpSpPr>
+        <a:xfrm>
+          <a:off x="0" y="0"/>
+          <a:ext cx="0" cy="0"/>
+          <a:chOff x="0" y="0"/>
+          <a:chExt cx="0" cy="0"/>
+        </a:xfrm>
+      </p:grpSpPr>
+      <p:sp>
+        <p:nvSpPr>
+          <p:cNvPr id="4" name="TextBox 3"/>
+          <p:cNvSpPr txBox="1"/>
+          <p:nvPr/>
+        </p:nvSpPr>
+        <p:spPr>
+          <a:xfrm>
+            <a:off x="163901" y="611306"/>
+            <a:ext cx="2350643" cy="338554"/>
+          </a:xfrm>
+          <a:prstGeom prst="rect">
+            <a:avLst/>
+          </a:prstGeom>
+          <a:noFill/>
+        </p:spPr>
+        <p:txBody>
+          <a:bodyPr wrap="none" rtlCol="0">
+            <a:spAutoFit/>
+          </a:bodyPr>
+          <a:lstStyle/>
+          <a:p>
+            <a:r>
+              <a:rPr lang="en-US" altLang="ko-KR" sz="1600" dirty="0" err="1" smtClean="0"/>
+              <a:t>Thz</a:t>
+            </a:r>
+            <a:r>
+              <a:rPr lang="en-US" altLang="ko-KR" sz="1600" dirty="0" smtClean="0"/>
+              <a:t> waveguide (30THz)</a:t>
+            </a:r>
+            <a:endParaRPr lang="ko-KR" altLang="en-US" sz="1600" dirty="0"/>
+          </a:p>
+        </p:txBody>
+      </p:sp>
+      <p:sp>
+        <p:nvSpPr>
+          <p:cNvPr id="5" name="직사각형 4"/>
+          <p:cNvSpPr/>
+          <p:nvPr/>
+        </p:nvSpPr>
+        <p:spPr>
+          <a:xfrm>
+            <a:off x="163900" y="949860"/>
+            <a:ext cx="12028099" cy="707886"/>
+          </a:xfrm>
+          <a:prstGeom prst="rect">
+            <a:avLst/>
+          </a:prstGeom>
+        </p:spPr>
+        <p:txBody>
+          <a:bodyPr wrap="square">
+            <a:spAutoFit/>
+          </a:bodyPr>
+          <a:lstStyle/>
+          <a:p>
+            <a:r>
+              <a:rPr lang="en-US" altLang="ko-KR" sz="1000" u="sng" dirty="0" smtClean="0">
+                <a:solidFill>
+                  <a:srgbClr val="333333"/>
+                </a:solidFill>
+                <a:latin typeface="Times New Roman" panose="02020603050405020304" pitchFamily="18" charset="0"/>
+              </a:rPr>
+              <a:t>Subwavelength Graphene waveguide</a:t>
+            </a:r>
+            <a:endParaRPr lang="en-US" altLang="ko-KR" sz="1000" u="sng" dirty="0">
+              <a:solidFill>
+                <a:srgbClr val="333333"/>
+              </a:solidFill>
+              <a:latin typeface="Times New Roman" panose="02020603050405020304" pitchFamily="18" charset="0"/>
+            </a:endParaRPr>
+          </a:p>
+          <a:p>
+            <a:pPr marL="171450" lvl="0" indent="-171450">
+              <a:buFontTx/>
+              <a:buChar char="-"/>
+            </a:pPr>
+            <a:r>
+              <a:rPr lang="en-US" altLang="ko-KR" sz="1000" dirty="0">
+                <a:solidFill>
+                  <a:srgbClr val="333333"/>
+                </a:solidFill>
+                <a:latin typeface="Times New Roman" panose="02020603050405020304" pitchFamily="18" charset="0"/>
+              </a:rPr>
+              <a:t>Z. </a:t>
+            </a:r>
+            <a:r>
+              <a:rPr lang="en-US" altLang="ko-KR" sz="1000" dirty="0" err="1">
+                <a:solidFill>
+                  <a:srgbClr val="333333"/>
+                </a:solidFill>
+                <a:latin typeface="Times New Roman" panose="02020603050405020304" pitchFamily="18" charset="0"/>
+              </a:rPr>
+              <a:t>Guo</a:t>
+            </a:r>
+            <a:r>
+              <a:rPr lang="en-US" altLang="ko-KR" sz="1000" dirty="0">
+                <a:solidFill>
+                  <a:srgbClr val="333333"/>
+                </a:solidFill>
+                <a:latin typeface="Times New Roman" panose="02020603050405020304" pitchFamily="18" charset="0"/>
+              </a:rPr>
+              <a:t>, X. </a:t>
+            </a:r>
+            <a:r>
+              <a:rPr lang="en-US" altLang="ko-KR" sz="1000" dirty="0" err="1">
+                <a:solidFill>
+                  <a:srgbClr val="333333"/>
+                </a:solidFill>
+                <a:latin typeface="Times New Roman" panose="02020603050405020304" pitchFamily="18" charset="0"/>
+              </a:rPr>
+              <a:t>Nie</a:t>
+            </a:r>
+            <a:r>
+              <a:rPr lang="en-US" altLang="ko-KR" sz="1000" dirty="0">
+                <a:solidFill>
+                  <a:srgbClr val="333333"/>
+                </a:solidFill>
+                <a:latin typeface="Times New Roman" panose="02020603050405020304" pitchFamily="18" charset="0"/>
+              </a:rPr>
+              <a:t>, F. Shen, H. Zhou, Q. Zhou, J. Gao, and K. </a:t>
+            </a:r>
+            <a:r>
+              <a:rPr lang="en-US" altLang="ko-KR" sz="1000" dirty="0" err="1">
+                <a:solidFill>
+                  <a:srgbClr val="333333"/>
+                </a:solidFill>
+                <a:latin typeface="Times New Roman" panose="02020603050405020304" pitchFamily="18" charset="0"/>
+              </a:rPr>
+              <a:t>Guo</a:t>
+            </a:r>
+            <a:r>
+              <a:rPr lang="en-US" altLang="ko-KR" sz="1000" dirty="0">
+                <a:solidFill>
+                  <a:srgbClr val="333333"/>
+                </a:solidFill>
+                <a:latin typeface="Times New Roman" panose="02020603050405020304" pitchFamily="18" charset="0"/>
+              </a:rPr>
+              <a:t>, “Actively Tunable Terahertz Switches Based on Subwavelength Graphene Waveguide,” </a:t>
+            </a:r>
+            <a:r>
+              <a:rPr lang="en-US" altLang="ko-KR" sz="1000" i="1" dirty="0">
+                <a:solidFill>
+                  <a:srgbClr val="333333"/>
+                </a:solidFill>
+                <a:latin typeface="Times New Roman" panose="02020603050405020304" pitchFamily="18" charset="0"/>
+              </a:rPr>
+              <a:t>Nanomaterials</a:t>
+            </a:r>
+            <a:r>
+              <a:rPr lang="en-US" altLang="ko-KR" sz="1000" dirty="0">
+                <a:solidFill>
+                  <a:srgbClr val="333333"/>
+                </a:solidFill>
+                <a:latin typeface="Times New Roman" panose="02020603050405020304" pitchFamily="18" charset="0"/>
+              </a:rPr>
+              <a:t>, vol. 8, no. 9, p. 665, 2018</a:t>
+            </a:r>
+            <a:r>
+              <a:rPr lang="en-US" altLang="ko-KR" sz="1000" dirty="0" smtClean="0">
+                <a:solidFill>
+                  <a:srgbClr val="333333"/>
+                </a:solidFill>
+                <a:latin typeface="Times New Roman" panose="02020603050405020304" pitchFamily="18" charset="0"/>
+              </a:rPr>
+              <a:t>.</a:t>
+            </a:r>
+          </a:p>
+          <a:p>
+            <a:pPr lvl="0"/>
+            <a:r>
+              <a:rPr lang="en-US" altLang="ko-KR" sz="1000" u="sng" dirty="0" smtClean="0">
+                <a:solidFill>
+                  <a:srgbClr val="333333"/>
+                </a:solidFill>
+                <a:latin typeface="Times New Roman" panose="02020603050405020304" pitchFamily="18" charset="0"/>
+              </a:rPr>
+              <a:t>Multi-output splitter without grating structure, Genetic Algorithm</a:t>
+            </a:r>
+            <a:endParaRPr lang="en-US" altLang="ko-KR" sz="1000" dirty="0" smtClean="0">
+              <a:solidFill>
+                <a:srgbClr val="333333"/>
+              </a:solidFill>
+              <a:latin typeface="Times New Roman" panose="02020603050405020304" pitchFamily="18" charset="0"/>
+            </a:endParaRPr>
+          </a:p>
+          <a:p>
+            <a:pPr marL="171450" lvl="0" indent="-171450">
+              <a:buFontTx/>
+              <a:buChar char="-"/>
+            </a:pPr>
+            <a:r>
+              <a:rPr lang="en-US" altLang="ko-KR" sz="1000" dirty="0" smtClean="0">
+                <a:solidFill>
+                  <a:srgbClr val="333333"/>
+                </a:solidFill>
+                <a:latin typeface="Times New Roman" panose="02020603050405020304" pitchFamily="18" charset="0"/>
+              </a:rPr>
+              <a:t>F</a:t>
+            </a:r>
+            <a:r>
+              <a:rPr lang="en-US" altLang="ko-KR" sz="1000" dirty="0">
+                <a:solidFill>
+                  <a:srgbClr val="333333"/>
+                </a:solidFill>
+                <a:latin typeface="Times New Roman" panose="02020603050405020304" pitchFamily="18" charset="0"/>
+              </a:rPr>
+              <a:t>. Zhang, K. Song, and Y. Fan, “New 2D diffraction model and its applications to terahertz parallel-plate waveguide power splitters,” Scientific Reports, vol. 7, no. 1, Sep. 2017.</a:t>
+            </a:r>
+            <a:endParaRPr lang="en-US" altLang="ko-KR" sz="1000" dirty="0" smtClean="0">
+              <a:solidFill>
+                <a:srgbClr val="333333"/>
+              </a:solidFill>
+              <a:latin typeface="Times New Roman" panose="02020603050405020304" pitchFamily="18" charset="0"/>
+            </a:endParaRPr>
+          </a:p>
+        </p:txBody>
+      </p:sp>
+    </p:spTree>
+    <p:extLst>
+      <p:ext uri="{BB962C8B-B14F-4D97-AF65-F5344CB8AC3E}">
+        <p14:creationId xmlns:p14="http://schemas.microsoft.com/office/powerpoint/2010/main" val="189740324"/>
+      </p:ext>
+    </p:extLst>
+  </p:cSld>
+  <p:clrMapOvr>
+    <a:masterClrMapping/>
+  </p:clrMapOvr>
+</p:sld>
+</file>
+
+<file path=ppt/slides/slide5.xml><?xml version="1.0" encoding="utf-8"?>
 <p:sld xmlns:a="http://schemas.openxmlformats.org/drawingml/2006/main" xmlns:r="http://schemas.openxmlformats.org/officeDocument/2006/relationships" xmlns:p="http://schemas.openxmlformats.org/presentationml/2006/main">
   <p:cSld>
     <p:spTree>
@@ -4415,7 +6237,7 @@
           <a:lstStyle/>
           <a:p>
             <a:r>
-              <a:rPr lang="en-US" altLang="ko-KR" sz="1000" dirty="0" smtClean="0">
+              <a:rPr lang="en-US" altLang="ko-KR" sz="1000" u="sng" dirty="0" smtClean="0">
                 <a:solidFill>
                   <a:srgbClr val="333333"/>
                 </a:solidFill>
@@ -4456,7 +6278,7 @@
           </a:p>
           <a:p>
             <a:r>
-              <a:rPr lang="en-US" altLang="ko-KR" sz="1000" dirty="0" smtClean="0">
+              <a:rPr lang="en-US" altLang="ko-KR" sz="1000" u="sng" dirty="0" smtClean="0">
                 <a:solidFill>
                   <a:srgbClr val="333333"/>
                 </a:solidFill>
@@ -4544,283 +6366,6 @@
       </p:par>
     </p:tnLst>
   </p:timing>
-</p:sld>
-</file>
-
-<file path=ppt/slides/slide3.xml><?xml version="1.0" encoding="utf-8"?>
-<p:sld xmlns:a="http://schemas.openxmlformats.org/drawingml/2006/main" xmlns:r="http://schemas.openxmlformats.org/officeDocument/2006/relationships" xmlns:p="http://schemas.openxmlformats.org/presentationml/2006/main">
-  <p:cSld>
-    <p:spTree>
-      <p:nvGrpSpPr>
-        <p:cNvPr id="1" name=""/>
-        <p:cNvGrpSpPr/>
-        <p:nvPr/>
-      </p:nvGrpSpPr>
-      <p:grpSpPr>
-        <a:xfrm>
-          <a:off x="0" y="0"/>
-          <a:ext cx="0" cy="0"/>
-          <a:chOff x="0" y="0"/>
-          <a:chExt cx="0" cy="0"/>
-        </a:xfrm>
-      </p:grpSpPr>
-      <p:sp>
-        <p:nvSpPr>
-          <p:cNvPr id="4" name="TextBox 3"/>
-          <p:cNvSpPr txBox="1"/>
-          <p:nvPr/>
-        </p:nvSpPr>
-        <p:spPr>
-          <a:xfrm>
-            <a:off x="163901" y="1086930"/>
-            <a:ext cx="1970411" cy="338554"/>
-          </a:xfrm>
-          <a:prstGeom prst="rect">
-            <a:avLst/>
-          </a:prstGeom>
-          <a:noFill/>
-        </p:spPr>
-        <p:txBody>
-          <a:bodyPr wrap="none" rtlCol="0">
-            <a:spAutoFit/>
-          </a:bodyPr>
-          <a:lstStyle/>
-          <a:p>
-            <a:r>
-              <a:rPr lang="ko-KR" altLang="en-US" sz="1600" dirty="0" smtClean="0"/>
-              <a:t>알고리즘 참고 논문</a:t>
-            </a:r>
-            <a:endParaRPr lang="ko-KR" altLang="en-US" sz="1600" dirty="0"/>
-          </a:p>
-        </p:txBody>
-      </p:sp>
-      <p:sp>
-        <p:nvSpPr>
-          <p:cNvPr id="5" name="직사각형 4"/>
-          <p:cNvSpPr/>
-          <p:nvPr/>
-        </p:nvSpPr>
-        <p:spPr>
-          <a:xfrm>
-            <a:off x="163901" y="1425484"/>
-            <a:ext cx="9299276" cy="707886"/>
-          </a:xfrm>
-          <a:prstGeom prst="rect">
-            <a:avLst/>
-          </a:prstGeom>
-        </p:spPr>
-        <p:txBody>
-          <a:bodyPr wrap="square">
-            <a:spAutoFit/>
-          </a:bodyPr>
-          <a:lstStyle/>
-          <a:p>
-            <a:pPr lvl="0"/>
-            <a:r>
-              <a:rPr lang="en-US" altLang="ko-KR" sz="1000" u="sng" dirty="0">
-                <a:solidFill>
-                  <a:srgbClr val="333333"/>
-                </a:solidFill>
-                <a:latin typeface="Times New Roman" panose="02020603050405020304" pitchFamily="18" charset="0"/>
-              </a:rPr>
-              <a:t>ARLA algorithm</a:t>
-            </a:r>
-          </a:p>
-          <a:p>
-            <a:pPr marL="171450" lvl="0" indent="-171450">
-              <a:buFontTx/>
-              <a:buChar char="-"/>
-            </a:pPr>
-            <a:r>
-              <a:rPr lang="en-US" altLang="ko-KR" sz="1000" dirty="0">
-                <a:solidFill>
-                  <a:srgbClr val="333333"/>
-                </a:solidFill>
-                <a:latin typeface="Times New Roman" panose="02020603050405020304" pitchFamily="18" charset="0"/>
-              </a:rPr>
-              <a:t>M. </a:t>
-            </a:r>
-            <a:r>
-              <a:rPr lang="en-US" altLang="ko-KR" sz="1000" dirty="0" err="1">
-                <a:solidFill>
-                  <a:srgbClr val="333333"/>
-                </a:solidFill>
-                <a:latin typeface="Times New Roman" panose="02020603050405020304" pitchFamily="18" charset="0"/>
-              </a:rPr>
-              <a:t>Turduev</a:t>
-            </a:r>
-            <a:r>
-              <a:rPr lang="en-US" altLang="ko-KR" sz="1000" dirty="0">
-                <a:solidFill>
-                  <a:srgbClr val="333333"/>
-                </a:solidFill>
-                <a:latin typeface="Times New Roman" panose="02020603050405020304" pitchFamily="18" charset="0"/>
-              </a:rPr>
-              <a:t>, E. </a:t>
-            </a:r>
-            <a:r>
-              <a:rPr lang="en-US" altLang="ko-KR" sz="1000" dirty="0" err="1">
-                <a:solidFill>
-                  <a:srgbClr val="333333"/>
-                </a:solidFill>
-                <a:latin typeface="Times New Roman" panose="02020603050405020304" pitchFamily="18" charset="0"/>
-              </a:rPr>
-              <a:t>Bor</a:t>
-            </a:r>
-            <a:r>
-              <a:rPr lang="en-US" altLang="ko-KR" sz="1000" dirty="0">
-                <a:solidFill>
-                  <a:srgbClr val="333333"/>
-                </a:solidFill>
-                <a:latin typeface="Times New Roman" panose="02020603050405020304" pitchFamily="18" charset="0"/>
-              </a:rPr>
-              <a:t>, C. </a:t>
-            </a:r>
-            <a:r>
-              <a:rPr lang="en-US" altLang="ko-KR" sz="1000" dirty="0" err="1">
-                <a:solidFill>
-                  <a:srgbClr val="333333"/>
-                </a:solidFill>
-                <a:latin typeface="Times New Roman" panose="02020603050405020304" pitchFamily="18" charset="0"/>
-              </a:rPr>
-              <a:t>Latifoglu</a:t>
-            </a:r>
-            <a:r>
-              <a:rPr lang="en-US" altLang="ko-KR" sz="1000" dirty="0">
-                <a:solidFill>
-                  <a:srgbClr val="333333"/>
-                </a:solidFill>
-                <a:latin typeface="Times New Roman" panose="02020603050405020304" pitchFamily="18" charset="0"/>
-              </a:rPr>
-              <a:t>, I. H. </a:t>
-            </a:r>
-            <a:r>
-              <a:rPr lang="en-US" altLang="ko-KR" sz="1000" dirty="0" err="1">
-                <a:solidFill>
-                  <a:srgbClr val="333333"/>
-                </a:solidFill>
-                <a:latin typeface="Times New Roman" panose="02020603050405020304" pitchFamily="18" charset="0"/>
-              </a:rPr>
-              <a:t>Giden</a:t>
-            </a:r>
-            <a:r>
-              <a:rPr lang="en-US" altLang="ko-KR" sz="1000" dirty="0">
-                <a:solidFill>
-                  <a:srgbClr val="333333"/>
-                </a:solidFill>
-                <a:latin typeface="Times New Roman" panose="02020603050405020304" pitchFamily="18" charset="0"/>
-              </a:rPr>
-              <a:t>, Y. S. </a:t>
-            </a:r>
-            <a:r>
-              <a:rPr lang="en-US" altLang="ko-KR" sz="1000" dirty="0" err="1">
-                <a:solidFill>
-                  <a:srgbClr val="333333"/>
-                </a:solidFill>
-                <a:latin typeface="Times New Roman" panose="02020603050405020304" pitchFamily="18" charset="0"/>
-              </a:rPr>
-              <a:t>Hanay</a:t>
-            </a:r>
-            <a:r>
-              <a:rPr lang="en-US" altLang="ko-KR" sz="1000" dirty="0">
-                <a:solidFill>
-                  <a:srgbClr val="333333"/>
-                </a:solidFill>
-                <a:latin typeface="Times New Roman" panose="02020603050405020304" pitchFamily="18" charset="0"/>
-              </a:rPr>
-              <a:t>, and H. Kurt, “</a:t>
-            </a:r>
-            <a:r>
-              <a:rPr lang="en-US" altLang="ko-KR" sz="1000" dirty="0" err="1">
-                <a:solidFill>
-                  <a:srgbClr val="333333"/>
-                </a:solidFill>
-                <a:latin typeface="Times New Roman" panose="02020603050405020304" pitchFamily="18" charset="0"/>
-              </a:rPr>
-              <a:t>Ultracompact</a:t>
-            </a:r>
-            <a:r>
-              <a:rPr lang="en-US" altLang="ko-KR" sz="1000" dirty="0">
-                <a:solidFill>
-                  <a:srgbClr val="333333"/>
-                </a:solidFill>
-                <a:latin typeface="Times New Roman" panose="02020603050405020304" pitchFamily="18" charset="0"/>
-              </a:rPr>
-              <a:t> Photonic Structure Design for Strong Light Confinement and Coupling Into </a:t>
-            </a:r>
-            <a:r>
-              <a:rPr lang="en-US" altLang="ko-KR" sz="1000" dirty="0" err="1">
-                <a:solidFill>
-                  <a:srgbClr val="333333"/>
-                </a:solidFill>
-                <a:latin typeface="Times New Roman" panose="02020603050405020304" pitchFamily="18" charset="0"/>
-              </a:rPr>
-              <a:t>Nanowaveguide</a:t>
-            </a:r>
-            <a:r>
-              <a:rPr lang="en-US" altLang="ko-KR" sz="1000" dirty="0">
-                <a:solidFill>
-                  <a:srgbClr val="333333"/>
-                </a:solidFill>
-                <a:latin typeface="Times New Roman" panose="02020603050405020304" pitchFamily="18" charset="0"/>
-              </a:rPr>
-              <a:t>,” Journal of </a:t>
-            </a:r>
-            <a:r>
-              <a:rPr lang="en-US" altLang="ko-KR" sz="1000" dirty="0" err="1">
-                <a:solidFill>
-                  <a:srgbClr val="333333"/>
-                </a:solidFill>
-                <a:latin typeface="Times New Roman" panose="02020603050405020304" pitchFamily="18" charset="0"/>
-              </a:rPr>
-              <a:t>Lightwave</a:t>
-            </a:r>
-            <a:r>
-              <a:rPr lang="en-US" altLang="ko-KR" sz="1000" dirty="0">
-                <a:solidFill>
-                  <a:srgbClr val="333333"/>
-                </a:solidFill>
-                <a:latin typeface="Times New Roman" panose="02020603050405020304" pitchFamily="18" charset="0"/>
-              </a:rPr>
-              <a:t> Technology, vol. 36, no. 14, pp. 2812–2819, 2018. </a:t>
-            </a:r>
-            <a:endParaRPr lang="en-US" altLang="ko-KR" sz="1000" dirty="0" smtClean="0">
-              <a:solidFill>
-                <a:srgbClr val="333333"/>
-              </a:solidFill>
-              <a:latin typeface="Times New Roman" panose="02020603050405020304" pitchFamily="18" charset="0"/>
-            </a:endParaRPr>
-          </a:p>
-          <a:p>
-            <a:pPr lvl="0"/>
-            <a:r>
-              <a:rPr lang="en-US" altLang="ko-KR" sz="1000" dirty="0" smtClean="0">
-                <a:solidFill>
-                  <a:srgbClr val="333333"/>
-                </a:solidFill>
-                <a:latin typeface="Times New Roman" panose="02020603050405020304" pitchFamily="18" charset="0"/>
-              </a:rPr>
-              <a:t>“The algorithm combines the additive updates feature of the perceptron algorithm and the reward for state idea of reinforcement learning”</a:t>
-            </a:r>
-            <a:endParaRPr lang="en-US" altLang="ko-KR" sz="1000" dirty="0">
-              <a:solidFill>
-                <a:srgbClr val="333333"/>
-              </a:solidFill>
-              <a:latin typeface="Times New Roman" panose="02020603050405020304" pitchFamily="18" charset="0"/>
-            </a:endParaRPr>
-          </a:p>
-        </p:txBody>
-      </p:sp>
-    </p:spTree>
-    <p:extLst>
-      <p:ext uri="{BB962C8B-B14F-4D97-AF65-F5344CB8AC3E}">
-        <p14:creationId xmlns:p14="http://schemas.microsoft.com/office/powerpoint/2010/main" val="3438032060"/>
-      </p:ext>
-    </p:extLst>
-  </p:cSld>
-  <p:clrMapOvr>
-    <a:masterClrMapping/>
-  </p:clrMapOvr>
 </p:sld>
 </file>
 

--- a/개인/석사학위논문/Paper Introduction.pptx
+++ b/개인/석사학위논문/Paper Introduction.pptx
@@ -7,9 +7,10 @@
   <p:sldIdLst>
     <p:sldId id="264" r:id="rId2"/>
     <p:sldId id="265" r:id="rId3"/>
-    <p:sldId id="267" r:id="rId4"/>
-    <p:sldId id="263" r:id="rId5"/>
-    <p:sldId id="258" r:id="rId6"/>
+    <p:sldId id="268" r:id="rId4"/>
+    <p:sldId id="267" r:id="rId5"/>
+    <p:sldId id="263" r:id="rId6"/>
+    <p:sldId id="258" r:id="rId7"/>
   </p:sldIdLst>
   <p:sldSz cx="12192000" cy="6858000"/>
   <p:notesSz cx="6858000" cy="9144000"/>
@@ -247,7 +248,7 @@
           <a:p>
             <a:fld id="{CEDA20BB-A36C-44CB-A9A0-32BED543DE31}" type="datetimeFigureOut">
               <a:rPr lang="ko-KR" altLang="en-US" smtClean="0"/>
-              <a:t>2019-08-28</a:t>
+              <a:t>2019-09-01</a:t>
             </a:fld>
             <a:endParaRPr lang="ko-KR" altLang="en-US"/>
           </a:p>
@@ -417,7 +418,7 @@
           <a:p>
             <a:fld id="{CEDA20BB-A36C-44CB-A9A0-32BED543DE31}" type="datetimeFigureOut">
               <a:rPr lang="ko-KR" altLang="en-US" smtClean="0"/>
-              <a:t>2019-08-28</a:t>
+              <a:t>2019-09-01</a:t>
             </a:fld>
             <a:endParaRPr lang="ko-KR" altLang="en-US"/>
           </a:p>
@@ -597,7 +598,7 @@
           <a:p>
             <a:fld id="{CEDA20BB-A36C-44CB-A9A0-32BED543DE31}" type="datetimeFigureOut">
               <a:rPr lang="ko-KR" altLang="en-US" smtClean="0"/>
-              <a:t>2019-08-28</a:t>
+              <a:t>2019-09-01</a:t>
             </a:fld>
             <a:endParaRPr lang="ko-KR" altLang="en-US"/>
           </a:p>
@@ -767,7 +768,7 @@
           <a:p>
             <a:fld id="{CEDA20BB-A36C-44CB-A9A0-32BED543DE31}" type="datetimeFigureOut">
               <a:rPr lang="ko-KR" altLang="en-US" smtClean="0"/>
-              <a:t>2019-08-28</a:t>
+              <a:t>2019-09-01</a:t>
             </a:fld>
             <a:endParaRPr lang="ko-KR" altLang="en-US"/>
           </a:p>
@@ -1013,7 +1014,7 @@
           <a:p>
             <a:fld id="{CEDA20BB-A36C-44CB-A9A0-32BED543DE31}" type="datetimeFigureOut">
               <a:rPr lang="ko-KR" altLang="en-US" smtClean="0"/>
-              <a:t>2019-08-28</a:t>
+              <a:t>2019-09-01</a:t>
             </a:fld>
             <a:endParaRPr lang="ko-KR" altLang="en-US"/>
           </a:p>
@@ -1245,7 +1246,7 @@
           <a:p>
             <a:fld id="{CEDA20BB-A36C-44CB-A9A0-32BED543DE31}" type="datetimeFigureOut">
               <a:rPr lang="ko-KR" altLang="en-US" smtClean="0"/>
-              <a:t>2019-08-28</a:t>
+              <a:t>2019-09-01</a:t>
             </a:fld>
             <a:endParaRPr lang="ko-KR" altLang="en-US"/>
           </a:p>
@@ -1612,7 +1613,7 @@
           <a:p>
             <a:fld id="{CEDA20BB-A36C-44CB-A9A0-32BED543DE31}" type="datetimeFigureOut">
               <a:rPr lang="ko-KR" altLang="en-US" smtClean="0"/>
-              <a:t>2019-08-28</a:t>
+              <a:t>2019-09-01</a:t>
             </a:fld>
             <a:endParaRPr lang="ko-KR" altLang="en-US"/>
           </a:p>
@@ -1730,7 +1731,7 @@
           <a:p>
             <a:fld id="{CEDA20BB-A36C-44CB-A9A0-32BED543DE31}" type="datetimeFigureOut">
               <a:rPr lang="ko-KR" altLang="en-US" smtClean="0"/>
-              <a:t>2019-08-28</a:t>
+              <a:t>2019-09-01</a:t>
             </a:fld>
             <a:endParaRPr lang="ko-KR" altLang="en-US"/>
           </a:p>
@@ -1825,7 +1826,7 @@
           <a:p>
             <a:fld id="{CEDA20BB-A36C-44CB-A9A0-32BED543DE31}" type="datetimeFigureOut">
               <a:rPr lang="ko-KR" altLang="en-US" smtClean="0"/>
-              <a:t>2019-08-28</a:t>
+              <a:t>2019-09-01</a:t>
             </a:fld>
             <a:endParaRPr lang="ko-KR" altLang="en-US"/>
           </a:p>
@@ -2102,7 +2103,7 @@
           <a:p>
             <a:fld id="{CEDA20BB-A36C-44CB-A9A0-32BED543DE31}" type="datetimeFigureOut">
               <a:rPr lang="ko-KR" altLang="en-US" smtClean="0"/>
-              <a:t>2019-08-28</a:t>
+              <a:t>2019-09-01</a:t>
             </a:fld>
             <a:endParaRPr lang="ko-KR" altLang="en-US"/>
           </a:p>
@@ -2355,7 +2356,7 @@
           <a:p>
             <a:fld id="{CEDA20BB-A36C-44CB-A9A0-32BED543DE31}" type="datetimeFigureOut">
               <a:rPr lang="ko-KR" altLang="en-US" smtClean="0"/>
-              <a:t>2019-08-28</a:t>
+              <a:t>2019-09-01</a:t>
             </a:fld>
             <a:endParaRPr lang="ko-KR" altLang="en-US"/>
           </a:p>
@@ -2568,7 +2569,7 @@
           <a:p>
             <a:fld id="{CEDA20BB-A36C-44CB-A9A0-32BED543DE31}" type="datetimeFigureOut">
               <a:rPr lang="ko-KR" altLang="en-US" smtClean="0"/>
-              <a:t>2019-08-28</a:t>
+              <a:t>2019-09-01</a:t>
             </a:fld>
             <a:endParaRPr lang="ko-KR" altLang="en-US"/>
           </a:p>
@@ -3330,16 +3331,7 @@
                 </a:solidFill>
                 <a:latin typeface="Times New Roman" panose="02020603050405020304" pitchFamily="18" charset="0"/>
               </a:rPr>
-              <a:t>Photonic Integrated Circuits review paper - </a:t>
-            </a:r>
-            <a:r>
-              <a:rPr lang="en-US" altLang="ko-KR" sz="1000" dirty="0" smtClean="0">
-                <a:solidFill>
-                  <a:srgbClr val="333333"/>
-                </a:solidFill>
-                <a:latin typeface="Times New Roman" panose="02020603050405020304" pitchFamily="18" charset="0"/>
-              </a:rPr>
-              <a:t>L. </a:t>
+              <a:t>Photonic Integrated Circuits review paper - L. </a:t>
             </a:r>
             <a:r>
               <a:rPr lang="en-US" altLang="ko-KR" sz="1000" dirty="0" err="1" smtClean="0">
@@ -4862,7 +4854,7 @@
         <p:spPr>
           <a:xfrm>
             <a:off x="1" y="400110"/>
-            <a:ext cx="12192000" cy="2677656"/>
+            <a:ext cx="12192000" cy="2308324"/>
           </a:xfrm>
           <a:prstGeom prst="rect">
             <a:avLst/>
@@ -4917,7 +4909,11 @@
             </a:pPr>
             <a:r>
               <a:rPr lang="en-US" altLang="ko-KR" sz="1600" dirty="0" smtClean="0"/>
-              <a:t>Perceptron-like machine learning algorithm[14]</a:t>
+              <a:t>Perceptron-like machine learning algorithm[14</a:t>
+            </a:r>
+            <a:r>
+              <a:rPr lang="en-US" altLang="ko-KR" sz="1600" dirty="0" smtClean="0"/>
+              <a:t>]</a:t>
             </a:r>
           </a:p>
           <a:p>
@@ -4930,15 +4926,7 @@
             </a:pPr>
             <a:r>
               <a:rPr lang="en-US" altLang="ko-KR" sz="1600" dirty="0" smtClean="0"/>
-              <a:t>Commercially available software </a:t>
-            </a:r>
-            <a:r>
-              <a:rPr lang="en-US" altLang="ko-KR" sz="1600" dirty="0" err="1" smtClean="0"/>
-              <a:t>Lumerical</a:t>
-            </a:r>
-            <a:r>
-              <a:rPr lang="en-US" altLang="ko-KR" sz="1600" dirty="0" smtClean="0"/>
-              <a:t> FDTD solutions</a:t>
+              <a:t>20 x 10 binary matrix</a:t>
             </a:r>
           </a:p>
           <a:p>
@@ -4951,24 +4939,7 @@
             </a:pPr>
             <a:r>
               <a:rPr lang="en-US" altLang="ko-KR" sz="1600" dirty="0" smtClean="0"/>
-              <a:t>Generate labeled data for training phase</a:t>
-            </a:r>
-          </a:p>
-          <a:p>
-            <a:pPr marL="285750" indent="-285750">
-              <a:lnSpc>
-                <a:spcPct val="150000"/>
-              </a:lnSpc>
-              <a:buFont typeface="Arial" panose="020B0604020202020204" pitchFamily="34" charset="0"/>
-              <a:buChar char="•"/>
-            </a:pPr>
-            <a:r>
-              <a:rPr lang="en-US" altLang="ko-KR" sz="1600" dirty="0" smtClean="0"/>
-              <a:t>Broadband(275-325 um) </a:t>
-            </a:r>
-            <a:r>
-              <a:rPr lang="en-US" altLang="ko-KR" sz="1600" dirty="0"/>
-              <a:t>integrated photonic power splitter</a:t>
+              <a:t>“1” for etched (air), “0” for not etched (Si)</a:t>
             </a:r>
           </a:p>
         </p:txBody>
@@ -5023,10 +4994,19 @@
                 </a:solidFill>
                 <a:latin typeface="Times New Roman" panose="02020603050405020304" pitchFamily="18" charset="0"/>
               </a:rPr>
-              <a:t>, “Binary matrix guessing problem,” Jan. 2017. [Online]. Available: </a:t>
-            </a:r>
-            <a:r>
-              <a:rPr lang="en-US" altLang="ko-KR" sz="1000" dirty="0" err="1">
+              <a:t>, </a:t>
+            </a:r>
+            <a:r>
+              <a:rPr lang="en-US" altLang="ko-KR" sz="1000" dirty="0" smtClean="0">
+                <a:solidFill>
+                  <a:srgbClr val="333333"/>
+                </a:solidFill>
+                <a:latin typeface="Times New Roman" panose="02020603050405020304" pitchFamily="18" charset="0"/>
+              </a:rPr>
+              <a:t>“Binary matrix guessing problem,” Jan. 2017. [Online]. Available: </a:t>
+            </a:r>
+            <a:r>
+              <a:rPr lang="en-US" altLang="ko-KR" sz="1000" dirty="0" err="1" smtClean="0">
                 <a:solidFill>
                   <a:srgbClr val="333333"/>
                 </a:solidFill>
@@ -5035,7 +5015,7 @@
               <a:t>arXiv</a:t>
             </a:r>
             <a:r>
-              <a:rPr lang="en-US" altLang="ko-KR" sz="1000" dirty="0">
+              <a:rPr lang="en-US" altLang="ko-KR" sz="1000" dirty="0" smtClean="0">
                 <a:solidFill>
                   <a:srgbClr val="333333"/>
                 </a:solidFill>
@@ -5043,12 +5023,6 @@
               </a:rPr>
               <a:t>: e-prints, vol.1701.06167</a:t>
             </a:r>
-            <a:endParaRPr lang="en-US" altLang="ko-KR" sz="1000" dirty="0" smtClean="0">
-              <a:solidFill>
-                <a:srgbClr val="333333"/>
-              </a:solidFill>
-              <a:latin typeface="Times New Roman" panose="02020603050405020304" pitchFamily="18" charset="0"/>
-            </a:endParaRPr>
           </a:p>
           <a:p>
             <a:pPr marL="228600" indent="-228600">
@@ -5062,19 +5036,10 @@
                 </a:solidFill>
                 <a:latin typeface="Times New Roman" panose="02020603050405020304" pitchFamily="18" charset="0"/>
               </a:rPr>
-              <a:t>M</a:t>
-            </a:r>
-            <a:r>
-              <a:rPr lang="en-US" altLang="ko-KR" sz="1000" dirty="0">
-                <a:solidFill>
-                  <a:srgbClr val="333333"/>
-                </a:solidFill>
-                <a:latin typeface="Times New Roman" panose="02020603050405020304" pitchFamily="18" charset="0"/>
-              </a:rPr>
-              <a:t>. </a:t>
-            </a:r>
-            <a:r>
-              <a:rPr lang="en-US" altLang="ko-KR" sz="1000" dirty="0" err="1">
+              <a:t>M. </a:t>
+            </a:r>
+            <a:r>
+              <a:rPr lang="en-US" altLang="ko-KR" sz="1000" dirty="0" err="1" smtClean="0">
                 <a:solidFill>
                   <a:srgbClr val="333333"/>
                 </a:solidFill>
@@ -5083,7 +5048,7 @@
               <a:t>Turduev</a:t>
             </a:r>
             <a:r>
-              <a:rPr lang="en-US" altLang="ko-KR" sz="1000" dirty="0">
+              <a:rPr lang="en-US" altLang="ko-KR" sz="1000" dirty="0" smtClean="0">
                 <a:solidFill>
                   <a:srgbClr val="333333"/>
                 </a:solidFill>
@@ -5092,7 +5057,7 @@
               <a:t>, E. </a:t>
             </a:r>
             <a:r>
-              <a:rPr lang="en-US" altLang="ko-KR" sz="1000" dirty="0" err="1">
+              <a:rPr lang="en-US" altLang="ko-KR" sz="1000" dirty="0" err="1" smtClean="0">
                 <a:solidFill>
                   <a:srgbClr val="333333"/>
                 </a:solidFill>
@@ -5101,7 +5066,7 @@
               <a:t>Bor</a:t>
             </a:r>
             <a:r>
-              <a:rPr lang="en-US" altLang="ko-KR" sz="1000" dirty="0">
+              <a:rPr lang="en-US" altLang="ko-KR" sz="1000" dirty="0" smtClean="0">
                 <a:solidFill>
                   <a:srgbClr val="333333"/>
                 </a:solidFill>
@@ -5110,7 +5075,7 @@
               <a:t>, C. </a:t>
             </a:r>
             <a:r>
-              <a:rPr lang="en-US" altLang="ko-KR" sz="1000" dirty="0" err="1">
+              <a:rPr lang="en-US" altLang="ko-KR" sz="1000" dirty="0" err="1" smtClean="0">
                 <a:solidFill>
                   <a:srgbClr val="333333"/>
                 </a:solidFill>
@@ -5119,7 +5084,7 @@
               <a:t>Latifoglu</a:t>
             </a:r>
             <a:r>
-              <a:rPr lang="en-US" altLang="ko-KR" sz="1000" dirty="0">
+              <a:rPr lang="en-US" altLang="ko-KR" sz="1000" dirty="0" smtClean="0">
                 <a:solidFill>
                   <a:srgbClr val="333333"/>
                 </a:solidFill>
@@ -5128,7 +5093,7 @@
               <a:t>, I. H. </a:t>
             </a:r>
             <a:r>
-              <a:rPr lang="en-US" altLang="ko-KR" sz="1000" dirty="0" err="1">
+              <a:rPr lang="en-US" altLang="ko-KR" sz="1000" dirty="0" err="1" smtClean="0">
                 <a:solidFill>
                   <a:srgbClr val="333333"/>
                 </a:solidFill>
@@ -5137,7 +5102,7 @@
               <a:t>Giden</a:t>
             </a:r>
             <a:r>
-              <a:rPr lang="en-US" altLang="ko-KR" sz="1000" dirty="0">
+              <a:rPr lang="en-US" altLang="ko-KR" sz="1000" dirty="0" smtClean="0">
                 <a:solidFill>
                   <a:srgbClr val="333333"/>
                 </a:solidFill>
@@ -5146,7 +5111,7 @@
               <a:t>, Y. S. </a:t>
             </a:r>
             <a:r>
-              <a:rPr lang="en-US" altLang="ko-KR" sz="1000" dirty="0" err="1">
+              <a:rPr lang="en-US" altLang="ko-KR" sz="1000" dirty="0" err="1" smtClean="0">
                 <a:solidFill>
                   <a:srgbClr val="333333"/>
                 </a:solidFill>
@@ -5155,7 +5120,7 @@
               <a:t>Hanay</a:t>
             </a:r>
             <a:r>
-              <a:rPr lang="en-US" altLang="ko-KR" sz="1000" dirty="0">
+              <a:rPr lang="en-US" altLang="ko-KR" sz="1000" dirty="0" smtClean="0">
                 <a:solidFill>
                   <a:srgbClr val="333333"/>
                 </a:solidFill>
@@ -5164,7 +5129,7 @@
               <a:t>, and H. Kurt, “</a:t>
             </a:r>
             <a:r>
-              <a:rPr lang="en-US" altLang="ko-KR" sz="1000" dirty="0" err="1">
+              <a:rPr lang="en-US" altLang="ko-KR" sz="1000" dirty="0" err="1" smtClean="0">
                 <a:solidFill>
                   <a:srgbClr val="333333"/>
                 </a:solidFill>
@@ -5173,7 +5138,7 @@
               <a:t>Ultracompact</a:t>
             </a:r>
             <a:r>
-              <a:rPr lang="en-US" altLang="ko-KR" sz="1000" dirty="0">
+              <a:rPr lang="en-US" altLang="ko-KR" sz="1000" dirty="0" smtClean="0">
                 <a:solidFill>
                   <a:srgbClr val="333333"/>
                 </a:solidFill>
@@ -5182,7 +5147,7 @@
               <a:t> Photonic Structure Design for Strong Light Confinement and Coupling Into </a:t>
             </a:r>
             <a:r>
-              <a:rPr lang="en-US" altLang="ko-KR" sz="1000" dirty="0" err="1">
+              <a:rPr lang="en-US" altLang="ko-KR" sz="1000" dirty="0" err="1" smtClean="0">
                 <a:solidFill>
                   <a:srgbClr val="333333"/>
                 </a:solidFill>
@@ -5191,7 +5156,7 @@
               <a:t>Nanowaveguide</a:t>
             </a:r>
             <a:r>
-              <a:rPr lang="en-US" altLang="ko-KR" sz="1000" dirty="0">
+              <a:rPr lang="en-US" altLang="ko-KR" sz="1000" dirty="0" smtClean="0">
                 <a:solidFill>
                   <a:srgbClr val="333333"/>
                 </a:solidFill>
@@ -5200,7 +5165,7 @@
               <a:t>,” Journal of </a:t>
             </a:r>
             <a:r>
-              <a:rPr lang="en-US" altLang="ko-KR" sz="1000" dirty="0" err="1">
+              <a:rPr lang="en-US" altLang="ko-KR" sz="1000" dirty="0" err="1" smtClean="0">
                 <a:solidFill>
                   <a:srgbClr val="333333"/>
                 </a:solidFill>
@@ -5209,7 +5174,7 @@
               <a:t>Lightwave</a:t>
             </a:r>
             <a:r>
-              <a:rPr lang="en-US" altLang="ko-KR" sz="1000" dirty="0">
+              <a:rPr lang="en-US" altLang="ko-KR" sz="1000" dirty="0" smtClean="0">
                 <a:solidFill>
                   <a:srgbClr val="333333"/>
                 </a:solidFill>
@@ -5217,12 +5182,6 @@
               </a:rPr>
               <a:t> Technology, vol. 36, no. 14, pp. 2812–2819, 2018. </a:t>
             </a:r>
-            <a:endParaRPr lang="en-US" altLang="ko-KR" sz="1000" dirty="0" smtClean="0">
-              <a:solidFill>
-                <a:srgbClr val="333333"/>
-              </a:solidFill>
-              <a:latin typeface="Times New Roman" panose="02020603050405020304" pitchFamily="18" charset="0"/>
-            </a:endParaRPr>
           </a:p>
           <a:p>
             <a:pPr marL="228600" indent="-228600">
@@ -5316,9 +5275,158 @@
           <a:p>
             <a:r>
               <a:rPr lang="en-US" altLang="ko-KR" sz="2000" b="1" dirty="0" smtClean="0"/>
-              <a:t>Result &amp; Discussion</a:t>
+              <a:t>Method</a:t>
             </a:r>
             <a:endParaRPr lang="ko-KR" altLang="en-US" sz="2000" b="1" dirty="0"/>
+          </a:p>
+        </p:txBody>
+      </p:sp>
+      <p:sp>
+        <p:nvSpPr>
+          <p:cNvPr id="5" name="TextBox 4"/>
+          <p:cNvSpPr txBox="1"/>
+          <p:nvPr/>
+        </p:nvSpPr>
+        <p:spPr>
+          <a:xfrm>
+            <a:off x="1" y="400110"/>
+            <a:ext cx="12192000" cy="2308324"/>
+          </a:xfrm>
+          <a:prstGeom prst="rect">
+            <a:avLst/>
+          </a:prstGeom>
+          <a:noFill/>
+        </p:spPr>
+        <p:txBody>
+          <a:bodyPr wrap="square" rtlCol="0">
+            <a:spAutoFit/>
+          </a:bodyPr>
+          <a:lstStyle/>
+          <a:p>
+            <a:pPr>
+              <a:lnSpc>
+                <a:spcPct val="150000"/>
+              </a:lnSpc>
+            </a:pPr>
+            <a:r>
+              <a:rPr lang="en-US" altLang="ko-KR" sz="1600" dirty="0" smtClean="0"/>
+              <a:t>Paragraphs </a:t>
+            </a:r>
+            <a:r>
+              <a:rPr lang="ko-KR" altLang="en-US" sz="1600" dirty="0" smtClean="0"/>
+              <a:t>구성</a:t>
+            </a:r>
+            <a:endParaRPr lang="en-US" altLang="ko-KR" sz="1600" dirty="0" smtClean="0"/>
+          </a:p>
+          <a:p>
+            <a:pPr marL="285750" indent="-285750">
+              <a:lnSpc>
+                <a:spcPct val="150000"/>
+              </a:lnSpc>
+              <a:buFont typeface="Arial" panose="020B0604020202020204" pitchFamily="34" charset="0"/>
+              <a:buChar char="•"/>
+            </a:pPr>
+            <a:r>
+              <a:rPr lang="en-US" altLang="ko-KR" sz="1600" dirty="0" smtClean="0"/>
+              <a:t>Generate </a:t>
+            </a:r>
+            <a:r>
+              <a:rPr lang="en-US" altLang="ko-KR" sz="1600" dirty="0"/>
+              <a:t>labeled data for training </a:t>
+            </a:r>
+            <a:r>
+              <a:rPr lang="en-US" altLang="ko-KR" sz="1600" dirty="0" smtClean="0"/>
+              <a:t>phase</a:t>
+            </a:r>
+          </a:p>
+          <a:p>
+            <a:pPr marL="285750" indent="-285750">
+              <a:lnSpc>
+                <a:spcPct val="150000"/>
+              </a:lnSpc>
+              <a:buFontTx/>
+              <a:buChar char="-"/>
+            </a:pPr>
+            <a:r>
+              <a:rPr lang="en-US" altLang="ko-KR" sz="1600" dirty="0" smtClean="0"/>
+              <a:t>Commercially </a:t>
+            </a:r>
+            <a:r>
+              <a:rPr lang="en-US" altLang="ko-KR" sz="1600" dirty="0" smtClean="0"/>
+              <a:t>available software </a:t>
+            </a:r>
+            <a:r>
+              <a:rPr lang="en-US" altLang="ko-KR" sz="1600" dirty="0" err="1" smtClean="0"/>
+              <a:t>Lumerical</a:t>
+            </a:r>
+            <a:r>
+              <a:rPr lang="en-US" altLang="ko-KR" sz="1600" dirty="0" smtClean="0"/>
+              <a:t> FDTD </a:t>
+            </a:r>
+            <a:r>
+              <a:rPr lang="en-US" altLang="ko-KR" sz="1600" dirty="0" smtClean="0"/>
+              <a:t>solutions</a:t>
+            </a:r>
+            <a:endParaRPr lang="en-US" altLang="ko-KR" sz="1600" dirty="0" smtClean="0"/>
+          </a:p>
+          <a:p>
+            <a:pPr marL="285750" indent="-285750">
+              <a:lnSpc>
+                <a:spcPct val="150000"/>
+              </a:lnSpc>
+              <a:buFont typeface="Arial" panose="020B0604020202020204" pitchFamily="34" charset="0"/>
+              <a:buChar char="•"/>
+            </a:pPr>
+            <a:r>
+              <a:rPr lang="en-US" altLang="ko-KR" sz="1600" dirty="0" smtClean="0"/>
+              <a:t>Broadband(275-325 </a:t>
+            </a:r>
+            <a:r>
+              <a:rPr lang="en-US" altLang="ko-KR" sz="1600" dirty="0" smtClean="0"/>
+              <a:t>um) </a:t>
+            </a:r>
+            <a:r>
+              <a:rPr lang="en-US" altLang="ko-KR" sz="1600" dirty="0"/>
+              <a:t>integrated photonic </a:t>
+            </a:r>
+            <a:r>
+              <a:rPr lang="en-US" altLang="ko-KR" sz="1600" dirty="0" smtClean="0"/>
+              <a:t>1</a:t>
+            </a:r>
+            <a:r>
+              <a:rPr lang="en-US" altLang="ko-KR" sz="1600" dirty="0" smtClean="0"/>
+              <a:t>x3 </a:t>
+            </a:r>
+            <a:r>
+              <a:rPr lang="en-US" altLang="ko-KR" sz="1600" dirty="0" smtClean="0"/>
+              <a:t>power splitter</a:t>
+            </a:r>
+          </a:p>
+          <a:p>
+            <a:pPr marL="285750" indent="-285750">
+              <a:lnSpc>
+                <a:spcPct val="150000"/>
+              </a:lnSpc>
+              <a:buFontTx/>
+              <a:buChar char="-"/>
+            </a:pPr>
+            <a:r>
+              <a:rPr lang="en-US" altLang="ko-KR" sz="1600" dirty="0" smtClean="0"/>
+              <a:t>Not aim to maximize the operation bandwidth</a:t>
+            </a:r>
+          </a:p>
+          <a:p>
+            <a:pPr marL="285750" indent="-285750">
+              <a:lnSpc>
+                <a:spcPct val="150000"/>
+              </a:lnSpc>
+              <a:buFontTx/>
+              <a:buChar char="-"/>
+            </a:pPr>
+            <a:r>
+              <a:rPr lang="en-US" altLang="ko-KR" sz="1600" dirty="0" smtClean="0"/>
+              <a:t>1:1:1 uniform</a:t>
+            </a:r>
           </a:p>
         </p:txBody>
       </p:sp>
@@ -5345,140 +5453,42 @@
           <a:p>
             <a:pPr marL="228600" indent="-228600">
               <a:buFont typeface="+mj-lt"/>
-              <a:buAutoNum type="arabicParenR"/>
+              <a:buAutoNum type="arabicParenR" startAt="14"/>
             </a:pPr>
             <a:r>
-              <a:rPr lang="en-US" altLang="ko-KR" sz="1000" dirty="0" smtClean="0">
-                <a:solidFill>
-                  <a:srgbClr val="333333"/>
-                </a:solidFill>
-                <a:latin typeface="Times New Roman" panose="02020603050405020304" pitchFamily="18" charset="0"/>
-              </a:rPr>
-              <a:t>Photonic Integrated Circuits review paper - </a:t>
-            </a:r>
-            <a:r>
-              <a:rPr lang="en-US" altLang="ko-KR" sz="1000" dirty="0" smtClean="0">
-                <a:solidFill>
-                  <a:srgbClr val="333333"/>
-                </a:solidFill>
-                <a:latin typeface="Times New Roman" panose="02020603050405020304" pitchFamily="18" charset="0"/>
-              </a:rPr>
-              <a:t>L. </a:t>
-            </a:r>
-            <a:r>
-              <a:rPr lang="en-US" altLang="ko-KR" sz="1000" dirty="0" err="1" smtClean="0">
-                <a:solidFill>
-                  <a:srgbClr val="333333"/>
-                </a:solidFill>
-                <a:latin typeface="Times New Roman" panose="02020603050405020304" pitchFamily="18" charset="0"/>
-              </a:rPr>
-              <a:t>Thylén</a:t>
-            </a:r>
-            <a:r>
-              <a:rPr lang="en-US" altLang="ko-KR" sz="1000" dirty="0" smtClean="0">
-                <a:solidFill>
-                  <a:srgbClr val="333333"/>
-                </a:solidFill>
-                <a:latin typeface="Times New Roman" panose="02020603050405020304" pitchFamily="18" charset="0"/>
-              </a:rPr>
-              <a:t> and L. </a:t>
-            </a:r>
-            <a:r>
-              <a:rPr lang="en-US" altLang="ko-KR" sz="1000" dirty="0" err="1" smtClean="0">
-                <a:solidFill>
-                  <a:srgbClr val="333333"/>
-                </a:solidFill>
-                <a:latin typeface="Times New Roman" panose="02020603050405020304" pitchFamily="18" charset="0"/>
-              </a:rPr>
-              <a:t>Wosinski</a:t>
-            </a:r>
-            <a:r>
-              <a:rPr lang="en-US" altLang="ko-KR" sz="1000" dirty="0" smtClean="0">
-                <a:solidFill>
-                  <a:srgbClr val="333333"/>
-                </a:solidFill>
-                <a:latin typeface="Times New Roman" panose="02020603050405020304" pitchFamily="18" charset="0"/>
-              </a:rPr>
-              <a:t>, “Integrated photonics in the 21st century,” </a:t>
-            </a:r>
-            <a:r>
-              <a:rPr lang="en-US" altLang="ko-KR" sz="1000" i="1" dirty="0" smtClean="0">
-                <a:solidFill>
-                  <a:srgbClr val="333333"/>
-                </a:solidFill>
-                <a:latin typeface="Times New Roman" panose="02020603050405020304" pitchFamily="18" charset="0"/>
-              </a:rPr>
-              <a:t>Photonics Research</a:t>
-            </a:r>
-            <a:r>
-              <a:rPr lang="en-US" altLang="ko-KR" sz="1000" dirty="0" smtClean="0">
-                <a:solidFill>
-                  <a:srgbClr val="333333"/>
-                </a:solidFill>
-                <a:latin typeface="Times New Roman" panose="02020603050405020304" pitchFamily="18" charset="0"/>
-              </a:rPr>
-              <a:t>, vol. 2, no. 2, p. 75, Jan. 2014.</a:t>
-            </a:r>
-          </a:p>
-        </p:txBody>
-      </p:sp>
-      <p:sp>
-        <p:nvSpPr>
-          <p:cNvPr id="8" name="TextBox 7"/>
-          <p:cNvSpPr txBox="1"/>
-          <p:nvPr/>
-        </p:nvSpPr>
-        <p:spPr>
-          <a:xfrm>
-            <a:off x="1" y="400110"/>
-            <a:ext cx="12192000" cy="830997"/>
-          </a:xfrm>
-          <a:prstGeom prst="rect">
-            <a:avLst/>
-          </a:prstGeom>
-          <a:noFill/>
-        </p:spPr>
-        <p:txBody>
-          <a:bodyPr wrap="square" rtlCol="0">
-            <a:spAutoFit/>
-          </a:bodyPr>
-          <a:lstStyle/>
-          <a:p>
-            <a:pPr>
-              <a:lnSpc>
-                <a:spcPct val="150000"/>
-              </a:lnSpc>
-            </a:pPr>
-            <a:r>
-              <a:rPr lang="en-US" altLang="ko-KR" sz="1600" dirty="0" smtClean="0"/>
-              <a:t>Paragraphs </a:t>
-            </a:r>
-            <a:r>
-              <a:rPr lang="ko-KR" altLang="en-US" sz="1600" dirty="0" smtClean="0"/>
-              <a:t>구성</a:t>
-            </a:r>
-            <a:endParaRPr lang="en-US" altLang="ko-KR" sz="1600" dirty="0" smtClean="0"/>
-          </a:p>
-          <a:p>
-            <a:pPr marL="285750" indent="-285750">
-              <a:lnSpc>
-                <a:spcPct val="150000"/>
-              </a:lnSpc>
-              <a:buFont typeface="Arial" panose="020B0604020202020204" pitchFamily="34" charset="0"/>
-              <a:buChar char="•"/>
-            </a:pPr>
-            <a:r>
-              <a:rPr lang="en-US" altLang="ko-KR" sz="1600" dirty="0" smtClean="0"/>
-              <a:t>“The two key criteria for a power splitter are low insertion loss, and excellent power uniformity.”[11]</a:t>
-            </a:r>
-            <a:endParaRPr lang="en-US" altLang="ko-KR" sz="1600" dirty="0"/>
+              <a:rPr lang="en-US" altLang="ko-KR" sz="1000" dirty="0">
+                <a:solidFill>
+                  <a:srgbClr val="333333"/>
+                </a:solidFill>
+                <a:latin typeface="Times New Roman" panose="02020603050405020304" pitchFamily="18" charset="0"/>
+              </a:rPr>
+              <a:t>C. </a:t>
+            </a:r>
+            <a:r>
+              <a:rPr lang="en-US" altLang="ko-KR" sz="1000" dirty="0" err="1">
+                <a:solidFill>
+                  <a:srgbClr val="333333"/>
+                </a:solidFill>
+                <a:latin typeface="Times New Roman" panose="02020603050405020304" pitchFamily="18" charset="0"/>
+              </a:rPr>
+              <a:t>Latifoglu</a:t>
+            </a:r>
+            <a:r>
+              <a:rPr lang="en-US" altLang="ko-KR" sz="1000" dirty="0">
+                <a:solidFill>
+                  <a:srgbClr val="333333"/>
+                </a:solidFill>
+                <a:latin typeface="Times New Roman" panose="02020603050405020304" pitchFamily="18" charset="0"/>
+              </a:rPr>
+              <a:t>, </a:t>
+            </a:r>
           </a:p>
         </p:txBody>
       </p:sp>
     </p:spTree>
     <p:extLst>
       <p:ext uri="{BB962C8B-B14F-4D97-AF65-F5344CB8AC3E}">
-        <p14:creationId xmlns:p14="http://schemas.microsoft.com/office/powerpoint/2010/main" val="3358646688"/>
+        <p14:creationId xmlns:p14="http://schemas.microsoft.com/office/powerpoint/2010/main" val="627354524"/>
       </p:ext>
     </p:extLst>
   </p:cSld>
@@ -5513,8 +5523,8 @@
         </p:nvSpPr>
         <p:spPr>
           <a:xfrm>
-            <a:off x="163901" y="611306"/>
-            <a:ext cx="2350643" cy="338554"/>
+            <a:off x="0" y="0"/>
+            <a:ext cx="3367454" cy="400110"/>
           </a:xfrm>
           <a:prstGeom prst="rect">
             <a:avLst/>
@@ -5522,6 +5532,210 @@
           <a:noFill/>
         </p:spPr>
         <p:txBody>
+          <a:bodyPr wrap="square" rtlCol="0">
+            <a:spAutoFit/>
+          </a:bodyPr>
+          <a:lstStyle/>
+          <a:p>
+            <a:r>
+              <a:rPr lang="en-US" altLang="ko-KR" sz="2000" b="1" dirty="0" smtClean="0"/>
+              <a:t>Result &amp; Discussion</a:t>
+            </a:r>
+            <a:endParaRPr lang="ko-KR" altLang="en-US" sz="2000" b="1" dirty="0"/>
+          </a:p>
+        </p:txBody>
+      </p:sp>
+      <p:sp>
+        <p:nvSpPr>
+          <p:cNvPr id="7" name="직사각형 6"/>
+          <p:cNvSpPr/>
+          <p:nvPr/>
+        </p:nvSpPr>
+        <p:spPr>
+          <a:xfrm>
+            <a:off x="0" y="4507453"/>
+            <a:ext cx="13100539" cy="246221"/>
+          </a:xfrm>
+          <a:prstGeom prst="rect">
+            <a:avLst/>
+          </a:prstGeom>
+        </p:spPr>
+        <p:txBody>
+          <a:bodyPr wrap="square">
+            <a:spAutoFit/>
+          </a:bodyPr>
+          <a:lstStyle/>
+          <a:p>
+            <a:pPr marL="228600" indent="-228600">
+              <a:buFont typeface="+mj-lt"/>
+              <a:buAutoNum type="arabicParenR"/>
+            </a:pPr>
+            <a:r>
+              <a:rPr lang="en-US" altLang="ko-KR" sz="1000" dirty="0" smtClean="0">
+                <a:solidFill>
+                  <a:srgbClr val="333333"/>
+                </a:solidFill>
+                <a:latin typeface="Times New Roman" panose="02020603050405020304" pitchFamily="18" charset="0"/>
+              </a:rPr>
+              <a:t>Photonic Integrated Circuits review paper - L. </a:t>
+            </a:r>
+            <a:r>
+              <a:rPr lang="en-US" altLang="ko-KR" sz="1000" dirty="0" err="1" smtClean="0">
+                <a:solidFill>
+                  <a:srgbClr val="333333"/>
+                </a:solidFill>
+                <a:latin typeface="Times New Roman" panose="02020603050405020304" pitchFamily="18" charset="0"/>
+              </a:rPr>
+              <a:t>Thylén</a:t>
+            </a:r>
+            <a:r>
+              <a:rPr lang="en-US" altLang="ko-KR" sz="1000" dirty="0" smtClean="0">
+                <a:solidFill>
+                  <a:srgbClr val="333333"/>
+                </a:solidFill>
+                <a:latin typeface="Times New Roman" panose="02020603050405020304" pitchFamily="18" charset="0"/>
+              </a:rPr>
+              <a:t> and L. </a:t>
+            </a:r>
+            <a:r>
+              <a:rPr lang="en-US" altLang="ko-KR" sz="1000" dirty="0" err="1" smtClean="0">
+                <a:solidFill>
+                  <a:srgbClr val="333333"/>
+                </a:solidFill>
+                <a:latin typeface="Times New Roman" panose="02020603050405020304" pitchFamily="18" charset="0"/>
+              </a:rPr>
+              <a:t>Wosinski</a:t>
+            </a:r>
+            <a:r>
+              <a:rPr lang="en-US" altLang="ko-KR" sz="1000" dirty="0" smtClean="0">
+                <a:solidFill>
+                  <a:srgbClr val="333333"/>
+                </a:solidFill>
+                <a:latin typeface="Times New Roman" panose="02020603050405020304" pitchFamily="18" charset="0"/>
+              </a:rPr>
+              <a:t>, “Integrated photonics in the 21st century,” </a:t>
+            </a:r>
+            <a:r>
+              <a:rPr lang="en-US" altLang="ko-KR" sz="1000" i="1" dirty="0" smtClean="0">
+                <a:solidFill>
+                  <a:srgbClr val="333333"/>
+                </a:solidFill>
+                <a:latin typeface="Times New Roman" panose="02020603050405020304" pitchFamily="18" charset="0"/>
+              </a:rPr>
+              <a:t>Photonics Research</a:t>
+            </a:r>
+            <a:r>
+              <a:rPr lang="en-US" altLang="ko-KR" sz="1000" dirty="0" smtClean="0">
+                <a:solidFill>
+                  <a:srgbClr val="333333"/>
+                </a:solidFill>
+                <a:latin typeface="Times New Roman" panose="02020603050405020304" pitchFamily="18" charset="0"/>
+              </a:rPr>
+              <a:t>, vol. 2, no. 2, p. 75, Jan. 2014.</a:t>
+            </a:r>
+          </a:p>
+        </p:txBody>
+      </p:sp>
+      <p:sp>
+        <p:nvSpPr>
+          <p:cNvPr id="8" name="TextBox 7"/>
+          <p:cNvSpPr txBox="1"/>
+          <p:nvPr/>
+        </p:nvSpPr>
+        <p:spPr>
+          <a:xfrm>
+            <a:off x="1" y="400110"/>
+            <a:ext cx="12192000" cy="830997"/>
+          </a:xfrm>
+          <a:prstGeom prst="rect">
+            <a:avLst/>
+          </a:prstGeom>
+          <a:noFill/>
+        </p:spPr>
+        <p:txBody>
+          <a:bodyPr wrap="square" rtlCol="0">
+            <a:spAutoFit/>
+          </a:bodyPr>
+          <a:lstStyle/>
+          <a:p>
+            <a:pPr>
+              <a:lnSpc>
+                <a:spcPct val="150000"/>
+              </a:lnSpc>
+            </a:pPr>
+            <a:r>
+              <a:rPr lang="en-US" altLang="ko-KR" sz="1600" dirty="0" smtClean="0"/>
+              <a:t>Paragraphs </a:t>
+            </a:r>
+            <a:r>
+              <a:rPr lang="ko-KR" altLang="en-US" sz="1600" dirty="0" smtClean="0"/>
+              <a:t>구성</a:t>
+            </a:r>
+            <a:endParaRPr lang="en-US" altLang="ko-KR" sz="1600" dirty="0" smtClean="0"/>
+          </a:p>
+          <a:p>
+            <a:pPr marL="285750" indent="-285750">
+              <a:lnSpc>
+                <a:spcPct val="150000"/>
+              </a:lnSpc>
+              <a:buFont typeface="Arial" panose="020B0604020202020204" pitchFamily="34" charset="0"/>
+              <a:buChar char="•"/>
+            </a:pPr>
+            <a:r>
+              <a:rPr lang="en-US" altLang="ko-KR" sz="1600" dirty="0" smtClean="0"/>
+              <a:t>“The two key criteria for a power splitter are low insertion loss, and excellent power uniformity.”[11]</a:t>
+            </a:r>
+            <a:endParaRPr lang="en-US" altLang="ko-KR" sz="1600" dirty="0"/>
+          </a:p>
+        </p:txBody>
+      </p:sp>
+    </p:spTree>
+    <p:extLst>
+      <p:ext uri="{BB962C8B-B14F-4D97-AF65-F5344CB8AC3E}">
+        <p14:creationId xmlns:p14="http://schemas.microsoft.com/office/powerpoint/2010/main" val="3358646688"/>
+      </p:ext>
+    </p:extLst>
+  </p:cSld>
+  <p:clrMapOvr>
+    <a:masterClrMapping/>
+  </p:clrMapOvr>
+</p:sld>
+</file>
+
+<file path=ppt/slides/slide5.xml><?xml version="1.0" encoding="utf-8"?>
+<p:sld xmlns:a="http://schemas.openxmlformats.org/drawingml/2006/main" xmlns:r="http://schemas.openxmlformats.org/officeDocument/2006/relationships" xmlns:p="http://schemas.openxmlformats.org/presentationml/2006/main">
+  <p:cSld>
+    <p:spTree>
+      <p:nvGrpSpPr>
+        <p:cNvPr id="1" name=""/>
+        <p:cNvGrpSpPr/>
+        <p:nvPr/>
+      </p:nvGrpSpPr>
+      <p:grpSpPr>
+        <a:xfrm>
+          <a:off x="0" y="0"/>
+          <a:ext cx="0" cy="0"/>
+          <a:chOff x="0" y="0"/>
+          <a:chExt cx="0" cy="0"/>
+        </a:xfrm>
+      </p:grpSpPr>
+      <p:sp>
+        <p:nvSpPr>
+          <p:cNvPr id="4" name="TextBox 3"/>
+          <p:cNvSpPr txBox="1"/>
+          <p:nvPr/>
+        </p:nvSpPr>
+        <p:spPr>
+          <a:xfrm>
+            <a:off x="163901" y="611306"/>
+            <a:ext cx="1869423" cy="338554"/>
+          </a:xfrm>
+          <a:prstGeom prst="rect">
+            <a:avLst/>
+          </a:prstGeom>
+          <a:noFill/>
+        </p:spPr>
+        <p:txBody>
           <a:bodyPr wrap="none" rtlCol="0">
             <a:spAutoFit/>
           </a:bodyPr>
@@ -5533,7 +5747,11 @@
             </a:r>
             <a:r>
               <a:rPr lang="en-US" altLang="ko-KR" sz="1600" dirty="0" smtClean="0"/>
-              <a:t> waveguide (30THz)</a:t>
+              <a:t> </a:t>
+            </a:r>
+            <a:r>
+              <a:rPr lang="en-US" altLang="ko-KR" sz="1600" dirty="0" smtClean="0"/>
+              <a:t>optical device</a:t>
             </a:r>
             <a:endParaRPr lang="ko-KR" altLang="en-US" sz="1600" dirty="0"/>
           </a:p>
@@ -5567,7 +5785,16 @@
                 </a:solidFill>
                 <a:latin typeface="Times New Roman" panose="02020603050405020304" pitchFamily="18" charset="0"/>
               </a:rPr>
-              <a:t>Subwavelength Graphene waveguide</a:t>
+              <a:t>Subwavelength Graphene </a:t>
+            </a:r>
+            <a:r>
+              <a:rPr lang="en-US" altLang="ko-KR" sz="1000" u="sng" dirty="0" smtClean="0">
+                <a:solidFill>
+                  <a:srgbClr val="333333"/>
+                </a:solidFill>
+                <a:latin typeface="Times New Roman" panose="02020603050405020304" pitchFamily="18" charset="0"/>
+              </a:rPr>
+              <a:t>waveguide (30 THz)</a:t>
             </a:r>
             <a:endParaRPr lang="en-US" altLang="ko-KR" sz="1000" u="sng" dirty="0">
               <a:solidFill>
@@ -5735,7 +5962,7 @@
 </p:sld>
 </file>
 
-<file path=ppt/slides/slide5.xml><?xml version="1.0" encoding="utf-8"?>
+<file path=ppt/slides/slide6.xml><?xml version="1.0" encoding="utf-8"?>
 <p:sld xmlns:a="http://schemas.openxmlformats.org/drawingml/2006/main" xmlns:r="http://schemas.openxmlformats.org/officeDocument/2006/relationships" xmlns:p="http://schemas.openxmlformats.org/presentationml/2006/main">
   <p:cSld>
     <p:spTree>
